--- a/React JS Workings.pptx
+++ b/React JS Workings.pptx
@@ -40,6 +40,17 @@
     <p:sldId id="288" r:id="rId34"/>
     <p:sldId id="289" r:id="rId35"/>
     <p:sldId id="290" r:id="rId36"/>
+    <p:sldId id="291" r:id="rId37"/>
+    <p:sldId id="292" r:id="rId38"/>
+    <p:sldId id="293" r:id="rId39"/>
+    <p:sldId id="294" r:id="rId40"/>
+    <p:sldId id="295" r:id="rId41"/>
+    <p:sldId id="296" r:id="rId42"/>
+    <p:sldId id="297" r:id="rId43"/>
+    <p:sldId id="298" r:id="rId44"/>
+    <p:sldId id="299" r:id="rId45"/>
+    <p:sldId id="300" r:id="rId46"/>
+    <p:sldId id="301" r:id="rId47"/>
   </p:sldIdLst>
   <p:sldSz cx="12192000" cy="6858000"/>
   <p:notesSz cx="6858000" cy="9144000"/>
@@ -212,7 +223,7 @@
   <inkml:trace contextRef="#ctx0" brushRef="#br0" timeOffset="305703.2647">24130 5468 0,'0'0'0,"-35"18"0,-18-1 0,18 1 16,-1 0-16,1-1 0,0 1 0,-1 17 15,19-17-15,17 17 0,0-17 16,0 17-16,0 0 0,0-17 0,0 17 15,17-17-15,19 17 0,-19-17 16,1-1-16,17 1 0,1 0 16,-19-18-16,18 0 0,-17 0 15,17 0-15</inkml:trace>
   <inkml:trace contextRef="#ctx0" brushRef="#br0" timeOffset="305950.2652">24430 5627 0,'0'0'0,"-35"35"0,17 0 15,0-17-15,1 17 0,-19 1 16,19-19-16,-1 1 0,0-1 15,1 1-15,-1-18 0,18 18 0,-17-18 16,17 17-16,17-17 16,1 0-16,17-17 15</inkml:trace>
   <inkml:trace contextRef="#ctx0" brushRef="#br0" timeOffset="306323.2651">24959 5274 0,'0'0'0,"-18"0"0,-17 0 16,17 0-16,-17 0 0,18 0 0,-1 0 15,0 0-15,1 18 16,17-1-16,0 1 0,0 0 0,0-1 16,0 1-16,0 17 0,0-17 15,17-1-15,-17 19 0,0-19 0,0 19 16,0-19-16,0 19 0,0-19 15,-17 1-15,-1 17 0,0-17 16,-17-1-16,17 1 0,1 0 0,-1-1 16,1-17-16,17 18 0,0 0 15,0-1 1,0 1-16,17-18 0,1 0 16,-1 17-16,1-17 0,0 18 15,-18 0-15,0-1 16,17 1-16,-17 0 0,18-1 15,-18 1-15,18 17 0,-18-17 0,0 17 16,0 0-16,0-17 0,0 17 16,0 1-16,0-1 0,0 0 0</inkml:trace>
-  <inkml:trace contextRef="#ctx0" brushRef="#br0" timeOffset="319971.6408">17709 8079 0,'0'-18'16,"0"0"0,0 1-1,18 17-15,0-18 0,-1 18 16,1 0-16,0 0 15,-1 0-15,1 0 16,-18 18 0,0-1-16,0 1 15,0 0-15,0 17 0,0-17 16,0 17-16,0 0 0,-35 0 0,35-17 16,0 17-16,-18 1 0,18-1 0,0-18 15,0 19-15,0-19 0,0 19 16,18-19-16,-18 1 0,17 0 0,1-1 15,0 1-15,-1-1 0,1-17 16,-1 0-16,1 18 0,0-18 16,-1 0-16,1 0 15,-36 0 32,1 0-47,-1 0 16,0 0-16,1 0 0,17 18 15,-18-18-15,18 17 0,0 1 16,0 0-16,0-1 16,0 1-16,0 0 15,0-1-15,0 19 0,0-19 0,0 1 16,0-1-16,0 19 0,0-19 0,0 1 16,0 17-16,0-17 15,0 0-15,-17-1 0,-1 1 16,0-1-16,1-17 0,-19 0 15,19 0-15,-19 0 0,1 0 0,0 0 16,0 0-16,-1 0 0,1 0 0,0 0 16,-1 0-16,1 0 0,0-17 15,17 17-15,-17 0 0,17 0 0,18-18 16</inkml:trace>
+  <inkml:trace contextRef="#ctx0" brushRef="#br0" timeOffset="319971.6406">17709 8079 0,'0'-18'16,"0"0"0,0 1-1,18 17-15,0-18 0,-1 18 16,1 0-16,0 0 15,-1 0-15,1 0 16,-18 18 0,0-1-16,0 1 15,0 0-15,0 17 0,0-17 16,0 17-16,0 0 0,-35 0 0,35-17 16,0 17-16,-18 1 0,18-1 0,0-18 15,0 19-15,0-19 0,0 19 16,18-19-16,-18 1 0,17 0 0,1-1 15,0 1-15,-1-1 0,1-17 16,-1 0-16,1 18 0,0-18 16,-1 0-16,1 0 15,-36 0 32,1 0-47,-1 0 16,0 0-16,1 0 0,17 18 15,-18-18-15,18 17 0,0 1 16,0 0-16,0-1 16,0 1-16,0 0 15,0-1-15,0 19 0,0-19 0,0 1 16,0-1-16,0 19 0,0-19 0,0 1 16,0 17-16,0-17 15,0 0-15,-17-1 0,-1 1 16,0-1-16,1-17 0,-19 0 15,19 0-15,-19 0 0,1 0 0,0 0 16,0 0-16,-1 0 0,1 0 0,0 0 16,-1 0-16,1 0 0,0-17 15,17 17-15,-17 0 0,17 0 0,18-18 16</inkml:trace>
   <inkml:trace contextRef="#ctx0" brushRef="#br0" timeOffset="326410.3257">18503 7567 0,'-17'0'0,"-1"0"16,0 0-16,1 0 0,-1 0 0,0 0 15,1 18-15,-1-1 0,-17 1 0,17 0 16,-17-1-16,17 1 0,-17 0 15,17-1-15,1 1 0,-19-1 0,19 1 16,-1 0-16,0-1 0,18 1 16,-17 0-16,17-1 0,0 1 0,0 0 15,0-1-15,0 1 16,0-1-16,0 1 0,17 0 0,19-18 16,-19 0-16,1 0 15,17 17-15,1-17 0,-1 0 0,0 0 16,-17 0-16,17 0 0,0 0 0,1-17 15,17 17-15</inkml:trace>
   <inkml:trace contextRef="#ctx0" brushRef="#br0" timeOffset="326658.4483">18927 7602 0,'0'0'0,"0"18"0,-18 17 16,18-17-16,-18 17 0,18-17 0,0-1 15,-17 19-15,17-19 0,0 1 16,0 0-16,0-1 0,0 1 0,0 0 15,17-18-15</inkml:trace>
   <inkml:trace contextRef="#ctx0" brushRef="#br0" timeOffset="327246.8191">19614 7673 0,'0'-18'0,"-17"18"0,-1 0 16,1 0-16,-1 0 0,0 0 16,-17 0-16,17 0 0,-17 18 0,17-18 15,-17 0-15,17 0 0,1 0 0,-18 18 16,17-18-16,0 0 16,1 17-16,-1 1 0,0-18 0,1 17 15,-1 1-15,18 0 0,-18-1 16,18 1-16,0 0 0,0-1 15,0 1-15,0 0 0,0-1 0,0 1 16,18-18-16,0 0 0,17 17 16,-17-17-16,-1 0 0,19 0 0,-19 0 15,1 0-15,17 0 0,-17 0 16,-1-17-16,19-1 0,-19 1 0,1 17 16,-18-18-16,18 0 0,-18 1 15,17-1-15,1 18 16,-18-18-16,18 18 15,-18 18 1,17 0 0,-17-1-16,18 1 0,-18 0 15,17-1-15,1 1 0,-18 17 0,18-17 16,-18 17-16,0-17 0,0 17 0,0 0 16,0-17-16,0 17 0,0-17 15,0 17-15,-18-17 0,0-1 0,1 1 16,-1 0-16,1-1 0,-1-17 15,0 18-15,1-18 16,-1 0 0,0 18-16,1-18 0,-19 0 15,19 0-15,-19 0 0,19 0 0,-18 0 16,17 0-16,0-18 0,18 0 16,-17 1-16,17-1 0,0 0 0,0 1 15</inkml:trace>
@@ -475,10 +486,10 @@
   <inkml:trace contextRef="#ctx0" brushRef="#br0" timeOffset="103896.1489">18538 4445 0,'0'0'0,"0"18"16,-17-1-16,-1 19 0,1-1 0,-1 0 0,0 18 15,1 0-15,-1 0 16,-17 17-16,17-17 0,0 18 0,1-1 16,-1-17-16,1 18 0,-1-18 15,0 0-15,18-18 0,-17 0 0,-1 1 16,0-1-16,18 0 0,-17-17 15,-1-18-15,0 0 0,1 17 0,-19-17 16</inkml:trace>
   <inkml:trace contextRef="#ctx0" brushRef="#br0" timeOffset="105051.3565">16228 5133 0,'0'0'0,"0"-18"47,17 18-32,1-17-15,0 17 0,-1 0 16,1 0-16,0-18 0,-1 18 15,1-18-15,0 18 0,-1 0 0,1 0 16,-1-17-16,1 17 16,0-18-16,-1 18 0,1 0 0,0 0 15,-1 0 1,-34 0 31,-1 0-32,0 0-15,1 18 0,-19-1 16,19-17-16,-1 18 0,-17-18 0,17 0 16,1 0-16,-1 18 0,-17-18 0,17 0 15,0 0 1,36 0 15,0-18-15,-1 18-16,19-18 0,-19 18 0,19 0 15,-19-17-15,18 17 0,-17-18 16,17 18-16,-17 0 0,0 0 0,-1 0 16</inkml:trace>
   <inkml:trace contextRef="#ctx0" brushRef="#br0" timeOffset="105420.005">16192 5327 0,'18'0'15,"0"0"-15,-1 0 0,19 0 0,-19 0 16,19-18-16,-1 18 0,-17-17 15,17 17-15,0 0 0,-17 0 0,17 0 16,0 0-16,-17-18 0,0 18 16,-1 0-16,1 0 0</inkml:trace>
-  <inkml:trace contextRef="#ctx0" brushRef="#br0" timeOffset="106068.4437">20214 4374 0,'0'0'15,"-17"18"-15,-1 0 0,0 17 16,1 0-16,-19 1 0,19-1 0,-19 18 16,19 0-16,-19 17 0,1 1 0,0-1 15,0 1-15,-1-1 0,19 1 16,-19 0-16,19-1 0,-1-17 0,1 0 15,17 0-15,0-18 0,0 0 16,0-17-16,0 17 0,0-17 0,0 0 16,0-1-1,17-17-15,1-17 16</inkml:trace>
+  <inkml:trace contextRef="#ctx0" brushRef="#br0" timeOffset="106068.4435">20214 4374 0,'0'0'15,"-17"18"-15,-1 0 0,0 17 16,1 0-16,-19 1 0,19-1 0,-19 18 16,19 0-16,-19 17 0,1 1 0,0-1 15,0 1-15,-1-1 0,19 1 16,-19 0-16,19-1 0,-1-17 0,1 0 15,17 0-15,0-18 0,0 0 16,0-17-16,0 17 0,0-17 0,0 0 16,0-1-1,17-17-15,1-17 16</inkml:trace>
   <inkml:trace contextRef="#ctx0" brushRef="#br0" timeOffset="106441.8113">19738 4621 0,'0'0'0,"35"-53"0,18 18 0,-18 0 0,18 0 15,0-18-15,0 17 0,0 1 16,0 0-16,18 17 0,-1-17 0,1 0 15,17 17-15,-18 0 0,19-17 16,-19 17-16,1 18 0,17 0 16,-35 0-16,17 0 0,-17 0 15,0 0-15,0 18 0,0 0 0,-18-1 16,1 1-16,-1 17 0,-18 1 16,1-1-16,0 0 0,-18 0 0,0 18 15,0-17-15,0 17 0,0-18 0,-18 18 16,0 0-16,1 0 0,-1-1 15,1 1-15,-1-17 0,0 17 0,1 0 16,17-18-16,0 0 16,0-17-16,-18 17 0,18-17 0,0-1 15</inkml:trace>
   <inkml:trace contextRef="#ctx0" brushRef="#br0" timeOffset="106673.8705">21378 4780 0,'0'0'0,"0"-18"0,0 1 0,-17-1 16,-1 18-16,-17 0 0,17 0 15,-17 0-15,0 0 0,-1 0 16,-17 0-16,0 18 0,1-1 0,-1 1 16,-18 0-16,1-1 0,-1 1 15,-17 0-15,17-1 0,-17 1 0,0 0 16,17-1-16,-17 1 15,18 0-15,17-18 0,-18 17 0,18 1 16,18-18-16,0 0 0,-1 0 16,19 0-16</inkml:trace>
-  <inkml:trace contextRef="#ctx0" brushRef="#br0" timeOffset="107032.9432">21978 4568 0,'0'0'0,"0"18"0,0 17 16,0-17-16,0 17 0,0 1 16,0-1-16,-18 0 0,18 0 0,0 1 15,-17-1-15,17 0 0,0 1 16,-18-1-16,18 0 0,0 0 16,0 1-16,0-19 0,0 19 0,0-19 15,0 18-15,0-17 0,0 0 16,0-1-16,0 1 0,0 0 0,18-1 15,-1-17 1</inkml:trace>
+  <inkml:trace contextRef="#ctx0" brushRef="#br0" timeOffset="107032.943">21978 4568 0,'0'0'0,"0"18"0,0 17 16,0-17-16,0 17 0,0 1 16,0-1-16,-18 0 0,18 0 0,0 1 15,-17-1-15,17 0 0,0 1 16,-18-1-16,18 0 0,0 0 16,0 1-16,0-19 0,0 19 0,0-19 15,0 18-15,0-17 0,0 0 16,0-1-16,0 1 0,0 0 0,18-1 15,-1-17 1</inkml:trace>
   <inkml:trace contextRef="#ctx0" brushRef="#br0" timeOffset="107442.9395">22066 4410 0,'0'0'0,"36"-36"0,16-16 16,19 16-16,-18-17 0,0 18 0,17 0 15,1-18-15,-18 35 0,0-17 16,17 17-16,-17 1 0,0-1 16,-18 18-16,18-18 0,-17 18 15,-1 0-15,0 0 0,-17 0 0,-1 18 16,1 0-16,-18-1 0,0 1 16,0 0-16,0 17 0,0 0 0,-18 0 15,1 1-15,-18-1 0,-18 0 16,17 1-16,-17-1 0,-17 0 0,17 0 15,-18 1-15,18-1 0,-17 0 16,-1-17-16,18 17 0,1-17 0,16-1 16,1 1-16,0-18 0,-1 0 0,19 0 15</inkml:trace>
   <inkml:trace contextRef="#ctx0" brushRef="#br0" timeOffset="107698.9833">23636 4110 0,'0'0'0,"-18"35"0,1 0 16,-1 18-16,-17-17 0,17 17 0,-17-18 15,17 18-15,-17-18 0,17 18 16,-17-18-16,18 0 0,-1 18 0,0-17 16,1-1-16,17 0 0,0 0 15,0 1-15,0-1 0,0 0 0,0-17 16,0 17-16,0-17 0</inkml:trace>
   <inkml:trace contextRef="#ctx0" brushRef="#br0" timeOffset="107968.9537">22578 4516 0,'17'-36'15,"-34"72"-15,52-89 0,0 17 0,1 1 0,17 0 16,-1 0-16,1-1 0,0 19 15,18-19-15,-1 19 0,1-19 0,-1 19 16,1-1-16,0 0 0,-1 1 16,1-1-16,-18 1 0,17 17 15,-17 0-15,18 0 0,-36 0 16,18 0-16,-18 0 0,-17 0 0,-1 17 16,-17 1-16,0-1 0</inkml:trace>
@@ -561,11 +572,11 @@
   <inkml:trace contextRef="#ctx0" brushRef="#br0" timeOffset="53131.5035">17886 6756 0,'0'0'0,"0"17"0,0 1 0,17 0 15,-17-1-15,0 1 0,18 17 16,-18-17-16,0-1 0,0 1 0,0 0 16,0-1-16,0 1 15,-18-18 1,1 0-16,-1 0 16,1 0-1,17-18-15,0 1 0,0-1 16,0-17-16,0 17 0,0-17 15,0 17-15,17-17 0,1 0 0,-18-18 16,35 17-16,-17 1 0,-1 0 0,19 0 16,-1 17-16,-17 0 0,17 1 15,-18-1-15,19 18 0,-19 0 16,1 0-16,-18 18 16,0-1-16,0 1 0,0 17 0,0-17 15,-35 0-15,17 17 0,0-18 16,1 19-16,-18-19 0,17 19 0,0-19 15,1-17-15,-1 18 0,18 0 0,-18-18 16,36 0 15,17 0-31,-17 0 0,17 0 16,0-18-16,18 0 0,-17 1 16,17 17-16,-18-18 0,18 0 0,-18 1 0,18-19 15,-18 19-15,1-1 16,-1-17-16,0 17 0,-17 1 0,17-19 15,-17 19-15,-18-19 0,0 19 16,0-18-16,0 17 0,0 0 0,0 1 16,-36-1-16,19 18 0,-1-18 0,0 18 15,1 0-15,-1 0 0,1 0 16,17 18-16,0 0 0,0 17 0,0-17 16,0-1-16,0 18 0,35-17 15,-18 17-15,19-17 0,-1 0 0,0-1 16,1 1-16,16 0 0,-16-1 15,-1 1-15,18-18 0,-18 0 0,-17 17 16,17-17-16,-17 0 0,-1 0 16</inkml:trace>
   <inkml:trace contextRef="#ctx0" brushRef="#br0" timeOffset="58898.4109">7126 9525 0,'0'0'0,"18"53"0,-18-18 0,17 18 16,1 0-16,0-18 0,-18 18 0,17-18 15,-17 18-15,18-17 0,0-1 16,-18 18-16,17-18 0,1 0 0,-18 1 15,0 17-15,0-18 0,17 0 16,-17 18-16,18-18 0,-18 18 0,18-17 16,-18-1-16,17 18 0,-17-18 15,18 0-15,-18 1 0,0 17 16,0-18-16,18 0 0,-18 0 0,17 1 16,-17-1-16,18 0 0,0 0 15,-18 1-15,17-1 0,-17 0 0,0-17 16,18 35-16,0-18 0,-18 0 15,17 1-15,1-1 0,-18 0 0,17 1 16,-17-1-16,18-18 0,-18 19 16,18-1-16,-18 0 0,17-17 0,-17 17 15,18-17-15,-18-1 0,0 19 16,18-19-16,-1 1 0,-17 0 0,18-1 16,0 1-16,-18 0 15,17-18-15,-17 17 0,0 1 16,18-1-16,-1 1 15,1 0-15,0-1 16,-18 1-16,17-18 0,-17 18 16,18-1-16,-18 1 15,0 0-15,0-1 0,18 1 16,-18 0-16,17-1 0,-17 1 16,18-1-16,0 1 0,-18 17 0,17-17 15,1 0-15,-18 17 0,17-17 0,-17-1 16,18 18-16,-18-17 0,0 0 15,0-1-15,0 1 0,0 0 16,0-1-16,0 1 0,0 0 0,0-1 16,0 1-1,0-36 63,0 1-78,0-1 16,0 0-16,18 18 16,-18-17-16,17-1 15,-17 0 63,0 1-46,0-1-32</inkml:trace>
   <inkml:trace contextRef="#ctx0" brushRef="#br0" timeOffset="63785.5681">7549 9560 0,'53'0'0,"-17"0"0,17-17 15,-18 17-15,18 0 0,0 0 0,-18 0 16,18-18-16,-18 18 0,18 0 16,-18-18-16,18 18 0,-17 0 15,-1 0-15,18 0 0,-18 0 16,0-17-16,18 17 0,0 0 0,-18 0 15,18-18-15,0 18 0,18-18 0,-18 18 16,0 0-16,17 0 0,-17 0 16,0-17-16,0 17 0,0 0 0,0-18 15,0 18-15,-18 0 0,0 0 16,18 0-16,-18 0 0,1 0 0,-1-17 16,0 17-16,-17-18 0,17 18 15,18 0-15,-18 0 0,18-18 0,-17 18 16,16 0-16,19 0 0,-18-17 15,0 17-15,0 0 0,0-18 16,0 18-16,0 0 0,-1 0 0,-16 0 16,17 0-16,-18 0 0,0 0 15,18 0-15,-18 0 0,1-18 0,-1 18 16,0 0-16,18 0 0,0-17 16,0 17-16,0 0 0,17 0 0,1 0 15,0 0-15,-1-18 0,1 18 16,-1 0-16,1-18 0,-18 18 0,17 0 15,1 0-15,-18-17 0,0 17 16,0 0-16,-1 0 0,1 0 0,0-18 16,0 18-16,0-18 0,0 18 15,-18 0-15,18 0 0,0-17 16,18 17-16,-18-18 0,17 1 0,18 17 16,1-18-16,-1 0 0,0 1 15,18 17-15,17-18 0,1 18 0,-18-18 16,17 18-16,1 0 0,-19 0 15,19 0-15,-18 0 0,-1 0 0,1 0 16,0 0-16,0 0 0,0 0 0,0 0 16,-18-17-16,18 17 0,-18 0 15,18-18-15,-18 18 0,18 0 0,0 0 16,17 0-16,-17 0 0,0-18 16,0 18-16,-18 0 0,18 0 15,-18 0-15,18 0 0,-18 0 16,0 0-16,18 0 0,-18 0 0,18 0 15,-18 0-15,0 0 0,18 0 0,-18 0 16,-17 0-16,17 0 0,0 0 16,-17 0-16,-1 18 0,19-18 0,-19 0 15,1 0-15,-1 0 0,1 0 16,-1 0-16,1 0 0,-18 0 0,17 0 16,-17 0-16,0 0 0,0 0 15,0 0-15,0 0 0,-18 0 0,18 0 16,0 0-16,-18 0 0,18 0 15,0 0-15,-18 18 0,18-18 16,-17 0-16,17 0 0,-1 0 0,-16 0 16,17 0-16,-18 17 0,0-17 15,0 0-15,1 18 0,-1-18 0,0 0 16,1 0-16,-1 0 0,-18 0 16,19 0-16,-1 18 0,-17-18 0,17 0 15,0 0-15,1 0 0,-19 17 16,18-17-16,1 18 0,-1-18 0,0 0 15,1 0-15,16 0 0,1 18 16,-17-18-16,17 0 0,-1 0 0,-16 0 16,17 0-16,-18 0 0,18 17 15,-18-17-15,18 0 0,-18 0 16,18 0-16,-17 0 0,16 0 0,-16 18 16,17-18-16,-18 0 0,18 0 15,-18 17-15,0-17 0,18 0 0,-17 0 16,17 0-16,-18 0 0,18 0 0,-18 0 15,18 0-15,-18 0 0,0 18 16,18-18-16,-17 0 0,-1 0 0,18 0 16,-18 0-16,0 0 0,1 0 15,-1 0-15,0 18 0,1-18 0,-1 0 16,0 0-16,0 0 0,-17 0 16,17 0-16,-17 0 0,17 17 15,-17-17-15,-1 0 0,19 18 0,-19-18 16,1 0-16,0 0 0,17 18 15,-17-18-15,-1 0 0,18 17 0,-17-17 16,0 18-16,-1-18 0,1 18 16,0-1-16,17-17 0,-17 18 0,-1 0 15,19-1-15,-19 1 0,1 17 0,-1-17 16,19-1-16,-19 19 0,1-1 16,0 0-16,-1 18 0,1-18 0,-18 1 15,0 17-15,18-1 0,-1-16 16,-17 17-16,18 0 0,-18 0 0,17-1 15,-17-16-15,18 17 0,-18 0 16,18-1-16,-1 19 0,1-18 16,0 0-16,-1 0 0,1 17 0,0-17 15,-1 18-15,1-18 0,-1 0 0,1 17 16,-18-17-16,18 18 0,-18-18 16,0 17-16,17 1 0,1-18 0,-18 17 15,18-17-15,-1 18 0,1-18 16,0-1-16,-18 19 0,17-18 0,1 0 15,0 0-15,-1 17 0,1-17 0,-18 0 16,35 0-16,-17 18 0,-1-18 16,1-1-16,0 1 0,-1 0 15,1 0-15,17 0 0,-17-18 0,-1 18 16,1-17-16,0 17 0,17-18 16,-17 18-16,-1-18 0,1 18 0,0-18 15,17 0-15,-18 18 0,1-17 0,0-1 16,-1 18-16,1-18 0,0 0 15,-1 18-15,1-17 0,0-1 0,-1 0 16,1 18-16,0-18 0,-1 1 0,1-1 16,17 0-16,-17 0 0,-1 1 0,1-1 15,0 0-15,-1 1 0,1-1 16,0 18-16,-1-18 0,1 0 0,-1 1 16,1-1-16,0 0 0,-18 0 15,17 1-15,1-1 0,0 0 16,-1 1-16,1-1 0,-18-18 0,18 19 15,-18-19-15,0 19 0,17-19 0,1 19 16,-18-19-16,17 18 0,-17-17 0,18 17 16,-18-17-16,0 17 0,0 1 15,0-1-15,18 0 0,-18 0 0,0 1 16,0-19-16,17 19 0,-17-1 0,0-17 16,0-1-16,0 18 0,0-17 15,0 0-15,18-18 0,-18 17 0,0 1 16,0 0-16,18-18 0,-1 17 15,1-17 1,-18 18 47,-18 0-63,1-18 15,-1 0-15,0 0 0,1 17 0,-1-17 16,0 0-16,-17 0 0,18 0 0,-19 0 15,1 18-15,0-18 0,-1 17 16,-16-17-16,-1 0 0,0 0 0,-18 18 16,18-18-16,-17 0 0,-1 0 0,-17 18 15,17-18-15,-17 0 0,0 0 16,0 17-16,0-17 0,-18 18 16,18-18-16,-18 0 0,0 18 0,-18-18 15,19 17-15,-19-17 0,1 0 0,-1 0 16,-17 0-16,0 0 0,0 0 0,0 0 15,-18 0-15,18 18 0,-18-18 16,0 0-16,1 0 0,-1 0 0,0 0 16,18 0-16,-18 18 0,1-18 0,16 17 15,-16-17-15,17 0 0,-1 0 0,1 18 16,0-18-16,0 0 0,0 0 16,0 0-16,0 18 0,17-18 0,-17 17 15,18-17-15,-18 0 0,17 0 16,1 18-16,-1-18 0,1 17 0,17-17 15,-18 0-15,19 0 0,-1 0 16,-18 18-16,18-18 0,1 0 0,-1 0 16,0 18-16,0-18 0,0 17 0,0-17 15,1 0-15,-1 18 0,0-18 0,0 18 16,18-18-16,-18 0 0,18 0 16,-18 17-16,18-17 0,-18 18 0,18-18 15,0 0-15,-1 0 0,1 0 0,0 0 16,0 18-16,0-18 0,-1 0 0,19 0 15,-18 17-15,0-17 16,-1 18-16,19-18 0,-18 17 0,-1 1 16,19-18-16,-18 18 0,17-1 0,1-17 15,-1 18-15,-17-18 0,17 0 0,1 18 16,-1-1-16,1-17 0,-1 0 16,18 0-16,-17 0 0,-1 18 0,0-18 15,1 0-15,-1 0 0,18 0 0,-17 0 16,17 0-16,-18 0 0,18 0 15,-17 0-15,17 0 0,-18 0 0,18 0 16,-17 18-16,17-18 0,-18 0 0,19 0 16,-1 0-16,0 0 0,0 0 0,0 0 15,0 0-15,0 0 16,0 0-16,0 0 0,0 0 0,0 0 16,0 0-16,18 17 0,-18-17 0,0 18 15,0-18-15,1 0 0,-1 0 0,0 17 16,0-17-16,0 0 0,0 0 15,18 0-15,-18 18 0,0-18 0,0 18 16,18-18-16,-18 0 0,17 0 0,-16 0 16,16 0-16,1 0 0,-18 0 15,18 0-15,-1 0 0,1 0 0,0 0 16,0 0-16,-1 0 0,1 0 0,0 0 16,-18 0-16,18 0 0,-1 0 15,1 0-15,17 0 0,-17 0 16,0 0-16,17 0 0,1 0 0,-19 0 15,19 0-15,-1 0 0,0 0 0,1 0 16,-1 0-16,0 17 0,1-17 16,-1 0-16,-17 0 0,17 0 0,1 0 15,-19 18-15,19-18 0,-1 0 0,-17 0 16,17 0-16,1 18 0,-1-18 16,-17 0-16,17 0 0,0 0 0,1 0 15,-1 0-15,0 0 0,1 0 16,-1 0-16,1 0 15,-1 0-15,0 0 0,1 0 0,-1 0 16,0-18-16,1 18 0,-1 0 16,-17 0-16,17 0 0,0 0 0,-17 0 15,18-18-15,-1 18 0,0 0 16,-17 0-16,17 0 0,1-17 0,-1 17 16,0 0-16,1-18 0,-1 18 15,1-18-15,-1 18 16,18-17-16,-18 17 0,1-18 15,17 1-15,-18 17 0,18-18 0,0 0 16,-18 18-16,18-17 0,0-1 16,0 0-16,0-17 0,0 17 0,0 1 15,0-18-15,0-1 0,0 19 16,0-19-16,18 1 0,-18 0 0,18 0 16,-18-18-16,0 17 0,17 1 15,-17-18-15,0 18 0,0-18 0,0 18 16,0-18-16,0 17 0,0 1 0,0-18 15,0 18-15,0-18 0,0 18 16,0 0-16,0-18 0,0 17 0,0-17 16,-17 18-16,17 0 0,0-18 0,0 18 15,0-1-15,0 1 0,0-18 0,0 18 16,0 0-16,17-18 0,-17 17 16,18 1-16,-18 0 0,0-18 0,0 18 15,18-1-15,-18 1 0,17 0 16,-17 0-16,0-18 0,18 17 15,-18 1-15,0 0 0,0 0 0,0-1 16,0 1-16,0 0 0,0-1 0,0 1 16,0 0-16,0 0 0,0-1 15,0-17-15,0 18 0,0 0 0,0 0 16,0-18-16,0 17 0,0 1 0,0 0 16,0 0-16,0-1 0,0 1 15,0 0-15,0-1 0,0 1 0,0 0 16,0 17-16,17-17 0,-17 0 0,0-1 15,0 19-15,0-19 0,0 1 16,0 18-16,0-19 0,0 1 16,0 0-16,0 17 0,0-17 0,0 0 15,0-1-15,-17 19 0,-1-19 16,18 1-16,-17 17 0,-1 1 0,18-18 16,0 17-16,-18 0 0,1 1 0,17-1 15,-18 0-15,18 1 0,-18-1 16,18 0-16,-17 18 0,17-17 15,-18-1-15,0 18 16,18-18-16</inkml:trace>
-  <inkml:trace contextRef="#ctx0" brushRef="#br0" timeOffset="66291.902">9031 11536 0,'0'0'0,"-18"0"16,1 0-16,-1 0 31,18-18-31,-17 18 0,17-17 31,17 17 0,1 0-15,-1 0-16,1 0 16,0 0-1,-1 0-15,1 17 0,0-17 16,-18 18-16,17-1 0,1-17 0,0 18 16,-1 0-16,1-1 15,-1 1-15,1 0 0,0-1 0,-1 19 16,-17-19-16,18 1 0,0-1 15,-1 1-15,-17 0 0,18-1 16,-18 1 0,0-36 15,0 1-31,-18-1 0,1 0 16,-1 1-16,0-1 0,1 1 15,17-19-15,0 19 0,-18-19 16,18 19-16,0-19 0,0 19 0,0-18 15,0 17-15,0-17 0,0 17 16,0 0-16,18 1 0,-1-1 0,1 0 16,0 1-16,-1 17 0,19 0 15,-19-18-15,19 18 0,-19 0 0,1 0 16,17 0-16,-17 18 0,17-1 16,-17-17-16,17 18 0,-17 17 15,17-17-15,-18 0 0,1-1 0,0 1 16,17 17-16,-17-17 0,-1-1 15,1 19-15,0-19 0,-1 1 0,1 17 16,-1-17-16,1 0 0,0-1 0,-1 1 16,19-1-16,-19-17 15,19 18-15,-19-18 0,1 0 0,17 0 16,0 0-16</inkml:trace>
+  <inkml:trace contextRef="#ctx0" brushRef="#br0" timeOffset="66291.9019">9031 11536 0,'0'0'0,"-18"0"16,1 0-16,-1 0 31,18-18-31,-17 18 0,17-17 31,17 17 0,1 0-15,-1 0-16,1 0 16,0 0-1,-1 0-15,1 17 0,0-17 16,-18 18-16,17-1 0,1-17 0,0 18 16,-1 0-16,1-1 15,-1 1-15,1 0 0,0-1 0,-1 19 16,-17-19-16,18 1 0,0-1 15,-1 1-15,-17 0 0,18-1 16,-18 1 0,0-36 15,0 1-31,-18-1 0,1 0 16,-1 1-16,0-1 0,1 1 15,17-19-15,0 19 0,-18-19 16,18 19-16,0-19 0,0 19 0,0-18 15,0 17-15,0-17 0,0 17 16,0 0-16,18 1 0,-1-1 0,1 0 16,0 1-16,-1 17 0,19 0 15,-19-18-15,19 18 0,-19 0 0,1 0 16,17 0-16,-17 18 0,17-1 16,-17-17-16,17 18 0,-17 17 15,17-17-15,-18 0 0,1-1 0,0 1 16,17 17-16,-17-17 0,-1-1 15,1 19-15,0-19 0,-1 1 0,1 17 16,-1-17-16,1 0 0,0-1 0,-1 1 16,19-1-16,-19-17 15,19 18-15,-19-18 0,1 0 0,17 0 16,0 0-16</inkml:trace>
   <inkml:trace contextRef="#ctx0" brushRef="#br0" timeOffset="66722.8714">10830 11412 0,'-17'0'0,"-1"0"16,-17 0-16,-1 0 0,1 0 16,0 0-16,17 18 0,-17 0 15,0-18-15,17 17 0,0 1 16,1-18-16,17 18 0,-18-1 0,18 1 15,0-1 1,0 1-16,18 0 0,-1-18 0,1 17 16,17-17-16,1 0 0,-1 18 15,18-18-15,-18 0 0,18 0 0,-18 0 16,1 0-16,-1 0 0,0 0 16,0 0-16,-17 0 0,0 0 0,-1 0 15,1 0-15,-18-18 0,18 1 16,-18-1-16,0 0 15,0 1-15,-18 17 16,0-18-16,1 18 0,17-17 0,-18 17 16,0 0-1,18-18-15,18 18 16,0 0-16,17-18 16,0 18-16,18 0 0,-18 0 0,18 0 15,0 0-15,-17 0 0,16 0 16,-16 0-16,-1 0 0,36 18 15</inkml:trace>
   <inkml:trace contextRef="#ctx0" brushRef="#br0" timeOffset="67449.8729">12065 11553 0,'-35'0'16,"70"0"-16,-106 0 0,36 0 15,18 0-15,-19 0 0,1-17 0,17 17 16,1 0-16,-1-18 0,18 1 15,0-1-15,0 0 16,18 1-16,-1 17 0,19-18 16,-1 0-16,18 18 0,-18 0 0,18 0 15,-18 0-15,18 0 0,-18 0 16,1 0-16,-1 0 0,0 0 16,1 0-16,-19 0 0,1 18 0,-1-18 15,1 18-15,-18-1 16,0 1 15,18-36 0,17 18-31,-17-17 0,17-1 16,0 18-16,18-18 0,-18 18 16,18 0-16,0-17 0,18-1 0,-18 18 15,0 0-15,0 0 0,-18-18 16,18 18-16,0-17 0,-18 17 0,0 0 15,1 0-15,-19-18 0,18 18 16,-17-17-16,0 17 0,-18-18 16,0 0-16,0 1 15,0-1-15,0 0 0,-36 1 16,19-1-16,-1 18 0,-17-18 16,17 18-16,-17-17 0,0 17 0,-1 0 15,19 0-15,-19 0 0,19 0 16,-1 0-16,1 17 0,17 1 0,0 0 15,0-1-15,0 1 0,35 0 16,-18-1-16,19-17 0,-1 18 0,18 0 16,-18-1-16,18-17 0,-18 0 15,18 18-15,-17-18 0,-1 0 0,0 0 16,0 17-16,1-17 0,-19 18 16,19-18-16,-19 0 0,1 0 15,0 0-15</inkml:trace>
   <inkml:trace contextRef="#ctx0" brushRef="#br0" timeOffset="68987.6273">8819 11148 0,'0'0'0,"18"35"0,17 0 0,-17 1 16,17-1-16,-17 18 0,17 0 15,-17 0-15,17 17 0,-17-17 0,17 18 16,-17-18-16,17 17 0,-17-17 16,-1 18-16,1-18 0,17 17 0,-17-35 15,-1 18-15,1-17 16,0-1-16,-18 0 0,17-17 0,-17-1 15,18-17-15,0 0 0,-1 0 16</inkml:trace>
-  <inkml:trace contextRef="#ctx0" brushRef="#br0" timeOffset="70051.9476">9172 11218 0,'0'0'0,"53"-17"0,0-1 16,0 0-16,18 1 0,17-1 15,-18 0-15,36-17 0,-18 18 0,18-1 16,0 0-16,0 18 0,-18-17 16,18-1-16,0 0 0,17 1 15,-17 17-15,17-18 0,1 0 16,-1 1-16,-17 17 0,0-18 0,0 1 16,0-1-16,0 18 0,-18-18 15,18 1-15,-18-1 0,0 18 0,0-18 16,0 1-16,-17-1 0,-1 18 15,-17-18-15,0 18 0,0-17 0,0 17 16,-18 0-16,1 0 0,-19 0 16,1 0-16,0-18 0,-1 18 0,1 0 15,0 0 1,-18 18 15,0-1-31,17 1 16,1 0-16,-1-1 0,1 1 15,17 0-15,1-1 0,-19 1 0,36 17 16,-18-17-16,1-1 0,17 19 16,-18-19-16,18 1 0,-18 0 0,18-1 15,-18 1-15,18 17 0,-17-17 16,-1-1-16,18 1 0,-18-18 0,18 18 16,-18-1-16,18 1 0,-18 0 15,18-1-15,-17-17 0,-1 18 0,18 0 16,-36-18-16,19 17 0,-1 1 15,-17 0-15,-1-18 0,1 17 16,0 1-16,-18-1 0,17-17 16,-17 18-16,18-18 0,-18 18 15,0-1 1,0 1 0,0 0-1,-18-18-15,1 0 16,-1 0-16,0 17 0,-17-17 15,17 18-15,-17-18 0,17 0 0,-17 18 16,0-18-16,17 17 0,-17-17 16,0 0-16,-1 0 0,1 18 15,0-18-15,-18 0 0,18 17 0,-18 1 16,0-18-16,-18 18 0,18-18 16,-17 17-16,-1-17 0,1 18 15,-1 0-15,-17-18 0,17 17 0,-17 1 16,0 0-16,0-18 0,-18 17 0,0 1 15,18-1-15,-18-17 0,0 18 16,0 0-16,18-18 0,0 0 0,0 17 16,0 1-16,-1-18 0,1 0 15,0 18-15,0-1 0,0-17 0,-1 18 16,1-18-16,18 18 0,-18-18 16,17 17-16,18 1 0,-18-18 15,19 18-15,-1-1 0,17-17 16,1 0-16,0 18 0,0-18 0,17 0 15,-17 0-15,17 0 16,18 17 0,0 1 15,0 0-31</inkml:trace>
+  <inkml:trace contextRef="#ctx0" brushRef="#br0" timeOffset="70051.9474">9172 11218 0,'0'0'0,"53"-17"0,0-1 16,0 0-16,18 1 0,17-1 15,-18 0-15,36-17 0,-18 18 0,18-1 16,0 0-16,0 18 0,-18-17 16,18-1-16,0 0 0,17 1 15,-17 17-15,17-18 0,1 0 16,-1 1-16,-17 17 0,0-18 0,0 1 16,0-1-16,0 18 0,-18-18 15,18 1-15,-18-1 0,0 18 0,0-18 16,0 1-16,-17-1 0,-1 18 15,-17-18-15,0 18 0,0-17 0,0 17 16,-18 0-16,1 0 0,-19 0 16,1 0-16,0-18 0,-1 18 0,1 0 15,0 0 1,-18 18 15,0-1-31,17 1 16,1 0-16,-1-1 0,1 1 15,17 0-15,1-1 0,-19 1 0,36 17 16,-18-17-16,1-1 0,17 19 16,-18-19-16,18 1 0,-18 0 0,18-1 15,-18 1-15,18 17 0,-17-17 16,-1-1-16,18 1 0,-18-18 0,18 18 16,-18-1-16,18 1 0,-18 0 15,18-1-15,-17-17 0,-1 18 0,18 0 16,-36-18-16,19 17 0,-1 1 15,-17 0-15,-1-18 0,1 17 16,0 1-16,-18-1 0,17-17 16,-17 18-16,18-18 0,-18 18 15,0-1 1,0 1 0,0 0-1,-18-18-15,1 0 16,-1 0-16,0 17 0,-17-17 15,17 18-15,-17-18 0,17 0 0,-17 18 16,0-18-16,17 17 0,-17-17 16,0 0-16,-1 0 0,1 18 15,0-18-15,-18 0 0,18 17 0,-18 1 16,0-18-16,-18 18 0,18-18 16,-17 17-16,-1-17 0,1 18 15,-1 0-15,-17-18 0,17 17 0,-17 1 16,0 0-16,0-18 0,-18 17 0,0 1 15,18-1-15,-18-17 0,0 18 16,0 0-16,18-18 0,0 0 0,0 17 16,0 1-16,-1-18 0,1 0 15,0 18-15,0-1 0,0-17 0,-1 18 16,1-18-16,18 18 0,-18-18 16,17 17-16,18 1 0,-18-18 15,19 18-15,-1-1 0,17-17 16,1 0-16,0 18 0,0-18 0,17 0 15,-17 0-15,17 0 16,18 17 0,0 1 15,0 0-31</inkml:trace>
   <inkml:trace contextRef="#ctx0" brushRef="#br0" timeOffset="72161.5134">9860 13300 0,'-18'0'0,"36"0"0,-36-18 15,36 18 1,0 0-16,-1 0 16,1 18-16,17-1 0,-17 19 0,0-19 15,17 19-15,-17 16 0,-1 1 16,1 0-16,-1 0 0,1 18 15,0-1-15,-18-17 0,17 18 0,1-18 16,-18 0-16,18 0 0,-18-18 16,17 0-16,-17 0 0,18 1 0,0-1 15,-18-17-15,17-18 0,-17 17 16</inkml:trace>
   <inkml:trace contextRef="#ctx0" brushRef="#br0" timeOffset="74802.8487">10301 13159 0,'0'0'0,"35"0"16,18-18-16,18 18 0,-18-18 0,17 1 16,1 17-16,-1-18 0,1 0 15,0 18-15,-1-17 0,-17-1 0,18 18 16,-1-18-16,-17 1 0,18 17 16,-18-18-16,-1 1 0,19 17 0,-18-18 15,17 0-15,1 18 0,0-17 16,-1-1-16,1 0 0,-1 18 0,1-17 15,17-1-15,-17 0 0,-19 1 16,19 17-16,-18-18 0,17 1 16,-17-1-16,0 18 0,-17-18 0,17 18 15,-1-17-15,-16 17 0,17-18 16,-18 18-16,0 0 0,18-18 16,-18 18-16,1-17 0,-1 17 0,-17 0 15,17 0-15,-18-18 0,19 18 16,-19-18-16,19 18 0,-19 0 0,1 0 15,17 0-15,-17-17 0,0 17 16,17 0-16,-18-18 0,19 18 0,-1 0 16,-17 0-16,17-17 0,0 17 15,-17 0-15,17 0 0,-17 0 0,17-18 16,-17 18-16,17 0 0,-17-18 16,-1 18-16,18 0 0,-17 0 15,17 0-15,1 0 0,-19 0 0,19 0 16,-1 0-16,0 0 0,-17 0 15,17 0-15,0 0 0,1 0 0,-1 0 16,-17 0-16,17 0 0,-18 0 16,19 0-16,-19 0 0,1 0 0,0 0 15,-1 0-15,1 0 16,0 0 0,-1 0-1,1 0-15,-1 0 16,1 18-16,-18 0 15,18-18-15,-18 17 0,0 1 16,17-18-16,1 17 0,0 1 16,-1 0-16,1-1 0,-18 1 0,18 0 15,-1-1-15,1 1 0,0 17 16,-1-17-16,1 17 0,-1-17 0,1 17 16,0-17-16,17 17 0,-17-17 15,-1-1-15,1 18 0,0-17 0,-1 0 16,1-1-16,-1 1 0,1 17 0,17-17 15,-17-18-15,0 18 0,17-1 16,-17 1-16,-1 0 0,1-18 0,-1 17 16,1-17-16,0 0 0,-1 18 15,-17-1 1,-17-17 0,-19 0-1,19 0-15,-18 18 0,-1-18 16,1 0-16,-18 0 0,0 0 0,0 18 15,0-1-15,-17-17 0,-18 18 16,-1-18-16,1 18 0,0-1 0,-18-17 16,18 18-16,0 0 0,0-1 15,-1-17-15,1 18 0,0-1 0,17 1 16,-17 0-16,18-1 0,-1-17 0,1 18 16,-1 0-16,-17-1 15,35 1-15,-18 0 0,1-1 0,17-17 16,0 18-16,-18-1 0,19 1 15,-1-18-15,17 18 0,-17-1 0,0-17 16,18 18-16,-18 0 0,18-18 16,0 17-16,-1-17 0,1 18 0,18-18 15,-19 0-15,1 18 0,17-18 16,-17 17-16,17-17 0,-17 18 0,18-18 16,-19 18-16,19-18 0,-19 17 15,19 1-15,-19-18 0,19 0 0,-19 17 16,1 1-16,0-18 0,17 18 15,-17-18-15,0 17 0,17 1 16,-17-18-16,0 18 0,-1-1 0,1-17 16,0 18-16,-1 0 0,1-18 15,0 17-15,-18-17 0,18 18 0,-18-18 16,0 0-16,18 17 0,-18 1 16,0-18-16,17 18 0,1-18 15,0 0-15,0 0 0,-1 0 0,19 17 16,-1-17-16,0 0 0,1 0 15,-1 0 1,18 18-16,-17-18 16,17 18-16,-18-18 15,18 17 1,-18-17-16</inkml:trace>
   <inkml:trace contextRef="#ctx0" brushRef="#br0" timeOffset="79521.3147">10460 13864 0,'17'0'47,"1"18"-47,0-1 0,-1 1 15,-17 0-15,18-1 0,0 1 16,-1 0-16,1-1 0,0 1 15,17 0-15,-17-18 0,-1 17 16,1 1-16,-1-18 0,1 0 0,0 0 16,-1 0-16,1 0 15</inkml:trace>
@@ -683,7 +694,7 @@
   <inkml:trace contextRef="#ctx0" brushRef="#br0" timeOffset="86068.9889">21414 9701 0,'0'18'15,"0"0"-15,0-1 16,0 1-16,0 0 0,0-1 0,0 1 16,0-1-16,0 19 0,0-19 15,0 1-15,0 0 0,0 17 0,0-17 16,0-1-16,0 1 0,0 0 15,0-1-15,0 1 0,0-1 0,0 1 16,17-18 0,-17 18-16,18-18 15,0 0-15,-1 0 0,1-18 16,-1 0-16,19 1 16</inkml:trace>
   <inkml:trace contextRef="#ctx0" brushRef="#br0" timeOffset="86314.88">22119 9878 0,'0'17'0,"0"1"0,-17-18 15,-1 18-15,0-1 0,1 1 16,-1 0-16,0-1 0,1 1 15,-19 0-15,19-1 0,-1-17 0,0 18 16,1-1-16,-1 1 0,1 0 0,-1-18 16,0 17-16,18 1 15,-17-18-15</inkml:trace>
   <inkml:trace contextRef="#ctx0" brushRef="#br0" timeOffset="87749.3513">21061 6068 0,'0'35'16,"0"-17"-16,0-1 15,0 19-15,0-1 0,0 0 0,0 0 0,0 1 16,0 17-16,0 0 16,0-18-16,0 18 0,0 0 0,0-18 15,0 0-15,17 0 0,-17-17 16,18 17-16,-18-17 0,0 0 0,18-18 16,-18-18 15,0 0-31,-18 1 15,18-1-15,-18 0 0,18 1 0,-17-18 16,17-1-16,0 1 0,0 17 16,0-17-16,0 0 0,0 0 15,0-1-15,0 1 0,0 0 0,0 17 16,0-17-16,17 0 0,1 17 16,17 0-16,-17-17 0,0 17 15,17 1-15,0-1 0,-17 18 16,17-18-16,-17 18 0,17-17 0,-17 17 15,-1 0-15,1 0 0,0 0 16,-1 0-16,-17 17 0,0 1 16,0 0-16,0-1 0,-17 19 15,-1-19-15,-17 1 0,17 17 0,-17-17 16,17-1-16,-17 1 0,17 0 16,1-1-16,-1-17 0,0 0 15,18 18 1,18-18-1,0 0-15</inkml:trace>
-  <inkml:trace contextRef="#ctx0" brushRef="#br0" timeOffset="88066.9024">21872 6315 0,'0'0'0,"-17"17"0,-19-17 0,19 0 0,-19 0 15,19 0-15,-1 0 0,0-17 16,1-1-16,17 0 0,0 1 16,0-1-16,0-17 0,17 17 15,19 1-15,-19-1 0,19-17 16,-1 17-16,0-17 0</inkml:trace>
+  <inkml:trace contextRef="#ctx0" brushRef="#br0" timeOffset="88066.9022">21872 6315 0,'0'0'0,"-17"17"0,-19-17 0,19 0 0,-19 0 15,19 0-15,-1 0 0,0-17 16,1-1-16,17 0 0,0 1 16,0-1-16,0-17 0,17 17 15,19 1-15,-19-1 0,19-17 16,-1 17-16,0-17 0</inkml:trace>
   <inkml:trace contextRef="#ctx0" brushRef="#br0" timeOffset="88383.8988">22137 6103 0,'0'0'15,"-18"0"-15,1 0 0,17 18 47,17-18-47,1 0 16,17 0-16,-17 0 0,-1 0 15,19 0-15,-19 0 0,19 0 0,-19 0 16,1 0-16,-1 0 0,1 0 16,-36 0-1,1 0 1,-18 0-16,17-18 0,0 18 16,1 0-16,-1 0 0,0 0 15,1 0-15,17-18 16,17 18-1,1 0 1</inkml:trace>
   <inkml:trace contextRef="#ctx0" brushRef="#br0" timeOffset="88804.1448">22401 6103 0,'0'0'0,"18"18"0,0-18 0,-1 17 16,1 1-16,0 0 16,-18-1-16,0 1 0,0 0 15,-18-18 1,0 0-1,18-18 1,0 0 0,36 18-16,-19-17 0,1-1 15,17 0-15,-17 18 0,17-17 0,-17-1 16,-1 0-16,19 1 16,-19-1-16,1 0 0,0 1 0,-1-1 15,1 1-15,-1-19 0,-17 19 16,18-1-16,-18-17 0,0 17 0,0-17 15,0 17-15,0 1 0,0-1 16,0 0-16,0 1 0,18 17 31,-1 0-31,1 0 16,0 17-16,-1 1 0,1 0 0,0 17 16,-1-18-16,1 19 0,-1-1 15,-17 0-15,18-17 0,-18 17 16,0 0-16,0-17 0,0 17 15,0-17-15,-18 0 0,-17-1 0,18 1 16,-19 0-16,1-18 0,-18 17 16,18 1-16,0-18 0,-18 0 0,17 0 15,1 18-15,0-18 0,17 17 16</inkml:trace>
   <inkml:trace contextRef="#ctx0" brushRef="#br0" timeOffset="90059.9804">22331 10336 0,'0'0'0,"0"18"0,0 0 0,0 17 0,0-17 16,0 17-16,0-18 0,17 19 15,-17 17-15,18-18 0,-18 0 16,0 1-16,18-1 0,-18 0 0,0 0 0,0 1 15,0-1-15,0-17 0,17 17 16,-17-18-16,0 1 16,0-36 15,0 1-31,-17-1 0,17 1 0,0-19 16,-18 1-16,0 0 0,18-1 0,-17-16 15,17 16-15,0-17 0,0 0 16,0 0-16,0 18 0,0-18 0,0 18 15,0 0-15,17-1 0,1 19 16,0-1-16,-1 1 0,19-1 16,-19 0-16,1 18 0,17 0 0,-17 0 15,17 0-15,-17 0 0,-1 0 16,1 0-16,0 0 0,-1 0 16,-17 18-1,-17-18-15,-1 18 16,-17-18-16,17 0 0,0 0 0,1 0 15,-1 17-15,1-17 0,-1 0 16,18-17 0,0-1-1,18 0 1,-1 1-16,1-1 0</inkml:trace>
@@ -713,7 +724,7 @@
   <inkml:trace contextRef="#ctx0" brushRef="#br0" timeOffset="105530.6395">27305 13917 0,'0'0'0,"0"-18"0,-18 18 0,1 0 15,17 18 1,0 0 0,0-1-16,0 19 0,0-19 15,17 19-15,1-19 0,0 18 0,-1 1 16,1-1-16,0-17 0,-1 17 15,18-17-15,-17 17 0,17-18 0,-17 1 16,17 0-16,1-18 0,-1 0 16,18 0-16,-18 0 0</inkml:trace>
   <inkml:trace contextRef="#ctx0" brushRef="#br0" timeOffset="105680.636">28152 14076 0,'-18'0'0,"0"0"15,-17 0-15,0 17 0,-18 1 16,18 0-16,-18 17 0,0 0 0,18 1 16,-1 16-16,1-16 0,0 17 15,-1-18-15,1 0 0,17 18 0,-17-18 16</inkml:trace>
   <inkml:trace contextRef="#ctx0" brushRef="#br0" timeOffset="106104.7824">26441 14728 0,'0'0'0,"-36"18"0,1 0 16,0-1-16,-18 1 0,0 0 0,0 17 15,0-17-15,-17 34 0,-1 1 16,1 0-16,17 0 0,-18 18 0,18-18 16,18 0-16,0 17 0,17-17 15,18 0-15,18-18 0,17 18 0,0-18 16,18 1-16,18-1 16,-1-17-16,1 17 0,17-17 0,0-18 15,-17 0-15,17 0 0,18 0 16</inkml:trace>
-  <inkml:trace contextRef="#ctx0" brushRef="#br0" timeOffset="107254.9663">27234 15275 0,'0'0'15,"-35"0"-15,-18 0 0,0 0 0,0 0 16,18 0-16,-18 0 0,18 0 15,0 0-15,-1 18 0,19 0 0,17-1 16,0 1-16,17-1 16,19 1-16,17 17 0,-1-17 0,1 0 15,0-1-15,18 1 0,-18 0 16,17-18-16,1 17 0,-1-17 0,1 0 16,0 0-16,-19 0 0,19 0 15,-18 0-15,0 0 0,0 0 0,-18 0 16,0 0-16,-17-17 0,0-1 15,-18 0-15,0 1 0,0-1 16,0 0-16,0 1 0,-18-1 16,-17 0-16,-1-17 0,1 18 0,0-1 15,0 0-15,-1 1 0,1-1 16,0 0-16,17 1 0,-17-1 0,17 0 16,18 1-1,18-1-15,17 18 16,0 0-16,1 0 0,17 0 0,0 0 15,-18 0-15,18 0 0,0 0 16,0 18-16,-18-1 0,18-17 0,-18 18 16,0 0-16,-17-1 0,0 1 15,-1 0-15,-17-1 0,18 1 0,-18 0 16,0-1-16,0 1 16,0-1-16,0 1 0,-18 0 15,1-18-15,-1 0 0,0 17 16,1-17-1,17-17 17,17-1-32,1 0 15,0 1-15,17-1 0,0 1 0,0-1 16,1 0-16,-19 18 0,19 0 16,-19 0-16,1 0 0,0 0 0,-1 0 15,-17 18 1,0 0-16,0-1 0,0 1 15,0-1 1,18-17 15,-1 0-15,1 0-16,17 0 0,-17-17 16,17 17-16,1 0 0,-1 0 0,0-18 15,-17 18-15,17 0 16,0 0-16,1 0 0,-19 0 0,18 0 0,1 0 15,-1 0-15,-17 18 0,17-1 16,-17 1-16,17 0 0,-17-1 16,-1 1-16,1 17 0,17-17 15,-17 0-15,-1 17 0,1-18 0,0 19 16,-1-19-16,-17 19 0,0-19 16,0 1-16,18 0 0,-18-1 0,0 1 15,0 0-15,0-1 16,-18-17-1,1 0 1,17-17-16,-18-1 0,18-17 16,0 17-16,0 0 0,0 1 15,0-19-15,0 1 16,0 0-16,0 0 0,18-1 0,-1 1 16,19-18-16,-1 0 0,18 0 15,-18 0-15,18 0 0,0 1 0,0-1 16,0 17-16,0 1 0,0 0 15,-18 17-15,-18 0 0,1 18 0,-18 18 32,-18-18-32,-17 35 0,0-17 15,0 0-15,-1 17 0,-17 0 0,18 1 16,-18-1-16,18 0 0,0 0 16,-1-17-16,1 17 0,17 1 0,1-19 15,17 1-15,0-1 0,0 1 16,17-18-16,1 0 15,17 0-15,-17-18 0,17 1 0</inkml:trace>
+  <inkml:trace contextRef="#ctx0" brushRef="#br0" timeOffset="107254.9661">27234 15275 0,'0'0'15,"-35"0"-15,-18 0 0,0 0 0,0 0 16,18 0-16,-18 0 0,18 0 15,0 0-15,-1 18 0,19 0 0,17-1 16,0 1-16,17-1 16,19 1-16,17 17 0,-1-17 0,1 0 15,0-1-15,18 1 0,-18 0 16,17-18-16,1 17 0,-1-17 0,1 0 16,0 0-16,-19 0 0,19 0 15,-18 0-15,0 0 0,0 0 0,-18 0 16,0 0-16,-17-17 0,0-1 15,-18 0-15,0 1 0,0-1 16,0 0-16,0 1 0,-18-1 16,-17 0-16,-1-17 0,1 18 0,0-1 15,0 0-15,-1 1 0,1-1 16,0 0-16,17 1 0,-17-1 0,17 0 16,18 1-1,18-1-15,17 18 16,0 0-16,1 0 0,17 0 0,0 0 15,-18 0-15,18 0 0,0 0 16,0 18-16,-18-1 0,18-17 0,-18 18 16,0 0-16,-17-1 0,0 1 15,-1 0-15,-17-1 0,18 1 0,-18 0 16,0-1-16,0 1 16,0-1-16,0 1 0,-18 0 15,1-18-15,-1 0 0,0 17 16,1-17-1,17-17 17,17-1-32,1 0 15,0 1-15,17-1 0,0 1 0,0-1 16,1 0-16,-19 18 0,19 0 16,-19 0-16,1 0 0,0 0 0,-1 0 15,-17 18 1,0 0-16,0-1 0,0 1 15,0-1 1,18-17 15,-1 0-15,1 0-16,17 0 0,-17-17 16,17 17-16,1 0 0,-1 0 0,0-18 15,-17 18-15,17 0 16,0 0-16,1 0 0,-19 0 0,18 0 0,1 0 15,-1 0-15,-17 18 0,17-1 16,-17 1-16,17 0 0,-17-1 16,-1 1-16,1 17 0,17-17 15,-17 0-15,-1 17 0,1-18 0,0 19 16,-1-19-16,-17 19 0,0-19 16,0 1-16,18 0 0,-18-1 0,0 1 15,0 0-15,0-1 16,-18-17-1,1 0 1,17-17-16,-18-1 0,18-17 16,0 17-16,0 0 0,0 1 15,0-19-15,0 1 16,0 0-16,0 0 0,18-1 0,-1 1 16,19-18-16,-1 0 0,18 0 15,-18 0-15,18 0 0,0 1 0,0-1 16,0 17-16,0 1 0,0 0 15,-18 17-15,-18 0 0,1 18 0,-18 18 32,-18-18-32,-17 35 0,0-17 15,0 0-15,-1 17 0,-17 0 0,18 1 16,-18-1-16,18 0 0,0 0 16,-1-17-16,1 17 0,17 1 0,1-19 15,17 1-15,0-1 0,0 1 16,17-18-16,1 0 15,17 0-15,-17-18 0,17 1 0</inkml:trace>
   <inkml:trace contextRef="#ctx0" brushRef="#br0" timeOffset="107484.6748">30162 14693 0,'0'0'0,"18"-17"0,0 17 16,-18-18-16,0 36 15,0-1 1,0 18-16,0-17 0,-18 35 0,0-18 16,18 1-16,0 16 0,-17 1 15,-1 0-15,18 0 0,-17 0 0,17 0 16,-18 0-16,18 0 0,-18 0 16,18-18-16,-17 18 0,17-18 0,-18-17 15,18 17-15,0-17 0,0-1 16</inkml:trace>
   <inkml:trace contextRef="#ctx0" brushRef="#br0" timeOffset="107748.6722">30180 14605 0,'0'0'0,"53"-35"15,-18 17-15,1-17 0,-1 0 0,18-1 16,-18 1-16,18 0 0,0 17 0,-18-17 16,18 17-16,0 0 0,0 1 15,0 17-15,0-18 0,-18 18 0,18-17 16,-18 17-16,18 0 15,-18 0-15,-17 0 0</inkml:trace>
   <inkml:trace contextRef="#ctx0" brushRef="#br0" timeOffset="108012.6692">30286 14817 0,'0'0'0,"18"0"31,-1 0-31,19 0 0,-1 0 0,-18 0 16,36 0-16,-17-18 0,-1 18 15,18-18-15,-18 18 0,18 0 16,-18-17-16,18 17 0,-18-18 0,18 18 15,-17 0-15,-1-18 0,0 18 16,1-17-16</inkml:trace>
@@ -733,7 +744,7 @@
   <inkml:trace contextRef="#ctx0" brushRef="#br0" timeOffset="176644.7938">3404 12894 0,'-17'0'0,"-1"0"0,18-18 15,0 1-15,0-1 16,0 0-16,0 1 16,18-1-1,-1 18-15,1-17 0,0-1 0,17 18 16,-18 0-16,19-18 0,-1 18 15,0-17-15,18 17 0,-17 0 0,-1 0 16,0 0-16,18 0 16,-18 17-16,1 1 0,-1 0 0,0-1 15,0 1-15,1 17 0,-1 0 16,-17-17-16,-1 17 0,1 1 0,-1-19 16,1 18-16,-18-17 0,0 17 15,0-17-15,0 0 0,0 17 16,0-17-16,0-1 0,0 1 0,0 0 15,-18-18-15,1 0 0,-1 0 16,1 0-16,-1 0 0,0-18 16,1 0-16,-1 1 0,-17-1 15,17-17-15,0-1 0,1 1 0,-1-18 16,-17 0-16,17 0 16,1 0-16,-1-17 0,18-1 0,0 18 15,0-17-15,0-18 0,0 17 16,0 1-16,18-1 0,-1 18 0,1 0 15,0 0-15,-1 0 0,1 18 0,-1 17 16,1-17-16,17 18 0</inkml:trace>
   <inkml:trace contextRef="#ctx0" brushRef="#br0" timeOffset="177015.7937">4498 12312 0,'0'0'0,"0"35"0,0 0 0,-18-17 0,1 17 15,17 1-15,-18-1 0,18-17 0,0 17 16,0-17-16,18-1 0,-1 1 16,19-1-16,-1 1 0,0 0 0,0-1 15,1-17-15,-1 0 0,18 0 16,-18 0-16,0 0 0,18 0 0,-17-17 15,-1-1-15,0 0 0,0 1 16,1-1-16,-1 1 0,-17-1 16,-1-17-16,1 17 0,-18 0 0,0 1 15,0-1-15,0 0 0,0 1 16,-35-1-16,17 18 0,0 0 0,-17 0 16,0 0-16,-18 0 0,18 0 15,-18 18-15,0-18 0,0 17 0,0 1 16,18 0-16,-1-1 0,1-17 15,0 0-15,17 18 0</inkml:trace>
   <inkml:trace contextRef="#ctx0" brushRef="#br0" timeOffset="177588.9689">5327 12294 0,'0'0'16,"18"18"-16,-1-18 0,1 18 0,-1-1 0,19 1 16,-19-1-16,19-17 0,-19 36 15,19-19-15,-1 1 0,0 0 16,0 17-16,1-17 0,-1-1 0,0 19 15,1-19-15,-1 18 0,-18-17 16,19 0-16,-19 17 0,19-17 0,-19-1 16,1 1-16,0 0 0,-1-1 15,1 1-15,-18-1 0,17-17 0,1 18 16,-36-18 15,1-18-15,-18 1-16,17-1 0,0 1 15,-17-19-15,0 19 0,-1-19 0,-16 1 16,16 0-16,-17-18 0,0 0 16,18 0-16,-18-18 0,18 1 15,-18-1-15,18-17 0,17 0 0,-17 0 16,17 0-16,18 17 0,0-17 16,0 17-16,18 1 0,-1 17 0,19 18 15,-19-18-15,1 35 0,17-17 16,-17 35-16,17 0 0,1 0 0,-19 17 15,18 19-15,1-1 0,-19 0 16,1 18-16,0 0 0,-1 0 0,-17 0 16,0 17-16,0-17 0,0 0 0,0 0 15,18 0-15,-18 0 16,18-18-16,-18 1 0,17-19 0,1 1 16,-1-18-16,19 0 0,-19 0 0,19-18 15</inkml:trace>
-  <inkml:trace contextRef="#ctx0" brushRef="#br0" timeOffset="177935.8224">6844 10689 0,'0'0'0,"-35"18"16,17-1-16,-17 1 0,-1 0 15,1-18-15,17 17 0,1 1 0,17 0 16,0-1-16,0 1 0,0 0 0,17-1 16,19 1-16,-1-1 0,0 1 15,1 0-15,-1-1 0,0 1 0,0 0 16,1-1-16,-1 1 0,0 0 16,-17-1-16,17 18 0,-17-17 0,-1 17 15,1-17-15,-18 17 0,18 1 16,-18-19-16,0 19 0,0-19 0,0 18 15,0-17-15,-18 17 0,-17 1 0,17-19 16,-17 19-16,0-1 16,-1-18-16,1 19 0,0-19 0,-18 1 15,18 0-15,-18-1 0,17-17 0,1 0 16,0 0-16</inkml:trace>
+  <inkml:trace contextRef="#ctx0" brushRef="#br0" timeOffset="177935.8223">6844 10689 0,'0'0'0,"-35"18"16,17-1-16,-17 1 0,-1 0 15,1-18-15,17 17 0,1 1 0,17 0 16,0-1-16,0 1 0,0 0 0,17-1 16,19 1-16,-1-1 0,0 1 15,1 0-15,-1-1 0,0 1 0,0 0 16,1-1-16,-1 1 0,0 0 16,-17-1-16,17 18 0,-17-17 0,-1 17 15,1-17-15,-18 17 0,18 1 16,-18-19-16,0 19 0,0-19 0,0 18 15,0-17-15,-18 17 0,-17 1 0,17-19 16,-17 19-16,0-1 16,-1-18-16,1 19 0,0-19 0,-18 1 15,18 0-15,-18-1 0,17-17 0,1 0 16,0 0-16</inkml:trace>
   <inkml:trace contextRef="#ctx0" brushRef="#br0" timeOffset="178891.791">6244 14252 0,'0'0'0,"0"-17"0,0-1 15,-17 0-15,-19 18 16,19 0-16,-1 0 0,0 0 16,1 0-16,-19 0 0,19 0 15,-19 18-15,19 0 0,-18-1 0,-1 1 16,1-1-16,0 19 0,-1-19 16,1 36-16,0-17 0,0-1 0,-1 18 15,1 0-15,0 0 0,17 0 0,1-1 16,17 1-16,0 0 0,0 0 15,0 0-15,17 0 0,1-18 0,17 18 16,0-17-16,1-1 0,17 0 16,-1-17-16,-16 17 0,17-17 0,0-1 15,-1-17-15,1 0 0,0 0 16,0 0-16,-17 0 0,16 0 16,1-17-16,-17-1 0,-1-17 0,0 17 15,0-17-15,1 0 0,-1-1 16,-17 1-16,-1-18 0,-17 0 0,0 0 15,0 0-15,0-17 0,0-18 0,-17 17 16,-1-17-16,-17-18 0,17 18 16,-17-18-16,0-18 0,17 19 0,-17-19 15,-1 1-15,1 17 0,0-18 16,17 1-16,-17 17 0,0 0 0,-1 0 16,1 18-16,0 0 0,-1 17 15,1 1-15,0 35 0,0-18 16,-1 17-16,19 19 0,-19-18 15,19 35-15,-1-18 0,1 18 16,17 18 0,0-1-16,35 18 0,-18 1 0,1 17 15,17 17-15,1 1 0,-1-1 16,0 18-16,18 1 0,0 17 0,-18-18 16,18 0-16,0 0 0,18 0 15,-18 0-15,17-17 0,1 0 0,-1-18 16,1-1-16,-1 1 0,1-17 0,0-1 15,-1-17-15,-17-1 0,0 1 16,0-18-16</inkml:trace>
   <inkml:trace contextRef="#ctx0" brushRef="#br0" timeOffset="179327.7782">7161 13494 0,'0'0'0,"18"-36"15,17 1-15,1 18 0,-19-19 0,18 1 0,1 17 16,-1 1-16,0-1 16,-17 0-16,17 18 0,1 0 0,-1 0 15,-18 0-15,19 0 0,-19 0 16,1 0-16,17 18 0,-17 0 0,0-1 15,-1 1-15,-17 0 0,0 17 16,18-17-16,-18 17 0,0 0 0,0-17 16,0 17-16,0 0 0,0-17 0,0 0 15,0-1-15,0 1 0,-18-1 16,18 1-16,-17-18 0,17 18 0,-18-18 16,0 0-16,1 0 15,-19 0-15,19-18 0,-1-17 16,0 17-16,1-17 0,-1 0 15,-17-1-15,17 1 0,18-18 0,0 0 16,-17 0-16,17-17 0,0 17 16,0 0-16,17-18 0,1 18 0,0 1 15,17-1-15,-18 0 0,19 0 0,-1 18 16,0-1-16,1 19 0,-1-1 16,-18 0-16,19 1 0</inkml:trace>
   <inkml:trace contextRef="#ctx0" brushRef="#br0" timeOffset="179563.7802">8220 12841 0,'17'0'0,"-17"18"15,18-18-15,-18 17 0,18-17 16,-1 18-16,-17 0 0,18-18 0,0 17 15,-1 1-15,-17 0 0,0-1 16,35 18-16,-35-17 0,18 17 0,0-17 16,-1 17-16,1-17 0,-18 17 0,18-17 15,-1 0-15,1-1 0,0 1 16,-18-1-16,17-17 0</inkml:trace>
@@ -785,12 +796,12 @@
   <inkml:trace contextRef="#ctx0" brushRef="#br0" timeOffset="26978.2783">21608 7461 0,'0'18'0,"0"0"0,0-1 0,0 18 15,17-17-15,-17 17 0,0 18 16,0-17-16,0 16 0,0 19 0,0 0 15,0-1-15,0 1 0,-17 17 16,17-18-16,0 19 0,-18-19 0,18 1 16,0-18-16,0 17 0,0-17 15,0 0-15,0 0 0,0-18 0,0 1 16,0-1-16,0-18 0,18 1 16,-1 0-16,1-18 0,0 0 15,-1 0-15</inkml:trace>
   <inkml:trace contextRef="#ctx0" brushRef="#br0" timeOffset="27867.9941">21643 7779 0,'0'0'0,"0"-36"0,0 19 15,0-1-15,0 1 0,0-1 16,0 0-16,0 1 0,0-1 0,18 0 16,-1 1-16,1-1 0,17 0 0,0 1 15,1 17-15,-1-18 0,18 1 16,0-1-16,-18 18 0,18-18 0,18 18 16,-19 0-16,19 0 0,0-17 15,-1 17-15,18-18 0,-17 18 0,17 0 16,0 0-16,-17 0 0,17-18 0,0 18 15,-17 0-15,17-17 16,-18 17-16,19 0 0,-19 0 0,18 0 16,-17 0-16,0 0 0,-1 0 0,18 0 15,-17 0-15,-18 0 0,17 0 16,1 0-16,-18 0 0,0 17 0,0-17 16,0 18-16,-18-18 0,18 0 15,-18 18-15,0-18 0,1 17 0,-1-17 16,0 0-16,0 18 0,-17 0 0,17-18 15,-17 0-15,0 17 0,-1-17 16,19 0-16,-19 18 0,1-18 16,-1 17-16,1-17 0,0 18 15,-1-18 1,-17 18-16,18-18 0,0 17 16,-1 1-16,1 0 0,0-1 15,-18 1-15,17-18 0,1 18 16,-1-1-16,1 18 0,-18-17 0,18 0 15,-1 17-15,1-17 0,0 17 0,-1 0 16,1-17-16,0 17 0,-1 0 16,1 1-16,-1-1 0,1 18 0,0-18 15,-1 0-15,-17 1 0,18-1 0,0 0 16,-1 1-16,1 16 0,17-34 16,-17 17-16,0 1 0,-1-1 0,1 0 15,-1 0-15,1-17 0,0 17 16,-1-17-16,1 0 0,-18 17 0,18-17 15,-18-1-15,0 1 0,0 0 16,0-1-16,-36-17 16,19 18-16,-1-18 0,-17 0 15,17 17-15,-17-17 0,0 0 16,-1 0-16,-17 0 0,0 0 0,1 18 16,-19-18-16,-17 0 0,17 0 0,-35 18 15,18-18-15,-18 17 0,1-17 0,-19 0 16,1 18-16,-1 0 0,1-18 15,-18 17-15,17-17 0,-17 18 16,0 0-16,17-18 0,-17 17 0,18-17 16,-18 0-16,17 18 0,1-1 15,17-17-15,0 0 0,18 0 0,0 18 16,17-18-16,1 0 0,17 0 0,0 0 16,17 0-16,1 0 0,18 0 15,-1 0-15,0 0 0</inkml:trace>
   <inkml:trace contextRef="#ctx0" brushRef="#br0" timeOffset="32663.7334">3651 6879 0,'18'0'15,"-18"18"-15,0-1 0,18-17 16,-18 18-16,0 0 0,0-1 16,0 1-16,17 17 0,-17-17 0,18 17 15,-18 0-15,0 1 0,17-1 16,-17 0-16,0 1 0,0-1 0,0 0 16,18 0-16,-18 1 0,0-1 0,0-17 15,0 17-15,0-17 0,0-1 16,0 1-16,0-1 0,0 1 15,0-36 32,0 1-31,0-1-16,0 1 0,0-1 0,0 0 16,0 1-16,0-19 0,0 1 15,0 0-15,0-1 0,0 1 0,0-18 16,0 18-16,18-18 0,-1 18 15,1-18-15,17 0 0,-17 18 0,17-18 16,-17 18-16,17-1 0,-17 1 16,17 0-16,0-1 0,-17 19 0,0-1 15,17 0-15,-18 18 16,1 0-16,-18 18 16,0 0-16,0 17 15,0-17-15,0 17 0,0-17 0,-18 17 16,1 0-16,-1 0 0,1 1 0,-1-1 15,0-17-15,-17 17 0,17-17 16,1-1-16,17 1 0,0-1 16,-18-17-16,36 0 31,-1 0-15,1 0-16,17 0 0,-17 0 0,0 0 15,-1 0-15,18 0 0,-17 0 16,0 0-16,-1 18 0,1 0 15,0-18-15,-1 17 0,1 1 0,0 0 16,-1-1-16,1 1 16,-18 0-16</inkml:trace>
-  <inkml:trace contextRef="#ctx0" brushRef="#br0" timeOffset="32984.7331">4374 7302 0,'18'0'0,"0"-17"15,-1 17 1,1 0-16,0-18 16,-1 18-16,1-17 0,0 17 15,-1-18-15,1 0 16,-1 18-16,-34 0 31,-1 0-15,1 0-16,-1 0 0,0 0 15,1 18-15,-1-18 16,36 0 15,-1 0-31,19 0 0,-19 0 0,1 0 16</inkml:trace>
+  <inkml:trace contextRef="#ctx0" brushRef="#br0" timeOffset="32984.7329">4374 7302 0,'18'0'0,"0"-17"15,-1 17 1,1 0-16,0-18 16,-1 18-16,1-17 0,0 17 15,-1-18-15,1 0 16,-1 18-16,-34 0 31,-1 0-15,1 0-16,-1 0 0,0 0 15,1 18-15,-1-18 16,36 0 15,-1 0-31,19 0 0,-19 0 0,1 0 16</inkml:trace>
   <inkml:trace contextRef="#ctx0" brushRef="#br0" timeOffset="33334.7328">4851 7179 0,'0'18'16,"0"-1"-16,-18 1 16,0 0-16,1-18 0,-1 17 0,0-17 15,18 18 1,0-1-1,18-17-15,0 0 0,-1 0 16,1 0-16,0 0 0,17 0 16,-17 0-16,-1 0 0,1 0 0,0 0 15,-1 0-15,-17-17 0,18 17 16,-1 0 0,1 0 46,-18 17-46,18-17-16,-1 0 0,1 0 0,0 18 15,-1-18-15,1 18 0,0-18 16,-1 0 0,-17 17-16</inkml:trace>
-  <inkml:trace contextRef="#ctx0" brushRef="#br0" timeOffset="33496.7901">5221 7038 0,'0'0'0,"-18"-18"0,1 1 16,17-1-16,-18 18 0</inkml:trace>
+  <inkml:trace contextRef="#ctx0" brushRef="#br0" timeOffset="33496.7899">5221 7038 0,'0'0'0,"-18"-18"0,1 1 16,17-1-16,-18 18 0</inkml:trace>
   <inkml:trace contextRef="#ctx0" brushRef="#br0" timeOffset="34007.7388">5521 7426 0,'0'0'0,"0"18"0,18-1 16,-18 1-16,17 0 0,-17-1 15,0 1-15,0-1 16,0 1-16,0 0 0,0-1 16,-17-17 15,17-17-31,0-1 16,0 0-16,0 1 15,0-1-15,0 1 0,0-1 0,0 0 16,17 1-16,-17-1 0,18 18 15,0 0-15,-1-18 0,1 18 16,-1 0 0,1 18-1,-18 0-15,0-1 0,18 1 16,-1-18-16,-17 18 16,18-18-1,0 0-15,-1 0 16,-17-18-16,18 18 0,-18-18 15,18 1-15,-18-1 0,17 0 16,-17 1-16,0-1 16,0 0-1</inkml:trace>
   <inkml:trace contextRef="#ctx0" brushRef="#br0" timeOffset="34510.7685">5874 7338 0,'0'0'0,"17"0"0,1 0 0,0 0 0,-1 0 15,1 0-15,-18 17 0,0 1 16,18-18-16,-1 18 15,1 17-15,-1-17 16,-17-1-16,18-17 16,-18 18-16,0-36 31,0 1-31,0-1 16,0 0-16,0 1 0,0-19 0,0 19 15,0-19-15,0 1 0,0 0 0,0 0 16,0 17-16,0-17 0,18-1 15,-18 1-15,17 18 0,1-1 0,17-17 16,-17 17-16,0 18 16,-1 0-16,1-18 0,0 18 0,-1 0 15,1 0-15,-1 18 0,1-18 0,-18 18 16,18-1-16,-1 1 0,1 17 16,0-17-16,-1-1 0,-17 1 0,0 0 15,18-1-15,-18 1 0,18 0 16,-1-1-16,-34-17 47,-1-17-47,0 17 0,1 0 0,-1-18 15,0 18-15,1 0 16,-1 0-16,0 0 0,1 0 0,-1 0 16,-17 0-16,17 0 0,1 0 0,-1 0 15,0 18-15,1-18 16,17 17-16,0 1 15</inkml:trace>
-  <inkml:trace contextRef="#ctx0" brushRef="#br0" timeOffset="34939.7309">6473 7267 0,'0'0'0,"36"0"0,-19 0 0,19 0 0,-19 18 15,19-1-15,-19 1 0,1-18 0,-1 18 16,1-1-16,-18 1 0,18 0 16,-18-1-16,0 1 0,0 0 0,0-1 15,0 1-15,0 0 16,-18-18-1,0 0-15,18-18 16,-17 18 0,17-18-16,0 1 0,0-1 0,0 0 15,0-17-15,0 17 0,0 1 0,0-19 16,0 19-16,0-18 0,0 17 16,17 0-16,1 1 0,0-1 0,-1 18 15,1-18-15,0 18 16,-18 18-1,0 0-15,0 17 0,0-17 16,0-1-16,0 18 16,0-17-16,-18 17 0,0-17 0,18 0 0,-17-1 15,-1 1-15,0 0 0,18-1 16,0 1-16</inkml:trace>
+  <inkml:trace contextRef="#ctx0" brushRef="#br0" timeOffset="34939.7308">6473 7267 0,'0'0'0,"36"0"0,-19 0 0,19 0 0,-19 18 15,19-1-15,-19 1 0,1-18 0,-1 18 16,1-1-16,-18 1 0,18 0 16,-18-1-16,0 1 0,0 0 0,0-1 15,0 1-15,0 0 16,-18-18-1,0 0-15,18-18 16,-17 18 0,17-18-16,0 1 0,0-1 0,0 0 15,0-17-15,0 17 0,0 1 0,0-19 16,0 19-16,0-18 0,0 17 16,17 0-16,1 1 0,0-1 0,-1 18 15,1-18-15,0 18 16,-18 18-1,0 0-15,0 17 0,0-17 16,0-1-16,0 18 16,0-17-16,-18 17 0,0-17 0,18 0 0,-17-1 15,-1 1-15,0 0 0,18-1 16,0 1-16</inkml:trace>
   <inkml:trace contextRef="#ctx0" brushRef="#br0" timeOffset="35302.8127">7126 7479 0,'0'0'0,"18"18"0,-1-1 15,-17 1-15,18-1 0,-18 1 16,0 0-16,-18-18 31,1 0-31,-1 0 0,0-18 16,1 0-16,-1 1 16,18-1-16,-17 1 0,-1-1 15,18-17-15,-18 17 0,18 0 0,0-17 16,0 17-16,0-17 0,0 17 15,0-17-15,0 0 0,0 17 0,18 1 16,0-1-16,-18 0 16,17 1-16,1-1 0,-1 18 15</inkml:trace>
   <inkml:trace contextRef="#ctx0" brushRef="#br0" timeOffset="35362.757">7108 7161 0,'0'0'0,"0"18"0,0 0 16,0 17-16,0-17 0,-17-1 0,-1 18 15,1-17-15,-1 0 0,0-1 0,1 1 16</inkml:trace>
   <inkml:trace contextRef="#ctx0" brushRef="#br0" timeOffset="40651.5626">10336 9825 0,'18'0'0,"0"0"31,-18 17-15,17 1-16,-17 0 0,18-1 16,-18 1-16,0 0 0,18 17 15,-1-17-15,1 17 0,-1 0 0,-17 0 16,18 18-16,0-17 0,-1 17 0,-17-1 16,0 1-16,18 18 0,-18-18 0,18 17 15,-18 1-15,0 0 0,0-1 16,0 1-16,0-18 0,0 35 0,0-18 15,0 1-15,0-1 0,0 1 0,0 17 16,0-17-16,0 17 0,0-18 0,0 1 16,-18 17-16,18-17 0,-18 17 15,1-17-15,17-1 0,0 18 16,-36-17-16,36-1 0,0 1 0,-17-1 16,17 1-16,-18 0 0,18-18 0,-17 17 15,17-17-15,0 18 0,0-19 16,-18 1-16,18 18 0,0-18 0,0 0 15,0-18-15,0 18 0,0 0 16,0 0-16,0-18 0,0 0 0,0 1 0,0 17 16,0-18-16,0-18 0,0 19 15,0-1-15,0-17 0,0-1 0,0 1 16,0 0-16,18-1 0,-18 1 0,0-1 16,0 1-16,0 0 0,17-1 0,-17 1 15,0 0 1,0-1-16,18-17 15,-18 18-15,17-18 16</inkml:trace>
@@ -863,7 +874,7 @@
   <inkml:trace contextRef="#ctx0" brushRef="#br0" timeOffset="123186.647">15822 8043 0,'18'18'32,"-1"0"-17,1-18-15,17 17 0,-17 1 0,0 0 16,17-1-16,-18 18 0,19-17 15,-19 0-15,1-1 0,17 19 0,-17-19 16,-18 1-16,0 0 0,0-1 16,0 1-16,-18-18 31,1 0-31,-19-18 16,19 18-16,-1-17 0,0-1 0,-17-17 15,18 17-15,-1 0 0,18-17 16,0 17-16,0-17 0,0 0 0,0 17 15,35-17-15,-17 17 0,17-17 16,18 17-16,-18 18 0,18 0 0,0-17 16,0 17-16,-18 0 0,18 0 0,-17 17 15,-19-17-15,18 18 0,-17 0 16,-18-1-16,0 19 0,0-19 0,0 1 16,0 0-16,-18-1 15,-17 18-15,18-17 0,-19 0 0,19-18 16,-1 17-16,-17-17 0,17 18 15,0-18-15,1 0 0,34 0 32,19 0-32,-19 0 0,36 0 15,-17 0-15,16 0 0,1 0 0,0 0 16,0 0-16,-18 0 0,18 0 16,-17 0-16,-1 0 0,0 0 0,-17 0 15,-1 0-15,1 0 0,-18-18 16,0 1-1,-18 17 1,1 0-16,-1 0 0,1 0 0,-1 0 16,0 0-1,54 0 1,-19 0 0,18 17-16,-17-17 0,17 18 0,1-18 15,-1 0-15,0 0 0,-17 18 16,17-18-16,-17 0 0,-1 0 0,1 0 15,-36 0 17,1 0-32,-1 0 15,1 0-15,52 17 47,-18 1-47,1-18 0,17 0 16,-17 0-16,17 18 0,-17-18 15,17 17-15,-17-17 0,-1 0 0,1 0 16,0 0-16,-1 0 16,1 0 31,0 0-47,-1 0 15,1 0-15,0 0 0,-1 0 0,18 0 16,-17 0-16,0 18 0,-1-18 15,1 17-15,0 1 0,-1-18 0,-17 18 16,18-18-16,-18 17 0,0 1 16,-18-18-1</inkml:trace>
   <inkml:trace contextRef="#ctx0" brushRef="#br0" timeOffset="123747.6163">17392 8202 0,'18'35'0,"-36"-70"0,0 0 0,1 0 15,-1-18-15,-17 17 0,17 1 0,0 0 16,1-1-16,-1 19 0,1-18 0,17 17 16,-18 0-16,18 36 31,0 0-31,0 17 0,18 0 16,-18-17-16,17 35 0,1-18 15,-1 0-15,-17 1 0,18 16 0,0-16 16,-1-1-16,1 0 0,0-17 0,-1 17 15,1-17-15,0-1 0,-18 19 16,17-36-16,-17 17 0,0 1 0,0 0 16,0-36 31,0 0-47,0 1 15,0-1-15,18 0 16,-1 18-16,1 0 0,0 0 15,-1 0-15,1 0 0,17 0 0,1 0 16,-19 0-16,19 0 0,-1 0 0,0 0 16,0 0-16,-17 18 0,17-18 15,-17 0-15,17 0 0,-17 0 0,-1 0 16,1 0-16,0 0 0,-1 0 16,1-18-16,0 1 0,-18-1 15,0 1-15,0-1 16,0 0-16,0-17 0,0 17 0,0 1 15,-18-1-15,0 0 0,1 1 0,-19-1 16,19 1-16,-1 17 0,1 0 16,17 17-1,0 1-15,0-1 16,0 19-16,17-19 0,1 1 0,-1 17 16,1-17-16,17 0 0,1-1 15,-1 1-15,0-1 0,18 1 0,-18-18 16,1 18-16,-1-18 0,-17 0 15</inkml:trace>
   <inkml:trace contextRef="#ctx0" brushRef="#br0" timeOffset="127383.9631">28681 7937 0,'0'0'0,"17"0"0</inkml:trace>
-  <inkml:trace contextRef="#ctx0" brushRef="#br0" timeOffset="132504.3893">9490 8484 0,'17'0'31,"1"0"-31,0 0 0,-1 0 16,19 0-16,-1 0 0,0 0 16,18 0-16,0 0 0,0 0 0,0 0 15,17 0-15,-17 0 0,18 0 16,-18 0-16,17 0 0,-17 0 0,0 0 15,0 0-15,0 0 16,0 0-16,0 18 0,0-18 0,0 0 16,17 0-16,18 0 0,-17 18 15,17-18-15,-17 17 0,17-17 0,0 0 16,0 0-16,0 18 0,-17-18 0,17 17 16,0-17-16,-17 18 0,17-18 15,0 18-15,1-18 0,-1 0 0,0 17 16,-18 1-16,19-18 0,-19 18 15,18-1-15,-17 1 0,17 0 0,0-18 16,1 17-16,-1 1 16,18 0-16,-18-1 0,18-17 0,-18 18 15,18-1-15,-18-17 0,0 0 16,18 18-16,-18-18 0,18 0 0,0 18 16,0-18-16,-1 0 0,-16 17 15,16-17-15,-16 0 0,-1 0 0,0 0 16,0 0-16,-17 0 0,17 0 15,0 0-15,0 0 0,-17 0 0,17 0 16,-17 0-16,17 0 0,-18 0 16,1 0-16,-1 0 0,1 0 0,0 0 15,-1 0-15,-17 0 0,18 0 16,-1-17-16,1 17 0,-1-18 16,-17 18-16,18 0 0,-1 0 15,-17-18-15,18 18 0,-18-17 0,0 17 16,0 0-16,-18 0 0,18 0 15,-18-18-15,0 18 0,18 0 16,-18 0-16,1-17 0,-1 17 0,0-18 16,-17 0-16,17 18 0,1-17 15,-1 17-15,-18-18 0,19 0 0,-19 18 16,19-17-16,-19-1 0,19 18 0,-19-18 16,1 1-16,-1 17 0,19-18 15,-19 0-15,1 18 0,0-17 0,-1 17 16,1-18-16,-18 1 0,18 17 15,-1-18-15,1 18 0,-1-18 16,-17 1-16,18-1 0,0 0 16,-1 1-16,-17-1 15,18 18-15,0-18 0,-1 1 16,1-1-16,0 1 0,-1-1 16,1 0-16,0 1 0,-1-1 15,-17 0-15,0 1 0,0-1 0,0 0 16,0 1-16,0-1 0,0 1 15,0-1-15,-17 0 0,-1 1 0,0-1 16,-17 0-16,0 1 0,-1-1 16,1 0-16,0 1 0,-18-1 15,18 0-15,-1 1 0,-17-1 16,18 1-16,-18-1 0,18 0 0,-18 1 16,0-1-16,18 0 0,-18 1 0,18-1 15,-18 0-15,0 1 0,0-1 16,0 1-16,-18-1 0,19 0 0,-19 1 15,0-1-15,1 0 0,-1 1 16,1-1-16,17 18 0,-18-18 0,1 1 16,-1-1-16,18 1 0,-17-1 15,17 18-15,-18-18 0,1 1 0,-1-1 16,1 18-16,-1-18 0,0 1 16,1-1-16,-1 18 0,1-18 15,-1 1-15,1-1 0,17 18 16,-18-18-16,1 1 0,17 17 0,-18-18 15,18 1-15,-17 17 0,-1-18 16,1 0-16,-1 18 0,18-17 0,-17-1 16,-1 18-16,0-18 0,1 1 15,17 17-15,0-18 0,-17 18 0,17 0 16,0-18-16,-18 1 0,18 17 16,-17-18-16,-1 18 0,18 0 0,-17-17 15,-1 17-15,1-18 0,-1 18 16,0 0-16,1 0 0,17-18 0,-18 18 15,18-17-15,-17 17 0,17-18 16,0 18-16,0 0 0,0 0 0,0-18 16,-17 18-16,17-17 0,-18 17 15,18 0-15,-17 0 0,17 0 16,-18-18-16,1 18 0,-1 0 0,18 0 16,-17 0-16,17 0 0,-18 0 15,1 0-15,17 0 0,-18 0 0,1 0 16,-1 0-16,1 0 0,-1 0 15,0 0-15,1 0 0,-1 0 16,18 0-16,-17 0 0,17 0 0,-18 0 16,19 0-16,-1 0 0,0 0 15,0 0-15,17 0 0,-16 18 0,-1-18 16,0 0-16,0 0 0,0 17 16,0-17-16,0 0 0,0 18 0,0-18 15,0 18-15,0-18 0,0 17 16,1-17-16,-1 18 0,0-18 0,0 18 15,18-1-15,-18-17 0,17 0 16,1 18-16,0-1 0,0-17 0,-1 18 16,1-18-16,0 18 0,-1-1 15,1-17-15,0 18 0,0-18 0,-1 18 16,1-18-16,17 17 0,-17-17 16,0 18-16,0 0 0,-1-18 15,19 17-15,-19 1 0,1-18 0,17 17 16,-17 1-16,0-18 0,17 18 15,-17-1-15,17-17 0,-17 18 16,17 0-16,1-1 0,-1-17 0,0 18 16,1 0-16,-1-1 0,1 1 15,17 0-15,-18-1 0,18 1 16,-18-18-16,18 17 0,0 1 16,0 0-16,0-1 0,0 1 15,0 0-15,0-1 0,0 1 16,0 0-16,0-1 0,0 1 15,0-1-15,0 1 16,18 0-16,-18-1 0,18 1 16,-1-18-16,1 18 15,-1-1-15,1 1 0,0-18 0,-1 18 16,19-1-16,-19 1 0,19-1 16,-19 1-16,19 0 0,-1-1 0,18 1 15,-18 0-15,0-1 0,18 1 16,-18 0-16,18-1 0,-17 1 15,17-18-15,-18 18 0,18-1 0,-18 1 16,18-1-16,-18 1 0,18 0 0,-18-1 16,18 19-16,-17-19 15,17 1-15,-1 0 0,1-1 0,18 1 16,-18-1-16,0 1 0,0 0 0,17-1 16,-17 1-16,0 0 0,0-1 15,0 1-15,0 0 0,0-1 0,0-17 16,-18 18-16,18-1 0,-18-17 15,18 18-15</inkml:trace>
+  <inkml:trace contextRef="#ctx0" brushRef="#br0" timeOffset="132504.3891">9490 8484 0,'17'0'31,"1"0"-31,0 0 0,-1 0 16,19 0-16,-1 0 0,0 0 16,18 0-16,0 0 0,0 0 0,0 0 15,17 0-15,-17 0 0,18 0 16,-18 0-16,17 0 0,-17 0 0,0 0 15,0 0-15,0 0 16,0 0-16,0 18 0,0-18 0,0 0 16,17 0-16,18 0 0,-17 18 15,17-18-15,-17 17 0,17-17 0,0 0 16,0 0-16,0 18 0,-17-18 0,17 17 16,0-17-16,-17 18 0,17-18 15,0 18-15,1-18 0,-1 0 0,0 17 16,-18 1-16,19-18 0,-19 18 15,18-1-15,-17 1 0,17 0 0,0-18 16,1 17-16,-1 1 16,18 0-16,-18-1 0,18-17 0,-18 18 15,18-1-15,-18-17 0,0 0 16,18 18-16,-18-18 0,18 0 0,0 18 16,0-18-16,-1 0 0,-16 17 15,16-17-15,-16 0 0,-1 0 0,0 0 16,0 0-16,-17 0 0,17 0 15,0 0-15,0 0 0,-17 0 0,17 0 16,-17 0-16,17 0 0,-18 0 16,1 0-16,-1 0 0,1 0 0,0 0 15,-1 0-15,-17 0 0,18 0 16,-1-17-16,1 17 0,-1-18 16,-17 18-16,18 0 0,-1 0 15,-17-18-15,18 18 0,-18-17 0,0 17 16,0 0-16,-18 0 0,18 0 15,-18-18-15,0 18 0,18 0 16,-18 0-16,1-17 0,-1 17 0,0-18 16,-17 0-16,17 18 0,1-17 15,-1 17-15,-18-18 0,19 0 0,-19 18 16,19-17-16,-19-1 0,19 18 0,-19-18 16,1 1-16,-1 17 0,19-18 15,-19 0-15,1 18 0,0-17 0,-1 17 16,1-18-16,-18 1 0,18 17 15,-1-18-15,1 18 0,-1-18 16,-17 1-16,18-1 0,0 0 16,-1 1-16,-17-1 15,18 18-15,0-18 0,-1 1 16,1-1-16,0 1 0,-1-1 16,1 0-16,0 1 0,-1-1 15,-17 0-15,0 1 0,0-1 0,0 0 16,0 1-16,0-1 0,0 1 15,0-1-15,-17 0 0,-1 1 0,0-1 16,-17 0-16,0 1 0,-1-1 16,1 0-16,0 1 0,-18-1 15,18 0-15,-1 1 0,-17-1 16,18 1-16,-18-1 0,18 0 0,-18 1 16,0-1-16,18 0 0,-18 1 0,18-1 15,-18 0-15,0 1 0,0-1 16,0 1-16,-18-1 0,19 0 0,-19 1 15,0-1-15,1 0 0,-1 1 16,1-1-16,17 18 0,-18-18 0,1 1 16,-1-1-16,18 1 0,-17-1 15,17 18-15,-18-18 0,1 1 0,-1-1 16,1 18-16,-1-18 0,0 1 16,1-1-16,-1 18 0,1-18 15,-1 1-15,1-1 0,17 18 16,-18-18-16,1 1 0,17 17 0,-18-18 15,18 1-15,-17 17 0,-1-18 16,1 0-16,-1 18 0,18-17 0,-17-1 16,-1 18-16,0-18 0,1 1 15,17 17-15,0-18 0,-17 18 0,17 0 16,0-18-16,-18 1 0,18 17 16,-17-18-16,-1 18 0,18 0 0,-17-17 15,-1 17-15,1-18 0,-1 18 16,0 0-16,1 0 0,17-18 0,-18 18 15,18-17-15,-17 17 0,17-18 16,0 18-16,0 0 0,0 0 0,0-18 16,-17 18-16,17-17 0,-18 17 15,18 0-15,-17 0 0,17 0 16,-18-18-16,1 18 0,-1 0 0,18 0 16,-17 0-16,17 0 0,-18 0 15,1 0-15,17 0 0,-18 0 0,1 0 16,-1 0-16,1 0 0,-1 0 15,0 0-15,1 0 0,-1 0 16,18 0-16,-17 0 0,17 0 0,-18 0 16,19 0-16,-1 0 0,0 0 15,0 0-15,17 0 0,-16 18 0,-1-18 16,0 0-16,0 0 0,0 17 16,0-17-16,0 0 0,0 18 0,0-18 15,0 18-15,0-18 0,0 17 16,1-17-16,-1 18 0,0-18 0,0 18 15,18-1-15,-18-17 0,17 0 16,1 18-16,0-1 0,0-17 0,-1 18 16,1-18-16,0 18 0,-1-1 15,1-17-15,0 18 0,0-18 0,-1 18 16,1-18-16,17 17 0,-17-17 16,0 18-16,0 0 0,-1-18 15,19 17-15,-19 1 0,1-18 0,17 17 16,-17 1-16,0-18 0,17 18 15,-17-1-15,17-17 0,-17 18 16,17 0-16,1-1 0,-1-17 0,0 18 16,1 0-16,-1-1 0,1 1 15,17 0-15,-18-1 0,18 1 16,-18-18-16,18 17 0,0 1 16,0 0-16,0-1 0,0 1 15,0 0-15,0-1 0,0 1 16,0 0-16,0-1 0,0 1 15,0-1-15,0 1 16,18 0-16,-18-1 0,18 1 16,-1-18-16,1 18 15,-1-1-15,1 1 0,0-18 0,-1 18 16,19-1-16,-19 1 0,19-1 16,-19 1-16,19 0 0,-1-1 0,18 1 15,-18 0-15,0-1 0,18 1 16,-18 0-16,18-1 0,-17 1 15,17-18-15,-18 18 0,18-1 0,-18 1 16,18-1-16,-18 1 0,18 0 0,-18-1 16,18 19-16,-17-19 15,17 1-15,-1 0 0,1-1 0,18 1 16,-18-1-16,0 1 0,0 0 0,17-1 16,-17 1-16,0 0 0,0-1 15,0 1-15,0 0 0,0-1 0,0-17 16,-18 18-16,18-1 0,-18-17 15,18 18-15</inkml:trace>
 </inkml:ink>
 </file>
 
@@ -998,7 +1009,7 @@
           <a:p>
             <a:fld id="{2EC940BE-C840-4BA0-8C1D-1D51BDB10E51}" type="datetimeFigureOut">
               <a:rPr lang="en-IN" smtClean="0"/>
-              <a:t>16-03-2020</a:t>
+              <a:t>18-03-2020</a:t>
             </a:fld>
             <a:endParaRPr lang="en-IN"/>
           </a:p>
@@ -1168,7 +1179,7 @@
           <a:p>
             <a:fld id="{2EC940BE-C840-4BA0-8C1D-1D51BDB10E51}" type="datetimeFigureOut">
               <a:rPr lang="en-IN" smtClean="0"/>
-              <a:t>16-03-2020</a:t>
+              <a:t>18-03-2020</a:t>
             </a:fld>
             <a:endParaRPr lang="en-IN"/>
           </a:p>
@@ -1348,7 +1359,7 @@
           <a:p>
             <a:fld id="{2EC940BE-C840-4BA0-8C1D-1D51BDB10E51}" type="datetimeFigureOut">
               <a:rPr lang="en-IN" smtClean="0"/>
-              <a:t>16-03-2020</a:t>
+              <a:t>18-03-2020</a:t>
             </a:fld>
             <a:endParaRPr lang="en-IN"/>
           </a:p>
@@ -1518,7 +1529,7 @@
           <a:p>
             <a:fld id="{2EC940BE-C840-4BA0-8C1D-1D51BDB10E51}" type="datetimeFigureOut">
               <a:rPr lang="en-IN" smtClean="0"/>
-              <a:t>16-03-2020</a:t>
+              <a:t>18-03-2020</a:t>
             </a:fld>
             <a:endParaRPr lang="en-IN"/>
           </a:p>
@@ -1764,7 +1775,7 @@
           <a:p>
             <a:fld id="{2EC940BE-C840-4BA0-8C1D-1D51BDB10E51}" type="datetimeFigureOut">
               <a:rPr lang="en-IN" smtClean="0"/>
-              <a:t>16-03-2020</a:t>
+              <a:t>18-03-2020</a:t>
             </a:fld>
             <a:endParaRPr lang="en-IN"/>
           </a:p>
@@ -1996,7 +2007,7 @@
           <a:p>
             <a:fld id="{2EC940BE-C840-4BA0-8C1D-1D51BDB10E51}" type="datetimeFigureOut">
               <a:rPr lang="en-IN" smtClean="0"/>
-              <a:t>16-03-2020</a:t>
+              <a:t>18-03-2020</a:t>
             </a:fld>
             <a:endParaRPr lang="en-IN"/>
           </a:p>
@@ -2363,7 +2374,7 @@
           <a:p>
             <a:fld id="{2EC940BE-C840-4BA0-8C1D-1D51BDB10E51}" type="datetimeFigureOut">
               <a:rPr lang="en-IN" smtClean="0"/>
-              <a:t>16-03-2020</a:t>
+              <a:t>18-03-2020</a:t>
             </a:fld>
             <a:endParaRPr lang="en-IN"/>
           </a:p>
@@ -2481,7 +2492,7 @@
           <a:p>
             <a:fld id="{2EC940BE-C840-4BA0-8C1D-1D51BDB10E51}" type="datetimeFigureOut">
               <a:rPr lang="en-IN" smtClean="0"/>
-              <a:t>16-03-2020</a:t>
+              <a:t>18-03-2020</a:t>
             </a:fld>
             <a:endParaRPr lang="en-IN"/>
           </a:p>
@@ -2576,7 +2587,7 @@
           <a:p>
             <a:fld id="{2EC940BE-C840-4BA0-8C1D-1D51BDB10E51}" type="datetimeFigureOut">
               <a:rPr lang="en-IN" smtClean="0"/>
-              <a:t>16-03-2020</a:t>
+              <a:t>18-03-2020</a:t>
             </a:fld>
             <a:endParaRPr lang="en-IN"/>
           </a:p>
@@ -2853,7 +2864,7 @@
           <a:p>
             <a:fld id="{2EC940BE-C840-4BA0-8C1D-1D51BDB10E51}" type="datetimeFigureOut">
               <a:rPr lang="en-IN" smtClean="0"/>
-              <a:t>16-03-2020</a:t>
+              <a:t>18-03-2020</a:t>
             </a:fld>
             <a:endParaRPr lang="en-IN"/>
           </a:p>
@@ -3106,7 +3117,7 @@
           <a:p>
             <a:fld id="{2EC940BE-C840-4BA0-8C1D-1D51BDB10E51}" type="datetimeFigureOut">
               <a:rPr lang="en-IN" smtClean="0"/>
-              <a:t>16-03-2020</a:t>
+              <a:t>18-03-2020</a:t>
             </a:fld>
             <a:endParaRPr lang="en-IN"/>
           </a:p>
@@ -3319,7 +3330,7 @@
           <a:p>
             <a:fld id="{2EC940BE-C840-4BA0-8C1D-1D51BDB10E51}" type="datetimeFigureOut">
               <a:rPr lang="en-IN" smtClean="0"/>
-              <a:t>16-03-2020</a:t>
+              <a:t>18-03-2020</a:t>
             </a:fld>
             <a:endParaRPr lang="en-IN"/>
           </a:p>
@@ -6694,11 +6705,7 @@
             </a:r>
             <a:r>
               <a:rPr lang="en-US" dirty="0" smtClean="0"/>
-              <a:t> perso</a:t>
-            </a:r>
-            <a:r>
-              <a:rPr lang="en-US" dirty="0" smtClean="0"/>
-              <a:t>n  ={</a:t>
+              <a:t> person  ={</a:t>
             </a:r>
           </a:p>
           <a:p>
@@ -7018,6 +7025,544 @@
 </p:sld>
 </file>
 
+<file path=ppt/slides/slide36.xml><?xml version="1.0" encoding="utf-8"?>
+<p:sld xmlns:a="http://schemas.openxmlformats.org/drawingml/2006/main" xmlns:r="http://schemas.openxmlformats.org/officeDocument/2006/relationships" xmlns:p="http://schemas.openxmlformats.org/presentationml/2006/main">
+  <p:cSld>
+    <p:spTree>
+      <p:nvGrpSpPr>
+        <p:cNvPr id="1" name=""/>
+        <p:cNvGrpSpPr/>
+        <p:nvPr/>
+      </p:nvGrpSpPr>
+      <p:grpSpPr>
+        <a:xfrm>
+          <a:off x="0" y="0"/>
+          <a:ext cx="0" cy="0"/>
+          <a:chOff x="0" y="0"/>
+          <a:chExt cx="0" cy="0"/>
+        </a:xfrm>
+      </p:grpSpPr>
+      <p:sp>
+        <p:nvSpPr>
+          <p:cNvPr id="2" name="Title 1"/>
+          <p:cNvSpPr>
+            <a:spLocks noGrp="1"/>
+          </p:cNvSpPr>
+          <p:nvPr>
+            <p:ph type="title"/>
+          </p:nvPr>
+        </p:nvSpPr>
+        <p:spPr/>
+        <p:txBody>
+          <a:bodyPr/>
+          <a:lstStyle/>
+          <a:p>
+            <a:r>
+              <a:rPr lang="en-US" dirty="0" smtClean="0"/>
+              <a:t>React Hooks</a:t>
+            </a:r>
+            <a:endParaRPr lang="en-IN" dirty="0"/>
+          </a:p>
+        </p:txBody>
+      </p:sp>
+      <p:sp>
+        <p:nvSpPr>
+          <p:cNvPr id="3" name="Content Placeholder 2"/>
+          <p:cNvSpPr>
+            <a:spLocks noGrp="1"/>
+          </p:cNvSpPr>
+          <p:nvPr>
+            <p:ph idx="1"/>
+          </p:nvPr>
+        </p:nvSpPr>
+        <p:spPr/>
+        <p:txBody>
+          <a:bodyPr/>
+          <a:lstStyle/>
+          <a:p>
+            <a:r>
+              <a:rPr lang="en-US" dirty="0" err="1" smtClean="0"/>
+              <a:t>Javascript</a:t>
+            </a:r>
+            <a:r>
+              <a:rPr lang="en-US" dirty="0" smtClean="0"/>
+              <a:t> functions.</a:t>
+            </a:r>
+          </a:p>
+          <a:p>
+            <a:r>
+              <a:rPr lang="en-US" dirty="0" smtClean="0"/>
+              <a:t>React hooks should be called only in functional components.</a:t>
+            </a:r>
+          </a:p>
+          <a:p>
+            <a:r>
+              <a:rPr lang="en-US" dirty="0" smtClean="0"/>
+              <a:t>It should be defined in top level.</a:t>
+            </a:r>
+            <a:endParaRPr lang="en-IN" dirty="0"/>
+          </a:p>
+        </p:txBody>
+      </p:sp>
+    </p:spTree>
+    <p:extLst>
+      <p:ext uri="{BB962C8B-B14F-4D97-AF65-F5344CB8AC3E}">
+        <p14:creationId xmlns:p14="http://schemas.microsoft.com/office/powerpoint/2010/main" val="1667885690"/>
+      </p:ext>
+    </p:extLst>
+  </p:cSld>
+  <p:clrMapOvr>
+    <a:masterClrMapping/>
+  </p:clrMapOvr>
+</p:sld>
+</file>
+
+<file path=ppt/slides/slide37.xml><?xml version="1.0" encoding="utf-8"?>
+<p:sld xmlns:a="http://schemas.openxmlformats.org/drawingml/2006/main" xmlns:r="http://schemas.openxmlformats.org/officeDocument/2006/relationships" xmlns:p="http://schemas.openxmlformats.org/presentationml/2006/main">
+  <p:cSld>
+    <p:spTree>
+      <p:nvGrpSpPr>
+        <p:cNvPr id="1" name=""/>
+        <p:cNvGrpSpPr/>
+        <p:nvPr/>
+      </p:nvGrpSpPr>
+      <p:grpSpPr>
+        <a:xfrm>
+          <a:off x="0" y="0"/>
+          <a:ext cx="0" cy="0"/>
+          <a:chOff x="0" y="0"/>
+          <a:chExt cx="0" cy="0"/>
+        </a:xfrm>
+      </p:grpSpPr>
+      <p:sp>
+        <p:nvSpPr>
+          <p:cNvPr id="2" name="Title 1"/>
+          <p:cNvSpPr>
+            <a:spLocks noGrp="1"/>
+          </p:cNvSpPr>
+          <p:nvPr>
+            <p:ph type="title"/>
+          </p:nvPr>
+        </p:nvSpPr>
+        <p:spPr/>
+        <p:txBody>
+          <a:bodyPr/>
+          <a:lstStyle/>
+          <a:p>
+            <a:r>
+              <a:rPr lang="en-US" dirty="0" smtClean="0"/>
+              <a:t>State in class component</a:t>
+            </a:r>
+            <a:endParaRPr lang="en-IN" dirty="0"/>
+          </a:p>
+        </p:txBody>
+      </p:sp>
+      <p:sp>
+        <p:nvSpPr>
+          <p:cNvPr id="3" name="Content Placeholder 2"/>
+          <p:cNvSpPr>
+            <a:spLocks noGrp="1"/>
+          </p:cNvSpPr>
+          <p:nvPr>
+            <p:ph idx="1"/>
+          </p:nvPr>
+        </p:nvSpPr>
+        <p:spPr/>
+        <p:txBody>
+          <a:bodyPr/>
+          <a:lstStyle/>
+          <a:p>
+            <a:pPr marL="514350" indent="-514350">
+              <a:buAutoNum type="arabicPeriod"/>
+            </a:pPr>
+            <a:r>
+              <a:rPr lang="en-US" dirty="0" smtClean="0"/>
+              <a:t>Initialize the state </a:t>
+            </a:r>
+          </a:p>
+          <a:p>
+            <a:pPr marL="514350" indent="-514350">
+              <a:buAutoNum type="arabicPeriod"/>
+            </a:pPr>
+            <a:r>
+              <a:rPr lang="en-US" dirty="0" smtClean="0"/>
+              <a:t>Current state data (</a:t>
+            </a:r>
+            <a:r>
+              <a:rPr lang="en-US" dirty="0" err="1" smtClean="0"/>
+              <a:t>this.state</a:t>
+            </a:r>
+            <a:r>
+              <a:rPr lang="en-US" dirty="0" smtClean="0"/>
+              <a:t>)</a:t>
+            </a:r>
+          </a:p>
+          <a:p>
+            <a:pPr marL="514350" indent="-514350">
+              <a:buAutoNum type="arabicPeriod"/>
+            </a:pPr>
+            <a:r>
+              <a:rPr lang="en-US" dirty="0" smtClean="0"/>
+              <a:t>Modify the state ( </a:t>
+            </a:r>
+            <a:r>
+              <a:rPr lang="en-US" dirty="0" err="1" smtClean="0"/>
+              <a:t>this.setState</a:t>
+            </a:r>
+            <a:r>
+              <a:rPr lang="en-US" dirty="0" smtClean="0"/>
+              <a:t>({ }) ) </a:t>
+            </a:r>
+          </a:p>
+          <a:p>
+            <a:pPr marL="514350" indent="-514350">
+              <a:buAutoNum type="arabicPeriod"/>
+            </a:pPr>
+            <a:endParaRPr lang="en-IN" dirty="0"/>
+          </a:p>
+        </p:txBody>
+      </p:sp>
+    </p:spTree>
+    <p:extLst>
+      <p:ext uri="{BB962C8B-B14F-4D97-AF65-F5344CB8AC3E}">
+        <p14:creationId xmlns:p14="http://schemas.microsoft.com/office/powerpoint/2010/main" val="1143312957"/>
+      </p:ext>
+    </p:extLst>
+  </p:cSld>
+  <p:clrMapOvr>
+    <a:masterClrMapping/>
+  </p:clrMapOvr>
+</p:sld>
+</file>
+
+<file path=ppt/slides/slide38.xml><?xml version="1.0" encoding="utf-8"?>
+<p:sld xmlns:a="http://schemas.openxmlformats.org/drawingml/2006/main" xmlns:r="http://schemas.openxmlformats.org/officeDocument/2006/relationships" xmlns:p="http://schemas.openxmlformats.org/presentationml/2006/main">
+  <p:cSld>
+    <p:spTree>
+      <p:nvGrpSpPr>
+        <p:cNvPr id="1" name=""/>
+        <p:cNvGrpSpPr/>
+        <p:nvPr/>
+      </p:nvGrpSpPr>
+      <p:grpSpPr>
+        <a:xfrm>
+          <a:off x="0" y="0"/>
+          <a:ext cx="0" cy="0"/>
+          <a:chOff x="0" y="0"/>
+          <a:chExt cx="0" cy="0"/>
+        </a:xfrm>
+      </p:grpSpPr>
+      <p:sp>
+        <p:nvSpPr>
+          <p:cNvPr id="2" name="Title 1"/>
+          <p:cNvSpPr>
+            <a:spLocks noGrp="1"/>
+          </p:cNvSpPr>
+          <p:nvPr>
+            <p:ph type="title"/>
+          </p:nvPr>
+        </p:nvSpPr>
+        <p:spPr/>
+        <p:txBody>
+          <a:bodyPr/>
+          <a:lstStyle/>
+          <a:p>
+            <a:r>
+              <a:rPr lang="en-US" dirty="0" smtClean="0"/>
+              <a:t>State in functional component</a:t>
+            </a:r>
+            <a:endParaRPr lang="en-IN" dirty="0"/>
+          </a:p>
+        </p:txBody>
+      </p:sp>
+      <p:sp>
+        <p:nvSpPr>
+          <p:cNvPr id="3" name="Content Placeholder 2"/>
+          <p:cNvSpPr>
+            <a:spLocks noGrp="1"/>
+          </p:cNvSpPr>
+          <p:nvPr>
+            <p:ph idx="1"/>
+          </p:nvPr>
+        </p:nvSpPr>
+        <p:spPr/>
+        <p:txBody>
+          <a:bodyPr/>
+          <a:lstStyle/>
+          <a:p>
+            <a:r>
+              <a:rPr lang="en-US" dirty="0" err="1"/>
+              <a:t>c</a:t>
+            </a:r>
+            <a:r>
+              <a:rPr lang="en-US" dirty="0" err="1" smtClean="0"/>
+              <a:t>onst</a:t>
+            </a:r>
+            <a:r>
+              <a:rPr lang="en-US" dirty="0" smtClean="0"/>
+              <a:t> array = </a:t>
+            </a:r>
+            <a:r>
+              <a:rPr lang="en-US" dirty="0" err="1" smtClean="0"/>
+              <a:t>useState</a:t>
+            </a:r>
+            <a:r>
+              <a:rPr lang="en-US" dirty="0" smtClean="0"/>
+              <a:t>(</a:t>
+            </a:r>
+            <a:r>
+              <a:rPr lang="en-US" dirty="0" err="1" smtClean="0"/>
+              <a:t>initialState</a:t>
+            </a:r>
+            <a:r>
+              <a:rPr lang="en-US" dirty="0" smtClean="0"/>
+              <a:t>)</a:t>
+            </a:r>
+          </a:p>
+          <a:p>
+            <a:r>
+              <a:rPr lang="en-US" dirty="0"/>
+              <a:t>a</a:t>
+            </a:r>
+            <a:r>
+              <a:rPr lang="en-US" dirty="0" smtClean="0"/>
+              <a:t>rray[0]  = current state data</a:t>
+            </a:r>
+          </a:p>
+          <a:p>
+            <a:r>
+              <a:rPr lang="en-US" dirty="0" smtClean="0"/>
+              <a:t>array[1]  = function to modify the state</a:t>
+            </a:r>
+            <a:endParaRPr lang="en-IN" dirty="0"/>
+          </a:p>
+        </p:txBody>
+      </p:sp>
+    </p:spTree>
+    <p:extLst>
+      <p:ext uri="{BB962C8B-B14F-4D97-AF65-F5344CB8AC3E}">
+        <p14:creationId xmlns:p14="http://schemas.microsoft.com/office/powerpoint/2010/main" val="3168492389"/>
+      </p:ext>
+    </p:extLst>
+  </p:cSld>
+  <p:clrMapOvr>
+    <a:masterClrMapping/>
+  </p:clrMapOvr>
+</p:sld>
+</file>
+
+<file path=ppt/slides/slide39.xml><?xml version="1.0" encoding="utf-8"?>
+<p:sld xmlns:a="http://schemas.openxmlformats.org/drawingml/2006/main" xmlns:r="http://schemas.openxmlformats.org/officeDocument/2006/relationships" xmlns:p="http://schemas.openxmlformats.org/presentationml/2006/main">
+  <p:cSld>
+    <p:spTree>
+      <p:nvGrpSpPr>
+        <p:cNvPr id="1" name=""/>
+        <p:cNvGrpSpPr/>
+        <p:nvPr/>
+      </p:nvGrpSpPr>
+      <p:grpSpPr>
+        <a:xfrm>
+          <a:off x="0" y="0"/>
+          <a:ext cx="0" cy="0"/>
+          <a:chOff x="0" y="0"/>
+          <a:chExt cx="0" cy="0"/>
+        </a:xfrm>
+      </p:grpSpPr>
+      <p:sp>
+        <p:nvSpPr>
+          <p:cNvPr id="2" name="Title 1"/>
+          <p:cNvSpPr>
+            <a:spLocks noGrp="1"/>
+          </p:cNvSpPr>
+          <p:nvPr>
+            <p:ph type="title"/>
+          </p:nvPr>
+        </p:nvSpPr>
+        <p:spPr/>
+        <p:txBody>
+          <a:bodyPr>
+            <a:normAutofit/>
+          </a:bodyPr>
+          <a:lstStyle/>
+          <a:p>
+            <a:r>
+              <a:rPr lang="en-US" dirty="0" smtClean="0"/>
+              <a:t>Best Practice to update state in Functional Component</a:t>
+            </a:r>
+            <a:endParaRPr lang="en-IN" dirty="0"/>
+          </a:p>
+        </p:txBody>
+      </p:sp>
+      <p:sp>
+        <p:nvSpPr>
+          <p:cNvPr id="3" name="Content Placeholder 2"/>
+          <p:cNvSpPr>
+            <a:spLocks noGrp="1"/>
+          </p:cNvSpPr>
+          <p:nvPr>
+            <p:ph idx="1"/>
+          </p:nvPr>
+        </p:nvSpPr>
+        <p:spPr/>
+        <p:txBody>
+          <a:bodyPr/>
+          <a:lstStyle/>
+          <a:p>
+            <a:r>
+              <a:rPr lang="en-US" dirty="0" smtClean="0"/>
+              <a:t>Take a copy of the state</a:t>
+            </a:r>
+          </a:p>
+          <a:p>
+            <a:r>
+              <a:rPr lang="en-US" dirty="0" smtClean="0"/>
+              <a:t>Update or modify or delete or add to the copy</a:t>
+            </a:r>
+          </a:p>
+          <a:p>
+            <a:r>
+              <a:rPr lang="en-US" dirty="0" smtClean="0"/>
+              <a:t>Set the state using the </a:t>
+            </a:r>
+            <a:r>
+              <a:rPr lang="en-US" dirty="0" smtClean="0"/>
+              <a:t>copy</a:t>
+            </a:r>
+          </a:p>
+          <a:p>
+            <a:pPr marL="0" indent="0">
+              <a:buNone/>
+            </a:pPr>
+            <a:r>
+              <a:rPr lang="en-US" dirty="0" smtClean="0"/>
+              <a:t>	Example – </a:t>
+            </a:r>
+          </a:p>
+          <a:p>
+            <a:pPr marL="0" indent="0">
+              <a:buNone/>
+            </a:pPr>
+            <a:r>
+              <a:rPr lang="en-US" dirty="0"/>
+              <a:t>	</a:t>
+            </a:r>
+            <a:r>
+              <a:rPr lang="en-US" dirty="0" err="1" smtClean="0"/>
+              <a:t>const</a:t>
+            </a:r>
+            <a:r>
+              <a:rPr lang="en-US" dirty="0" smtClean="0"/>
+              <a:t> [</a:t>
+            </a:r>
+            <a:r>
+              <a:rPr lang="en-US" dirty="0" err="1" smtClean="0"/>
+              <a:t>numbers,setNumbers</a:t>
+            </a:r>
+            <a:r>
+              <a:rPr lang="en-US" dirty="0" smtClean="0"/>
+              <a:t>] = </a:t>
+            </a:r>
+            <a:r>
+              <a:rPr lang="en-US" dirty="0" err="1" smtClean="0"/>
+              <a:t>useState</a:t>
+            </a:r>
+            <a:r>
+              <a:rPr lang="en-US" dirty="0" smtClean="0"/>
+              <a:t>([1,2,3,4,5])</a:t>
+            </a:r>
+            <a:endParaRPr lang="en-IN" dirty="0"/>
+          </a:p>
+          <a:p>
+            <a:pPr marL="0" indent="0">
+              <a:buNone/>
+            </a:pPr>
+            <a:r>
+              <a:rPr lang="en-US" dirty="0" smtClean="0"/>
+              <a:t>	</a:t>
+            </a:r>
+            <a:r>
+              <a:rPr lang="en-US" dirty="0" err="1" smtClean="0"/>
+              <a:t>const</a:t>
+            </a:r>
+            <a:r>
+              <a:rPr lang="en-US" dirty="0" smtClean="0"/>
+              <a:t> n = […numbers]</a:t>
+            </a:r>
+          </a:p>
+          <a:p>
+            <a:pPr marL="0" indent="0">
+              <a:buNone/>
+            </a:pPr>
+            <a:r>
+              <a:rPr lang="en-US" dirty="0"/>
+              <a:t>	</a:t>
+            </a:r>
+            <a:r>
+              <a:rPr lang="en-US" dirty="0" err="1" smtClean="0"/>
+              <a:t>const</a:t>
+            </a:r>
+            <a:r>
+              <a:rPr lang="en-US" dirty="0" smtClean="0"/>
+              <a:t> result = </a:t>
+            </a:r>
+            <a:r>
+              <a:rPr lang="en-US" dirty="0" err="1" smtClean="0"/>
+              <a:t>n.filter</a:t>
+            </a:r>
+            <a:r>
+              <a:rPr lang="en-US" dirty="0" smtClean="0"/>
+              <a:t>(</a:t>
+            </a:r>
+            <a:r>
+              <a:rPr lang="en-US" dirty="0" err="1" smtClean="0"/>
+              <a:t>num</a:t>
+            </a:r>
+            <a:r>
+              <a:rPr lang="en-US" dirty="0" smtClean="0"/>
+              <a:t>=&gt;{return </a:t>
+            </a:r>
+            <a:r>
+              <a:rPr lang="en-US" dirty="0" err="1" smtClean="0"/>
+              <a:t>num</a:t>
+            </a:r>
+            <a:r>
+              <a:rPr lang="en-US" dirty="0" smtClean="0"/>
+              <a:t>&gt;2})</a:t>
+            </a:r>
+          </a:p>
+          <a:p>
+            <a:pPr marL="0" indent="0">
+              <a:buNone/>
+            </a:pPr>
+            <a:r>
+              <a:rPr lang="en-US" dirty="0"/>
+              <a:t>	</a:t>
+            </a:r>
+            <a:r>
+              <a:rPr lang="en-US" dirty="0" err="1" smtClean="0"/>
+              <a:t>setNumbers</a:t>
+            </a:r>
+            <a:r>
+              <a:rPr lang="en-US" dirty="0" smtClean="0"/>
+              <a:t>(result)</a:t>
+            </a:r>
+            <a:endParaRPr lang="en-IN" dirty="0"/>
+          </a:p>
+        </p:txBody>
+      </p:sp>
+    </p:spTree>
+    <p:extLst>
+      <p:ext uri="{BB962C8B-B14F-4D97-AF65-F5344CB8AC3E}">
+        <p14:creationId xmlns:p14="http://schemas.microsoft.com/office/powerpoint/2010/main" val="2435953233"/>
+      </p:ext>
+    </p:extLst>
+  </p:cSld>
+  <p:clrMapOvr>
+    <a:masterClrMapping/>
+  </p:clrMapOvr>
+</p:sld>
+</file>
+
 <file path=ppt/slides/slide4.xml><?xml version="1.0" encoding="utf-8"?>
 <p:sld xmlns:a="http://schemas.openxmlformats.org/drawingml/2006/main" xmlns:r="http://schemas.openxmlformats.org/officeDocument/2006/relationships" xmlns:p="http://schemas.openxmlformats.org/presentationml/2006/main">
   <p:cSld>
@@ -7112,6 +7657,759 @@
       </p:par>
     </p:tnLst>
   </p:timing>
+</p:sld>
+</file>
+
+<file path=ppt/slides/slide40.xml><?xml version="1.0" encoding="utf-8"?>
+<p:sld xmlns:a="http://schemas.openxmlformats.org/drawingml/2006/main" xmlns:r="http://schemas.openxmlformats.org/officeDocument/2006/relationships" xmlns:p="http://schemas.openxmlformats.org/presentationml/2006/main">
+  <p:cSld>
+    <p:spTree>
+      <p:nvGrpSpPr>
+        <p:cNvPr id="1" name=""/>
+        <p:cNvGrpSpPr/>
+        <p:nvPr/>
+      </p:nvGrpSpPr>
+      <p:grpSpPr>
+        <a:xfrm>
+          <a:off x="0" y="0"/>
+          <a:ext cx="0" cy="0"/>
+          <a:chOff x="0" y="0"/>
+          <a:chExt cx="0" cy="0"/>
+        </a:xfrm>
+      </p:grpSpPr>
+      <p:sp>
+        <p:nvSpPr>
+          <p:cNvPr id="2" name="Title 1"/>
+          <p:cNvSpPr>
+            <a:spLocks noGrp="1"/>
+          </p:cNvSpPr>
+          <p:nvPr>
+            <p:ph type="title"/>
+          </p:nvPr>
+        </p:nvSpPr>
+        <p:spPr>
+          <a:xfrm>
+            <a:off x="838200" y="347707"/>
+            <a:ext cx="10515600" cy="1325563"/>
+          </a:xfrm>
+        </p:spPr>
+        <p:txBody>
+          <a:bodyPr/>
+          <a:lstStyle/>
+          <a:p>
+            <a:r>
+              <a:rPr lang="en-US" dirty="0" err="1" smtClean="0"/>
+              <a:t>useEffect</a:t>
+            </a:r>
+            <a:r>
+              <a:rPr lang="en-US" dirty="0" smtClean="0"/>
+              <a:t>()</a:t>
+            </a:r>
+            <a:endParaRPr lang="en-IN" dirty="0"/>
+          </a:p>
+        </p:txBody>
+      </p:sp>
+      <p:sp>
+        <p:nvSpPr>
+          <p:cNvPr id="3" name="Content Placeholder 2"/>
+          <p:cNvSpPr>
+            <a:spLocks noGrp="1"/>
+          </p:cNvSpPr>
+          <p:nvPr>
+            <p:ph idx="1"/>
+          </p:nvPr>
+        </p:nvSpPr>
+        <p:spPr/>
+        <p:txBody>
+          <a:bodyPr/>
+          <a:lstStyle/>
+          <a:p>
+            <a:r>
+              <a:rPr lang="en-US" dirty="0" smtClean="0"/>
+              <a:t>It is a alternative all three methods </a:t>
+            </a:r>
+          </a:p>
+          <a:p>
+            <a:pPr lvl="1"/>
+            <a:r>
+              <a:rPr lang="en-US" dirty="0" err="1" smtClean="0"/>
+              <a:t>componentDidMount</a:t>
+            </a:r>
+            <a:endParaRPr lang="en-US" dirty="0" smtClean="0"/>
+          </a:p>
+          <a:p>
+            <a:pPr lvl="1"/>
+            <a:r>
+              <a:rPr lang="en-US" dirty="0" err="1" smtClean="0"/>
+              <a:t>componentDidUpdate</a:t>
+            </a:r>
+            <a:endParaRPr lang="en-US" dirty="0" smtClean="0"/>
+          </a:p>
+          <a:p>
+            <a:pPr lvl="1"/>
+            <a:r>
+              <a:rPr lang="en-US" dirty="0" err="1" smtClean="0"/>
+              <a:t>componentWillUnmount</a:t>
+            </a:r>
+            <a:endParaRPr lang="en-IN" dirty="0"/>
+          </a:p>
+        </p:txBody>
+      </p:sp>
+    </p:spTree>
+    <p:extLst>
+      <p:ext uri="{BB962C8B-B14F-4D97-AF65-F5344CB8AC3E}">
+        <p14:creationId xmlns:p14="http://schemas.microsoft.com/office/powerpoint/2010/main" val="3697407161"/>
+      </p:ext>
+    </p:extLst>
+  </p:cSld>
+  <p:clrMapOvr>
+    <a:masterClrMapping/>
+  </p:clrMapOvr>
+</p:sld>
+</file>
+
+<file path=ppt/slides/slide41.xml><?xml version="1.0" encoding="utf-8"?>
+<p:sld xmlns:a="http://schemas.openxmlformats.org/drawingml/2006/main" xmlns:r="http://schemas.openxmlformats.org/officeDocument/2006/relationships" xmlns:p="http://schemas.openxmlformats.org/presentationml/2006/main">
+  <p:cSld>
+    <p:spTree>
+      <p:nvGrpSpPr>
+        <p:cNvPr id="1" name=""/>
+        <p:cNvGrpSpPr/>
+        <p:nvPr/>
+      </p:nvGrpSpPr>
+      <p:grpSpPr>
+        <a:xfrm>
+          <a:off x="0" y="0"/>
+          <a:ext cx="0" cy="0"/>
+          <a:chOff x="0" y="0"/>
+          <a:chExt cx="0" cy="0"/>
+        </a:xfrm>
+      </p:grpSpPr>
+      <p:sp>
+        <p:nvSpPr>
+          <p:cNvPr id="2" name="Title 1"/>
+          <p:cNvSpPr>
+            <a:spLocks noGrp="1"/>
+          </p:cNvSpPr>
+          <p:nvPr>
+            <p:ph type="title"/>
+          </p:nvPr>
+        </p:nvSpPr>
+        <p:spPr/>
+        <p:txBody>
+          <a:bodyPr/>
+          <a:lstStyle/>
+          <a:p>
+            <a:r>
+              <a:rPr lang="en-US" dirty="0" err="1" smtClean="0"/>
+              <a:t>useEffect</a:t>
+            </a:r>
+            <a:r>
+              <a:rPr lang="en-US" dirty="0" smtClean="0"/>
+              <a:t>(callback function)</a:t>
+            </a:r>
+            <a:endParaRPr lang="en-IN" dirty="0"/>
+          </a:p>
+        </p:txBody>
+      </p:sp>
+      <p:sp>
+        <p:nvSpPr>
+          <p:cNvPr id="3" name="Content Placeholder 2"/>
+          <p:cNvSpPr>
+            <a:spLocks noGrp="1"/>
+          </p:cNvSpPr>
+          <p:nvPr>
+            <p:ph idx="1"/>
+          </p:nvPr>
+        </p:nvSpPr>
+        <p:spPr/>
+        <p:txBody>
+          <a:bodyPr/>
+          <a:lstStyle/>
+          <a:p>
+            <a:r>
+              <a:rPr lang="en-US" dirty="0" err="1" smtClean="0"/>
+              <a:t>useEffect</a:t>
+            </a:r>
+            <a:r>
+              <a:rPr lang="en-US" dirty="0" smtClean="0"/>
+              <a:t>(()=&gt;{</a:t>
+            </a:r>
+          </a:p>
+          <a:p>
+            <a:pPr marL="0" indent="0">
+              <a:buNone/>
+            </a:pPr>
+            <a:r>
+              <a:rPr lang="en-US" dirty="0" smtClean="0"/>
+              <a:t>	// component is mounted</a:t>
+            </a:r>
+          </a:p>
+          <a:p>
+            <a:pPr marL="0" indent="0">
+              <a:buNone/>
+            </a:pPr>
+            <a:r>
+              <a:rPr lang="en-US" dirty="0"/>
+              <a:t>	</a:t>
+            </a:r>
+            <a:r>
+              <a:rPr lang="en-US" dirty="0" smtClean="0"/>
+              <a:t>// state or props getting changed</a:t>
+            </a:r>
+          </a:p>
+          <a:p>
+            <a:pPr marL="0" indent="0">
+              <a:buNone/>
+            </a:pPr>
+            <a:r>
+              <a:rPr lang="en-US" dirty="0"/>
+              <a:t>	</a:t>
+            </a:r>
+            <a:r>
+              <a:rPr lang="en-US" dirty="0" smtClean="0"/>
+              <a:t>return () =&gt;{</a:t>
+            </a:r>
+          </a:p>
+          <a:p>
+            <a:pPr marL="0" indent="0">
+              <a:buNone/>
+            </a:pPr>
+            <a:r>
+              <a:rPr lang="en-US" dirty="0" smtClean="0"/>
+              <a:t>		// component is unmounted</a:t>
+            </a:r>
+            <a:endParaRPr lang="en-US" dirty="0"/>
+          </a:p>
+          <a:p>
+            <a:pPr marL="0" indent="0">
+              <a:buNone/>
+            </a:pPr>
+            <a:r>
+              <a:rPr lang="en-US" dirty="0" smtClean="0"/>
+              <a:t>	}</a:t>
+            </a:r>
+          </a:p>
+          <a:p>
+            <a:pPr marL="0" indent="0">
+              <a:buNone/>
+            </a:pPr>
+            <a:r>
+              <a:rPr lang="en-US" dirty="0" smtClean="0"/>
+              <a:t>})</a:t>
+            </a:r>
+            <a:endParaRPr lang="en-IN" dirty="0"/>
+          </a:p>
+        </p:txBody>
+      </p:sp>
+    </p:spTree>
+    <p:extLst>
+      <p:ext uri="{BB962C8B-B14F-4D97-AF65-F5344CB8AC3E}">
+        <p14:creationId xmlns:p14="http://schemas.microsoft.com/office/powerpoint/2010/main" val="4133633467"/>
+      </p:ext>
+    </p:extLst>
+  </p:cSld>
+  <p:clrMapOvr>
+    <a:masterClrMapping/>
+  </p:clrMapOvr>
+</p:sld>
+</file>
+
+<file path=ppt/slides/slide42.xml><?xml version="1.0" encoding="utf-8"?>
+<p:sld xmlns:a="http://schemas.openxmlformats.org/drawingml/2006/main" xmlns:r="http://schemas.openxmlformats.org/officeDocument/2006/relationships" xmlns:p="http://schemas.openxmlformats.org/presentationml/2006/main">
+  <p:cSld>
+    <p:spTree>
+      <p:nvGrpSpPr>
+        <p:cNvPr id="1" name=""/>
+        <p:cNvGrpSpPr/>
+        <p:nvPr/>
+      </p:nvGrpSpPr>
+      <p:grpSpPr>
+        <a:xfrm>
+          <a:off x="0" y="0"/>
+          <a:ext cx="0" cy="0"/>
+          <a:chOff x="0" y="0"/>
+          <a:chExt cx="0" cy="0"/>
+        </a:xfrm>
+      </p:grpSpPr>
+      <p:sp>
+        <p:nvSpPr>
+          <p:cNvPr id="2" name="Title 1"/>
+          <p:cNvSpPr>
+            <a:spLocks noGrp="1"/>
+          </p:cNvSpPr>
+          <p:nvPr>
+            <p:ph type="title"/>
+          </p:nvPr>
+        </p:nvSpPr>
+        <p:spPr/>
+        <p:txBody>
+          <a:bodyPr/>
+          <a:lstStyle/>
+          <a:p>
+            <a:r>
+              <a:rPr lang="en-US" dirty="0" err="1" smtClean="0"/>
+              <a:t>useEffect</a:t>
+            </a:r>
+            <a:r>
+              <a:rPr lang="en-US" dirty="0" smtClean="0"/>
+              <a:t> first syntax</a:t>
+            </a:r>
+            <a:endParaRPr lang="en-IN" dirty="0"/>
+          </a:p>
+        </p:txBody>
+      </p:sp>
+      <p:sp>
+        <p:nvSpPr>
+          <p:cNvPr id="3" name="Content Placeholder 2"/>
+          <p:cNvSpPr>
+            <a:spLocks noGrp="1"/>
+          </p:cNvSpPr>
+          <p:nvPr>
+            <p:ph idx="1"/>
+          </p:nvPr>
+        </p:nvSpPr>
+        <p:spPr/>
+        <p:txBody>
+          <a:bodyPr/>
+          <a:lstStyle/>
+          <a:p>
+            <a:r>
+              <a:rPr lang="en-US" dirty="0" err="1" smtClean="0"/>
+              <a:t>useEffect</a:t>
+            </a:r>
+            <a:r>
+              <a:rPr lang="en-US" dirty="0" smtClean="0"/>
+              <a:t>(()=&gt;{</a:t>
+            </a:r>
+          </a:p>
+          <a:p>
+            <a:pPr marL="457200" lvl="1" indent="0">
+              <a:buNone/>
+            </a:pPr>
+            <a:r>
+              <a:rPr lang="en-US" dirty="0" smtClean="0"/>
+              <a:t>	// logic for mounting</a:t>
+            </a:r>
+            <a:endParaRPr lang="en-US" dirty="0"/>
+          </a:p>
+          <a:p>
+            <a:pPr marL="0" indent="0">
+              <a:buNone/>
+            </a:pPr>
+            <a:r>
+              <a:rPr lang="en-US" dirty="0" smtClean="0"/>
+              <a:t>	}, [] )                                   =====   </a:t>
+            </a:r>
+            <a:r>
+              <a:rPr lang="en-US" dirty="0" err="1" smtClean="0"/>
+              <a:t>componentDidMount</a:t>
+            </a:r>
+            <a:endParaRPr lang="en-IN" dirty="0"/>
+          </a:p>
+        </p:txBody>
+      </p:sp>
+    </p:spTree>
+    <p:extLst>
+      <p:ext uri="{BB962C8B-B14F-4D97-AF65-F5344CB8AC3E}">
+        <p14:creationId xmlns:p14="http://schemas.microsoft.com/office/powerpoint/2010/main" val="3693611593"/>
+      </p:ext>
+    </p:extLst>
+  </p:cSld>
+  <p:clrMapOvr>
+    <a:masterClrMapping/>
+  </p:clrMapOvr>
+</p:sld>
+</file>
+
+<file path=ppt/slides/slide43.xml><?xml version="1.0" encoding="utf-8"?>
+<p:sld xmlns:a="http://schemas.openxmlformats.org/drawingml/2006/main" xmlns:r="http://schemas.openxmlformats.org/officeDocument/2006/relationships" xmlns:p="http://schemas.openxmlformats.org/presentationml/2006/main">
+  <p:cSld>
+    <p:spTree>
+      <p:nvGrpSpPr>
+        <p:cNvPr id="1" name=""/>
+        <p:cNvGrpSpPr/>
+        <p:nvPr/>
+      </p:nvGrpSpPr>
+      <p:grpSpPr>
+        <a:xfrm>
+          <a:off x="0" y="0"/>
+          <a:ext cx="0" cy="0"/>
+          <a:chOff x="0" y="0"/>
+          <a:chExt cx="0" cy="0"/>
+        </a:xfrm>
+      </p:grpSpPr>
+      <p:sp>
+        <p:nvSpPr>
+          <p:cNvPr id="2" name="Title 1"/>
+          <p:cNvSpPr>
+            <a:spLocks noGrp="1"/>
+          </p:cNvSpPr>
+          <p:nvPr>
+            <p:ph type="title"/>
+          </p:nvPr>
+        </p:nvSpPr>
+        <p:spPr/>
+        <p:txBody>
+          <a:bodyPr/>
+          <a:lstStyle/>
+          <a:p>
+            <a:r>
+              <a:rPr lang="en-US" dirty="0" err="1" smtClean="0"/>
+              <a:t>useEffect</a:t>
+            </a:r>
+            <a:r>
+              <a:rPr lang="en-US" dirty="0" smtClean="0"/>
+              <a:t> second syntax</a:t>
+            </a:r>
+            <a:endParaRPr lang="en-IN" dirty="0"/>
+          </a:p>
+        </p:txBody>
+      </p:sp>
+      <p:sp>
+        <p:nvSpPr>
+          <p:cNvPr id="3" name="Content Placeholder 2"/>
+          <p:cNvSpPr>
+            <a:spLocks noGrp="1"/>
+          </p:cNvSpPr>
+          <p:nvPr>
+            <p:ph idx="1"/>
+          </p:nvPr>
+        </p:nvSpPr>
+        <p:spPr/>
+        <p:txBody>
+          <a:bodyPr/>
+          <a:lstStyle/>
+          <a:p>
+            <a:r>
+              <a:rPr lang="en-US" dirty="0" err="1" smtClean="0"/>
+              <a:t>useEffect</a:t>
+            </a:r>
+            <a:r>
+              <a:rPr lang="en-US" dirty="0" smtClean="0"/>
+              <a:t>(()=&gt;{</a:t>
+            </a:r>
+          </a:p>
+          <a:p>
+            <a:pPr marL="457200" lvl="1" indent="0">
+              <a:buNone/>
+            </a:pPr>
+            <a:r>
+              <a:rPr lang="en-US" dirty="0"/>
+              <a:t>	</a:t>
+            </a:r>
+            <a:r>
+              <a:rPr lang="en-US" dirty="0" smtClean="0"/>
+              <a:t>// logic executes whenever there is change in count variable value</a:t>
+            </a:r>
+            <a:endParaRPr lang="en-US" dirty="0"/>
+          </a:p>
+          <a:p>
+            <a:pPr marL="0" indent="0">
+              <a:buNone/>
+            </a:pPr>
+            <a:r>
+              <a:rPr lang="en-US" dirty="0" smtClean="0"/>
+              <a:t>	}, [ count ])</a:t>
+            </a:r>
+            <a:endParaRPr lang="en-IN" dirty="0"/>
+          </a:p>
+        </p:txBody>
+      </p:sp>
+    </p:spTree>
+    <p:extLst>
+      <p:ext uri="{BB962C8B-B14F-4D97-AF65-F5344CB8AC3E}">
+        <p14:creationId xmlns:p14="http://schemas.microsoft.com/office/powerpoint/2010/main" val="3845686117"/>
+      </p:ext>
+    </p:extLst>
+  </p:cSld>
+  <p:clrMapOvr>
+    <a:masterClrMapping/>
+  </p:clrMapOvr>
+</p:sld>
+</file>
+
+<file path=ppt/slides/slide44.xml><?xml version="1.0" encoding="utf-8"?>
+<p:sld xmlns:a="http://schemas.openxmlformats.org/drawingml/2006/main" xmlns:r="http://schemas.openxmlformats.org/officeDocument/2006/relationships" xmlns:p="http://schemas.openxmlformats.org/presentationml/2006/main">
+  <p:cSld>
+    <p:spTree>
+      <p:nvGrpSpPr>
+        <p:cNvPr id="1" name=""/>
+        <p:cNvGrpSpPr/>
+        <p:nvPr/>
+      </p:nvGrpSpPr>
+      <p:grpSpPr>
+        <a:xfrm>
+          <a:off x="0" y="0"/>
+          <a:ext cx="0" cy="0"/>
+          <a:chOff x="0" y="0"/>
+          <a:chExt cx="0" cy="0"/>
+        </a:xfrm>
+      </p:grpSpPr>
+      <p:sp>
+        <p:nvSpPr>
+          <p:cNvPr id="2" name="Title 1"/>
+          <p:cNvSpPr>
+            <a:spLocks noGrp="1"/>
+          </p:cNvSpPr>
+          <p:nvPr>
+            <p:ph type="title"/>
+          </p:nvPr>
+        </p:nvSpPr>
+        <p:spPr/>
+        <p:txBody>
+          <a:bodyPr/>
+          <a:lstStyle/>
+          <a:p>
+            <a:r>
+              <a:rPr lang="en-US" dirty="0" err="1" smtClean="0"/>
+              <a:t>useEffect</a:t>
+            </a:r>
+            <a:r>
+              <a:rPr lang="en-US" dirty="0" smtClean="0"/>
+              <a:t> third syntax</a:t>
+            </a:r>
+            <a:endParaRPr lang="en-IN" dirty="0"/>
+          </a:p>
+        </p:txBody>
+      </p:sp>
+      <p:sp>
+        <p:nvSpPr>
+          <p:cNvPr id="3" name="Content Placeholder 2"/>
+          <p:cNvSpPr>
+            <a:spLocks noGrp="1"/>
+          </p:cNvSpPr>
+          <p:nvPr>
+            <p:ph idx="1"/>
+          </p:nvPr>
+        </p:nvSpPr>
+        <p:spPr/>
+        <p:txBody>
+          <a:bodyPr/>
+          <a:lstStyle/>
+          <a:p>
+            <a:r>
+              <a:rPr lang="en-US" dirty="0" err="1" smtClean="0"/>
+              <a:t>useEffect</a:t>
+            </a:r>
+            <a:r>
+              <a:rPr lang="en-US" dirty="0" smtClean="0"/>
+              <a:t>(()=&gt;{</a:t>
+            </a:r>
+          </a:p>
+          <a:p>
+            <a:pPr marL="0" indent="0">
+              <a:buNone/>
+            </a:pPr>
+            <a:r>
+              <a:rPr lang="en-US" dirty="0" smtClean="0"/>
+              <a:t>	return () =&gt;{</a:t>
+            </a:r>
+          </a:p>
+          <a:p>
+            <a:pPr marL="0" indent="0">
+              <a:buNone/>
+            </a:pPr>
+            <a:r>
+              <a:rPr lang="en-US" dirty="0" smtClean="0"/>
+              <a:t>	// logic to be executed on component unmount</a:t>
+            </a:r>
+            <a:endParaRPr lang="en-US" dirty="0"/>
+          </a:p>
+          <a:p>
+            <a:pPr marL="0" indent="0">
+              <a:buNone/>
+            </a:pPr>
+            <a:r>
+              <a:rPr lang="en-US" dirty="0" smtClean="0"/>
+              <a:t>}</a:t>
+            </a:r>
+            <a:endParaRPr lang="en-US" dirty="0"/>
+          </a:p>
+          <a:p>
+            <a:pPr marL="0" indent="0">
+              <a:buNone/>
+            </a:pPr>
+            <a:r>
+              <a:rPr lang="en-US" dirty="0" smtClean="0"/>
+              <a:t>}, [])</a:t>
+            </a:r>
+            <a:endParaRPr lang="en-IN" dirty="0"/>
+          </a:p>
+        </p:txBody>
+      </p:sp>
+    </p:spTree>
+    <p:extLst>
+      <p:ext uri="{BB962C8B-B14F-4D97-AF65-F5344CB8AC3E}">
+        <p14:creationId xmlns:p14="http://schemas.microsoft.com/office/powerpoint/2010/main" val="2069988246"/>
+      </p:ext>
+    </p:extLst>
+  </p:cSld>
+  <p:clrMapOvr>
+    <a:masterClrMapping/>
+  </p:clrMapOvr>
+</p:sld>
+</file>
+
+<file path=ppt/slides/slide45.xml><?xml version="1.0" encoding="utf-8"?>
+<p:sld xmlns:a="http://schemas.openxmlformats.org/drawingml/2006/main" xmlns:r="http://schemas.openxmlformats.org/officeDocument/2006/relationships" xmlns:p="http://schemas.openxmlformats.org/presentationml/2006/main">
+  <p:cSld>
+    <p:spTree>
+      <p:nvGrpSpPr>
+        <p:cNvPr id="1" name=""/>
+        <p:cNvGrpSpPr/>
+        <p:nvPr/>
+      </p:nvGrpSpPr>
+      <p:grpSpPr>
+        <a:xfrm>
+          <a:off x="0" y="0"/>
+          <a:ext cx="0" cy="0"/>
+          <a:chOff x="0" y="0"/>
+          <a:chExt cx="0" cy="0"/>
+        </a:xfrm>
+      </p:grpSpPr>
+      <p:sp>
+        <p:nvSpPr>
+          <p:cNvPr id="2" name="Title 1"/>
+          <p:cNvSpPr>
+            <a:spLocks noGrp="1"/>
+          </p:cNvSpPr>
+          <p:nvPr>
+            <p:ph type="title"/>
+          </p:nvPr>
+        </p:nvSpPr>
+        <p:spPr/>
+        <p:txBody>
+          <a:bodyPr/>
+          <a:lstStyle/>
+          <a:p>
+            <a:r>
+              <a:rPr lang="en-US" dirty="0" smtClean="0"/>
+              <a:t>Dummy Server</a:t>
+            </a:r>
+            <a:endParaRPr lang="en-IN" dirty="0"/>
+          </a:p>
+        </p:txBody>
+      </p:sp>
+      <p:sp>
+        <p:nvSpPr>
+          <p:cNvPr id="3" name="Content Placeholder 2"/>
+          <p:cNvSpPr>
+            <a:spLocks noGrp="1"/>
+          </p:cNvSpPr>
+          <p:nvPr>
+            <p:ph idx="1"/>
+          </p:nvPr>
+        </p:nvSpPr>
+        <p:spPr/>
+        <p:txBody>
+          <a:bodyPr/>
+          <a:lstStyle/>
+          <a:p>
+            <a:r>
+              <a:rPr lang="en-IN" dirty="0">
+                <a:hlinkClick r:id="rId2"/>
+              </a:rPr>
+              <a:t>https://jsonplaceholder.typicode.com/</a:t>
+            </a:r>
+            <a:endParaRPr lang="en-IN" dirty="0"/>
+          </a:p>
+        </p:txBody>
+      </p:sp>
+    </p:spTree>
+    <p:extLst>
+      <p:ext uri="{BB962C8B-B14F-4D97-AF65-F5344CB8AC3E}">
+        <p14:creationId xmlns:p14="http://schemas.microsoft.com/office/powerpoint/2010/main" val="1057457142"/>
+      </p:ext>
+    </p:extLst>
+  </p:cSld>
+  <p:clrMapOvr>
+    <a:masterClrMapping/>
+  </p:clrMapOvr>
+</p:sld>
+</file>
+
+<file path=ppt/slides/slide46.xml><?xml version="1.0" encoding="utf-8"?>
+<p:sld xmlns:a="http://schemas.openxmlformats.org/drawingml/2006/main" xmlns:r="http://schemas.openxmlformats.org/officeDocument/2006/relationships" xmlns:p="http://schemas.openxmlformats.org/presentationml/2006/main">
+  <p:cSld>
+    <p:spTree>
+      <p:nvGrpSpPr>
+        <p:cNvPr id="1" name=""/>
+        <p:cNvGrpSpPr/>
+        <p:nvPr/>
+      </p:nvGrpSpPr>
+      <p:grpSpPr>
+        <a:xfrm>
+          <a:off x="0" y="0"/>
+          <a:ext cx="0" cy="0"/>
+          <a:chOff x="0" y="0"/>
+          <a:chExt cx="0" cy="0"/>
+        </a:xfrm>
+      </p:grpSpPr>
+      <p:sp>
+        <p:nvSpPr>
+          <p:cNvPr id="2" name="Title 1"/>
+          <p:cNvSpPr>
+            <a:spLocks noGrp="1"/>
+          </p:cNvSpPr>
+          <p:nvPr>
+            <p:ph type="title"/>
+          </p:nvPr>
+        </p:nvSpPr>
+        <p:spPr/>
+        <p:txBody>
+          <a:bodyPr/>
+          <a:lstStyle/>
+          <a:p>
+            <a:endParaRPr lang="en-IN" dirty="0"/>
+          </a:p>
+        </p:txBody>
+      </p:sp>
+      <p:sp>
+        <p:nvSpPr>
+          <p:cNvPr id="3" name="Content Placeholder 2"/>
+          <p:cNvSpPr>
+            <a:spLocks noGrp="1"/>
+          </p:cNvSpPr>
+          <p:nvPr>
+            <p:ph idx="1"/>
+          </p:nvPr>
+        </p:nvSpPr>
+        <p:spPr/>
+        <p:txBody>
+          <a:bodyPr/>
+          <a:lstStyle/>
+          <a:p>
+            <a:r>
+              <a:rPr lang="en-US" dirty="0" smtClean="0"/>
+              <a:t>Loading </a:t>
+            </a:r>
+          </a:p>
+          <a:p>
+            <a:r>
+              <a:rPr lang="en-US" dirty="0" smtClean="0"/>
+              <a:t>Error</a:t>
+            </a:r>
+          </a:p>
+          <a:p>
+            <a:r>
+              <a:rPr lang="en-US" smtClean="0"/>
+              <a:t>Response data -  Success</a:t>
+            </a:r>
+            <a:endParaRPr lang="en-IN" dirty="0"/>
+          </a:p>
+        </p:txBody>
+      </p:sp>
+    </p:spTree>
+    <p:extLst>
+      <p:ext uri="{BB962C8B-B14F-4D97-AF65-F5344CB8AC3E}">
+        <p14:creationId xmlns:p14="http://schemas.microsoft.com/office/powerpoint/2010/main" val="3502245279"/>
+      </p:ext>
+    </p:extLst>
+  </p:cSld>
+  <p:clrMapOvr>
+    <a:masterClrMapping/>
+  </p:clrMapOvr>
 </p:sld>
 </file>
 

--- a/React JS Workings.pptx
+++ b/React JS Workings.pptx
@@ -51,6 +51,9 @@
     <p:sldId id="299" r:id="rId45"/>
     <p:sldId id="300" r:id="rId46"/>
     <p:sldId id="301" r:id="rId47"/>
+    <p:sldId id="302" r:id="rId48"/>
+    <p:sldId id="303" r:id="rId49"/>
+    <p:sldId id="304" r:id="rId50"/>
   </p:sldIdLst>
   <p:sldSz cx="12192000" cy="6858000"/>
   <p:notesSz cx="6858000" cy="9144000"/>
@@ -486,10 +489,10 @@
   <inkml:trace contextRef="#ctx0" brushRef="#br0" timeOffset="103896.1489">18538 4445 0,'0'0'0,"0"18"16,-17-1-16,-1 19 0,1-1 0,-1 0 0,0 18 15,1 0-15,-1 0 16,-17 17-16,17-17 0,0 18 0,1-1 16,-1-17-16,1 18 0,-1-18 15,0 0-15,18-18 0,-17 0 0,-1 1 16,0-1-16,18 0 0,-17-17 15,-1-18-15,0 0 0,1 17 0,-19-17 16</inkml:trace>
   <inkml:trace contextRef="#ctx0" brushRef="#br0" timeOffset="105051.3565">16228 5133 0,'0'0'0,"0"-18"47,17 18-32,1-17-15,0 17 0,-1 0 16,1 0-16,0-18 0,-1 18 15,1-18-15,0 18 0,-1 0 0,1 0 16,-1-17-16,1 17 16,0-18-16,-1 18 0,1 0 0,0 0 15,-1 0 1,-34 0 31,-1 0-32,0 0-15,1 18 0,-19-1 16,19-17-16,-1 18 0,-17-18 0,17 0 16,1 0-16,-1 18 0,-17-18 0,17 0 15,0 0 1,36 0 15,0-18-15,-1 18-16,19-18 0,-19 18 0,19 0 15,-19-17-15,18 17 0,-17-18 16,17 18-16,-17 0 0,0 0 0,-1 0 16</inkml:trace>
   <inkml:trace contextRef="#ctx0" brushRef="#br0" timeOffset="105420.005">16192 5327 0,'18'0'15,"0"0"-15,-1 0 0,19 0 0,-19 0 16,19-18-16,-1 18 0,-17-17 15,17 17-15,0 0 0,-17 0 0,17 0 16,0 0-16,-17-18 0,0 18 16,-1 0-16,1 0 0</inkml:trace>
-  <inkml:trace contextRef="#ctx0" brushRef="#br0" timeOffset="106068.4435">20214 4374 0,'0'0'15,"-17"18"-15,-1 0 0,0 17 16,1 0-16,-19 1 0,19-1 0,-19 18 16,19 0-16,-19 17 0,1 1 0,0-1 15,0 1-15,-1-1 0,19 1 16,-19 0-16,19-1 0,-1-17 0,1 0 15,17 0-15,0-18 0,0 0 16,0-17-16,0 17 0,0-17 0,0 0 16,0-1-1,17-17-15,1-17 16</inkml:trace>
+  <inkml:trace contextRef="#ctx0" brushRef="#br0" timeOffset="106068.4433">20214 4374 0,'0'0'15,"-17"18"-15,-1 0 0,0 17 16,1 0-16,-19 1 0,19-1 0,-19 18 16,19 0-16,-19 17 0,1 1 0,0-1 15,0 1-15,-1-1 0,19 1 16,-19 0-16,19-1 0,-1-17 0,1 0 15,17 0-15,0-18 0,0 0 16,0-17-16,0 17 0,0-17 0,0 0 16,0-1-1,17-17-15,1-17 16</inkml:trace>
   <inkml:trace contextRef="#ctx0" brushRef="#br0" timeOffset="106441.8113">19738 4621 0,'0'0'0,"35"-53"0,18 18 0,-18 0 0,18 0 15,0-18-15,0 17 0,0 1 16,0 0-16,18 17 0,-1-17 0,1 0 15,17 17-15,-18 0 0,19-17 16,-19 17-16,1 18 0,17 0 16,-35 0-16,17 0 0,-17 0 15,0 0-15,0 18 0,0 0 0,-18-1 16,1 1-16,-1 17 0,-18 1 16,1-1-16,0 0 0,-18 0 0,0 18 15,0-17-15,0 17 0,0-18 0,-18 18 16,0 0-16,1 0 0,-1-1 15,1 1-15,-1-17 0,0 17 0,1 0 16,17-18-16,0 0 16,0-17-16,-18 17 0,18-17 0,0-1 15</inkml:trace>
   <inkml:trace contextRef="#ctx0" brushRef="#br0" timeOffset="106673.8705">21378 4780 0,'0'0'0,"0"-18"0,0 1 0,-17-1 16,-1 18-16,-17 0 0,17 0 15,-17 0-15,0 0 0,-1 0 16,-17 0-16,0 18 0,1-1 0,-1 1 16,-18 0-16,1-1 0,-1 1 15,-17 0-15,17-1 0,-17 1 0,0 0 16,17-1-16,-17 1 15,18 0-15,17-18 0,-18 17 0,18 1 16,18-18-16,0 0 0,-1 0 16,19 0-16</inkml:trace>
-  <inkml:trace contextRef="#ctx0" brushRef="#br0" timeOffset="107032.943">21978 4568 0,'0'0'0,"0"18"0,0 17 16,0-17-16,0 17 0,0 1 16,0-1-16,-18 0 0,18 0 0,0 1 15,-17-1-15,17 0 0,0 1 16,-18-1-16,18 0 0,0 0 16,0 1-16,0-19 0,0 19 0,0-19 15,0 18-15,0-17 0,0 0 16,0-1-16,0 1 0,0 0 0,18-1 15,-1-17 1</inkml:trace>
+  <inkml:trace contextRef="#ctx0" brushRef="#br0" timeOffset="107032.9428">21978 4568 0,'0'0'0,"0"18"0,0 17 16,0-17-16,0 17 0,0 1 16,0-1-16,-18 0 0,18 0 0,0 1 15,-17-1-15,17 0 0,0 1 16,-18-1-16,18 0 0,0 0 16,0 1-16,0-19 0,0 19 0,0-19 15,0 18-15,0-17 0,0 0 16,0-1-16,0 1 0,0 0 0,18-1 15,-1-17 1</inkml:trace>
   <inkml:trace contextRef="#ctx0" brushRef="#br0" timeOffset="107442.9395">22066 4410 0,'0'0'0,"36"-36"0,16-16 16,19 16-16,-18-17 0,0 18 0,17 0 15,1-18-15,-18 35 0,0-17 16,17 17-16,-17 1 0,0-1 16,-18 18-16,18-18 0,-17 18 15,-1 0-15,0 0 0,-17 0 0,-1 18 16,1 0-16,-18-1 0,0 1 16,0 0-16,0 17 0,0 0 0,-18 0 15,1 1-15,-18-1 0,-18 0 16,17 1-16,-17-1 0,-17 0 0,17 0 15,-18 1-15,18-1 0,-17 0 16,-1-17-16,18 17 0,1-17 0,16-1 16,1 1-16,0-18 0,-1 0 0,19 0 15</inkml:trace>
   <inkml:trace contextRef="#ctx0" brushRef="#br0" timeOffset="107698.9833">23636 4110 0,'0'0'0,"-18"35"0,1 0 16,-1 18-16,-17-17 0,17 17 0,-17-18 15,17 18-15,-17-18 0,17 18 16,-17-18-16,18 0 0,-1 18 0,0-17 16,1-1-16,17 0 0,0 0 15,0 1-15,0-1 0,0 0 0,0-17 16,0 17-16,0-17 0</inkml:trace>
   <inkml:trace contextRef="#ctx0" brushRef="#br0" timeOffset="107968.9537">22578 4516 0,'17'-36'15,"-34"72"-15,52-89 0,0 17 0,1 1 0,17 0 16,-1 0-16,1-1 0,0 19 15,18-19-15,-1 19 0,1-19 0,-1 19 16,1-1-16,0 0 0,-1 1 16,1-1-16,-18 1 0,17 17 15,-17 0-15,18 0 0,-36 0 16,18 0-16,-18 0 0,-17 0 0,-1 17 16,-17 1-16,0-1 0</inkml:trace>
@@ -576,7 +579,7 @@
   <inkml:trace contextRef="#ctx0" brushRef="#br0" timeOffset="66722.8714">10830 11412 0,'-17'0'0,"-1"0"16,-17 0-16,-1 0 0,1 0 16,0 0-16,17 18 0,-17 0 15,0-18-15,17 17 0,0 1 16,1-18-16,17 18 0,-18-1 0,18 1 15,0-1 1,0 1-16,18 0 0,-1-18 0,1 17 16,17-17-16,1 0 0,-1 18 15,18-18-15,-18 0 0,18 0 0,-18 0 16,1 0-16,-1 0 0,0 0 16,0 0-16,-17 0 0,0 0 0,-1 0 15,1 0-15,-18-18 0,18 1 16,-18-1-16,0 0 15,0 1-15,-18 17 16,0-18-16,1 18 0,17-17 0,-18 17 16,0 0-1,18-18-15,18 18 16,0 0-16,17-18 16,0 18-16,18 0 0,-18 0 0,18 0 15,0 0-15,-17 0 0,16 0 16,-16 0-16,-1 0 0,36 18 15</inkml:trace>
   <inkml:trace contextRef="#ctx0" brushRef="#br0" timeOffset="67449.8729">12065 11553 0,'-35'0'16,"70"0"-16,-106 0 0,36 0 15,18 0-15,-19 0 0,1-17 0,17 17 16,1 0-16,-1-18 0,18 1 15,0-1-15,0 0 16,18 1-16,-1 17 0,19-18 16,-1 0-16,18 18 0,-18 0 0,18 0 15,-18 0-15,18 0 0,-18 0 16,1 0-16,-1 0 0,0 0 16,1 0-16,-19 0 0,1 18 0,-1-18 15,1 18-15,-18-1 16,0 1 15,18-36 0,17 18-31,-17-17 0,17-1 16,0 18-16,18-18 0,-18 18 16,18 0-16,0-17 0,18-1 0,-18 18 15,0 0-15,0 0 0,-18-18 16,18 18-16,0-17 0,-18 17 0,0 0 15,1 0-15,-19-18 0,18 18 16,-17-17-16,0 17 0,-18-18 16,0 0-16,0 1 15,0-1-15,0 0 0,-36 1 16,19-1-16,-1 18 0,-17-18 16,17 18-16,-17-17 0,0 17 0,-1 0 15,19 0-15,-19 0 0,19 0 16,-1 0-16,1 17 0,17 1 0,0 0 15,0-1-15,0 1 0,35 0 16,-18-1-16,19-17 0,-1 18 0,18 0 16,-18-1-16,18-17 0,-18 0 15,18 18-15,-17-18 0,-1 0 0,0 0 16,0 17-16,1-17 0,-19 18 16,19-18-16,-19 0 0,1 0 15,0 0-15</inkml:trace>
   <inkml:trace contextRef="#ctx0" brushRef="#br0" timeOffset="68987.6273">8819 11148 0,'0'0'0,"18"35"0,17 0 0,-17 1 16,17-1-16,-17 18 0,17 0 15,-17 0-15,17 17 0,-17-17 0,17 18 16,-17-18-16,17 17 0,-17-17 16,-1 18-16,1-18 0,17 17 0,-17-35 15,-1 18-15,1-17 16,0-1-16,-18 0 0,17-17 0,-17-1 15,18-17-15,0 0 0,-1 0 16</inkml:trace>
-  <inkml:trace contextRef="#ctx0" brushRef="#br0" timeOffset="70051.9474">9172 11218 0,'0'0'0,"53"-17"0,0-1 16,0 0-16,18 1 0,17-1 15,-18 0-15,36-17 0,-18 18 0,18-1 16,0 0-16,0 18 0,-18-17 16,18-1-16,0 0 0,17 1 15,-17 17-15,17-18 0,1 0 16,-1 1-16,-17 17 0,0-18 0,0 1 16,0-1-16,0 18 0,-18-18 15,18 1-15,-18-1 0,0 18 0,0-18 16,0 1-16,-17-1 0,-1 18 15,-17-18-15,0 18 0,0-17 0,0 17 16,-18 0-16,1 0 0,-19 0 16,1 0-16,0-18 0,-1 18 0,1 0 15,0 0 1,-18 18 15,0-1-31,17 1 16,1 0-16,-1-1 0,1 1 15,17 0-15,1-1 0,-19 1 0,36 17 16,-18-17-16,1-1 0,17 19 16,-18-19-16,18 1 0,-18 0 0,18-1 15,-18 1-15,18 17 0,-17-17 16,-1-1-16,18 1 0,-18-18 0,18 18 16,-18-1-16,18 1 0,-18 0 15,18-1-15,-17-17 0,-1 18 0,18 0 16,-36-18-16,19 17 0,-1 1 15,-17 0-15,-1-18 0,1 17 16,0 1-16,-18-1 0,17-17 16,-17 18-16,18-18 0,-18 18 15,0-1 1,0 1 0,0 0-1,-18-18-15,1 0 16,-1 0-16,0 17 0,-17-17 15,17 18-15,-17-18 0,17 0 0,-17 18 16,0-18-16,17 17 0,-17-17 16,0 0-16,-1 0 0,1 18 15,0-18-15,-18 0 0,18 17 0,-18 1 16,0-18-16,-18 18 0,18-18 16,-17 17-16,-1-17 0,1 18 15,-1 0-15,-17-18 0,17 17 0,-17 1 16,0 0-16,0-18 0,-18 17 0,0 1 15,18-1-15,-18-17 0,0 18 16,0 0-16,18-18 0,0 0 0,0 17 16,0 1-16,-1-18 0,1 0 15,0 18-15,0-1 0,0-17 0,-1 18 16,1-18-16,18 18 0,-18-18 16,17 17-16,18 1 0,-18-18 15,19 18-15,-1-1 0,17-17 16,1 0-16,0 18 0,0-18 0,17 0 15,-17 0-15,17 0 16,18 17 0,0 1 15,0 0-31</inkml:trace>
+  <inkml:trace contextRef="#ctx0" brushRef="#br0" timeOffset="70051.9472">9172 11218 0,'0'0'0,"53"-17"0,0-1 16,0 0-16,18 1 0,17-1 15,-18 0-15,36-17 0,-18 18 0,18-1 16,0 0-16,0 18 0,-18-17 16,18-1-16,0 0 0,17 1 15,-17 17-15,17-18 0,1 0 16,-1 1-16,-17 17 0,0-18 0,0 1 16,0-1-16,0 18 0,-18-18 15,18 1-15,-18-1 0,0 18 0,0-18 16,0 1-16,-17-1 0,-1 18 15,-17-18-15,0 18 0,0-17 0,0 17 16,-18 0-16,1 0 0,-19 0 16,1 0-16,0-18 0,-1 18 0,1 0 15,0 0 1,-18 18 15,0-1-31,17 1 16,1 0-16,-1-1 0,1 1 15,17 0-15,1-1 0,-19 1 0,36 17 16,-18-17-16,1-1 0,17 19 16,-18-19-16,18 1 0,-18 0 0,18-1 15,-18 1-15,18 17 0,-17-17 16,-1-1-16,18 1 0,-18-18 0,18 18 16,-18-1-16,18 1 0,-18 0 15,18-1-15,-17-17 0,-1 18 0,18 0 16,-36-18-16,19 17 0,-1 1 15,-17 0-15,-1-18 0,1 17 16,0 1-16,-18-1 0,17-17 16,-17 18-16,18-18 0,-18 18 15,0-1 1,0 1 0,0 0-1,-18-18-15,1 0 16,-1 0-16,0 17 0,-17-17 15,17 18-15,-17-18 0,17 0 0,-17 18 16,0-18-16,17 17 0,-17-17 16,0 0-16,-1 0 0,1 18 15,0-18-15,-18 0 0,18 17 0,-18 1 16,0-18-16,-18 18 0,18-18 16,-17 17-16,-1-17 0,1 18 15,-1 0-15,-17-18 0,17 17 0,-17 1 16,0 0-16,0-18 0,-18 17 0,0 1 15,18-1-15,-18-17 0,0 18 16,0 0-16,18-18 0,0 0 0,0 17 16,0 1-16,-1-18 0,1 0 15,0 18-15,0-1 0,0-17 0,-1 18 16,1-18-16,18 18 0,-18-18 16,17 17-16,18 1 0,-18-18 15,19 18-15,-1-1 0,17-17 16,1 0-16,0 18 0,0-18 0,17 0 15,-17 0-15,17 0 16,18 17 0,0 1 15,0 0-31</inkml:trace>
   <inkml:trace contextRef="#ctx0" brushRef="#br0" timeOffset="72161.5134">9860 13300 0,'-18'0'0,"36"0"0,-36-18 15,36 18 1,0 0-16,-1 0 16,1 18-16,17-1 0,-17 19 0,0-19 15,17 19-15,-17 16 0,-1 1 16,1 0-16,-1 0 0,1 18 15,0-1-15,-18-17 0,17 18 0,1-18 16,-18 0-16,18 0 0,-18-18 16,17 0-16,-17 0 0,18 1 0,0-1 15,-18-17-15,17-18 0,-17 17 16</inkml:trace>
   <inkml:trace contextRef="#ctx0" brushRef="#br0" timeOffset="74802.8487">10301 13159 0,'0'0'0,"35"0"16,18-18-16,18 18 0,-18-18 0,17 1 16,1 17-16,-1-18 0,1 0 15,0 18-15,-1-17 0,-17-1 0,18 18 16,-1-18-16,-17 1 0,18 17 16,-18-18-16,-1 1 0,19 17 0,-18-18 15,17 0-15,1 18 0,0-17 16,-1-1-16,1 0 0,-1 18 0,1-17 15,17-1-15,-17 0 0,-19 1 16,19 17-16,-18-18 0,17 1 16,-17-1-16,0 18 0,-17-18 0,17 18 15,-1-17-15,-16 17 0,17-18 16,-18 18-16,0 0 0,18-18 16,-18 18-16,1-17 0,-1 17 0,-17 0 15,17 0-15,-18-18 0,19 18 16,-19-18-16,19 18 0,-19 0 0,1 0 15,17 0-15,-17-17 0,0 17 16,17 0-16,-18-18 0,19 18 0,-1 0 16,-17 0-16,17-17 0,0 17 15,-17 0-15,17 0 0,-17 0 0,17-18 16,-17 18-16,17 0 0,-17-18 16,-1 18-16,18 0 0,-17 0 15,17 0-15,1 0 0,-19 0 0,19 0 16,-1 0-16,0 0 0,-17 0 15,17 0-15,0 0 0,1 0 0,-1 0 16,-17 0-16,17 0 0,-18 0 16,19 0-16,-19 0 0,1 0 0,0 0 15,-1 0-15,1 0 16,0 0 0,-1 0-1,1 0-15,-1 0 16,1 18-16,-18 0 15,18-18-15,-18 17 0,0 1 16,17-18-16,1 17 0,0 1 16,-1 0-16,1-1 0,-18 1 0,18 0 15,-1-1-15,1 1 0,0 17 16,-1-17-16,1 17 0,-1-17 0,1 17 16,0-17-16,17 17 0,-17-17 15,-1-1-15,1 18 0,0-17 0,-1 0 16,1-1-16,-1 1 0,1 17 0,17-17 15,-17-18-15,0 18 0,17-1 16,-17 1-16,-1 0 0,1-18 0,-1 17 16,1-17-16,0 0 0,-1 18 15,-17-1 1,-17-17 0,-19 0-1,19 0-15,-18 18 0,-1-18 16,1 0-16,-18 0 0,0 0 0,0 18 15,0-1-15,-17-17 0,-18 18 16,-1-18-16,1 18 0,0-1 0,-18-17 16,18 18-16,0 0 0,0-1 15,-1-17-15,1 18 0,0-1 0,17 1 16,-17 0-16,18-1 0,-1-17 0,1 18 16,-1 0-16,-17-1 15,35 1-15,-18 0 0,1-1 0,17-17 16,0 18-16,-18-1 0,19 1 15,-1-18-15,17 18 0,-17-1 0,0-17 16,18 18-16,-18 0 0,18-18 16,0 17-16,-1-17 0,1 18 0,18-18 15,-19 0-15,1 18 0,17-18 16,-17 17-16,17-17 0,-17 18 0,18-18 16,-19 18-16,19-18 0,-19 17 15,19 1-15,-19-18 0,19 0 0,-19 17 16,1 1-16,0-18 0,17 18 15,-17-18-15,0 17 0,17 1 16,-17-18-16,0 18 0,-1-1 0,1-17 16,0 18-16,-1 0 0,1-18 15,0 17-15,-18-17 0,18 18 0,-18-18 16,0 0-16,18 17 0,-18 1 16,0-18-16,17 18 0,1-18 15,0 0-15,0 0 0,-1 0 0,19 17 16,-1-17-16,0 0 0,1 0 15,-1 0 1,18 18-16,-17-18 16,17 18-16,-18-18 15,18 17 1,-18-17-16</inkml:trace>
   <inkml:trace contextRef="#ctx0" brushRef="#br0" timeOffset="79521.3147">10460 13864 0,'17'0'47,"1"18"-47,0-1 0,-1 1 15,-17 0-15,18-1 0,0 1 16,-1 0-16,1-1 0,0 1 15,17 0-15,-17-18 0,-1 17 16,1 1-16,-1-18 0,1 0 0,0 0 16,-1 0-16,1 0 15</inkml:trace>
@@ -694,7 +697,7 @@
   <inkml:trace contextRef="#ctx0" brushRef="#br0" timeOffset="86068.9889">21414 9701 0,'0'18'15,"0"0"-15,0-1 16,0 1-16,0 0 0,0-1 0,0 1 16,0-1-16,0 19 0,0-19 15,0 1-15,0 0 0,0 17 0,0-17 16,0-1-16,0 1 0,0 0 15,0-1-15,0 1 0,0-1 0,0 1 16,17-18 0,-17 18-16,18-18 15,0 0-15,-1 0 0,1-18 16,-1 0-16,19 1 16</inkml:trace>
   <inkml:trace contextRef="#ctx0" brushRef="#br0" timeOffset="86314.88">22119 9878 0,'0'17'0,"0"1"0,-17-18 15,-1 18-15,0-1 0,1 1 16,-1 0-16,0-1 0,1 1 15,-19 0-15,19-1 0,-1-17 0,0 18 16,1-1-16,-1 1 0,1 0 0,-1-18 16,0 17-16,18 1 15,-17-18-15</inkml:trace>
   <inkml:trace contextRef="#ctx0" brushRef="#br0" timeOffset="87749.3513">21061 6068 0,'0'35'16,"0"-17"-16,0-1 15,0 19-15,0-1 0,0 0 0,0 0 0,0 1 16,0 17-16,0 0 16,0-18-16,0 18 0,0 0 0,0-18 15,0 0-15,17 0 0,-17-17 16,18 17-16,-18-17 0,0 0 0,18-18 16,-18-18 15,0 0-31,-18 1 15,18-1-15,-18 0 0,18 1 0,-17-18 16,17-1-16,0 1 0,0 17 16,0-17-16,0 0 0,0 0 15,0-1-15,0 1 0,0 0 0,0 17 16,0-17-16,17 0 0,1 17 16,17 0-16,-17-17 0,0 17 15,17 1-15,0-1 0,-17 18 16,17-18-16,-17 18 0,17-17 0,-17 17 15,-1 0-15,1 0 0,0 0 16,-1 0-16,-17 17 0,0 1 16,0 0-16,0-1 0,-17 19 15,-1-19-15,-17 1 0,17 17 0,-17-17 16,17-1-16,-17 1 0,17 0 16,1-1-16,-1-17 0,0 0 15,18 18 1,18-18-1,0 0-15</inkml:trace>
-  <inkml:trace contextRef="#ctx0" brushRef="#br0" timeOffset="88066.9022">21872 6315 0,'0'0'0,"-17"17"0,-19-17 0,19 0 0,-19 0 15,19 0-15,-1 0 0,0-17 16,1-1-16,17 0 0,0 1 16,0-1-16,0-17 0,17 17 15,19 1-15,-19-1 0,19-17 16,-1 17-16,0-17 0</inkml:trace>
+  <inkml:trace contextRef="#ctx0" brushRef="#br0" timeOffset="88066.902">21872 6315 0,'0'0'0,"-17"17"0,-19-17 0,19 0 0,-19 0 15,19 0-15,-1 0 0,0-17 16,1-1-16,17 0 0,0 1 16,0-1-16,0-17 0,17 17 15,19 1-15,-19-1 0,19-17 16,-1 17-16,0-17 0</inkml:trace>
   <inkml:trace contextRef="#ctx0" brushRef="#br0" timeOffset="88383.8988">22137 6103 0,'0'0'15,"-18"0"-15,1 0 0,17 18 47,17-18-47,1 0 16,17 0-16,-17 0 0,-1 0 15,19 0-15,-19 0 0,19 0 0,-19 0 16,1 0-16,-1 0 0,1 0 16,-36 0-1,1 0 1,-18 0-16,17-18 0,0 18 16,1 0-16,-1 0 0,0 0 15,1 0-15,17-18 16,17 18-1,1 0 1</inkml:trace>
   <inkml:trace contextRef="#ctx0" brushRef="#br0" timeOffset="88804.1448">22401 6103 0,'0'0'0,"18"18"0,0-18 0,-1 17 16,1 1-16,0 0 16,-18-1-16,0 1 0,0 0 15,-18-18 1,0 0-1,18-18 1,0 0 0,36 18-16,-19-17 0,1-1 15,17 0-15,-17 18 0,17-17 0,-17-1 16,-1 0-16,19 1 16,-19-1-16,1 0 0,0 1 0,-1-1 15,1 1-15,-1-19 0,-17 19 16,18-1-16,-18-17 0,0 17 0,0-17 15,0 17-15,0 1 0,0-1 16,0 0-16,0 1 0,18 17 31,-1 0-31,1 0 16,0 17-16,-1 1 0,1 0 0,0 17 16,-1-18-16,1 19 0,-1-1 15,-17 0-15,18-17 0,-18 17 16,0 0-16,0-17 0,0 17 15,0-17-15,-18 0 0,-17-1 0,18 1 16,-19 0-16,1-18 0,-18 17 16,18 1-16,0-18 0,-18 0 0,17 0 15,1 18-15,0-18 0,17 17 16</inkml:trace>
   <inkml:trace contextRef="#ctx0" brushRef="#br0" timeOffset="90059.9804">22331 10336 0,'0'0'0,"0"18"0,0 0 0,0 17 0,0-17 16,0 17-16,0-18 0,17 19 15,-17 17-15,18-18 0,-18 0 16,0 1-16,18-1 0,-18 0 0,0 0 0,0 1 15,0-1-15,0-17 0,17 17 16,-17-18-16,0 1 16,0-36 15,0 1-31,-17-1 0,17 1 0,0-19 16,-18 1-16,0 0 0,18-1 0,-17-16 15,17 16-15,0-17 0,0 0 16,0 0-16,0 18 0,0-18 0,0 18 15,0 0-15,17-1 0,1 19 16,0-1-16,-1 1 0,19-1 16,-19 0-16,1 18 0,17 0 0,-17 0 15,17 0-15,-17 0 0,-1 0 16,1 0-16,0 0 0,-1 0 16,-17 18-1,-17-18-15,-1 18 16,-17-18-16,17 0 0,0 0 0,1 0 15,-1 17-15,1-17 0,-1 0 16,18-17 0,0-1-1,18 0 1,-1 1-16,1-1 0</inkml:trace>
@@ -724,7 +727,7 @@
   <inkml:trace contextRef="#ctx0" brushRef="#br0" timeOffset="105530.6395">27305 13917 0,'0'0'0,"0"-18"0,-18 18 0,1 0 15,17 18 1,0 0 0,0-1-16,0 19 0,0-19 15,17 19-15,1-19 0,0 18 0,-1 1 16,1-1-16,0-17 0,-1 17 15,18-17-15,-17 17 0,17-18 0,-17 1 16,17 0-16,1-18 0,-1 0 16,18 0-16,-18 0 0</inkml:trace>
   <inkml:trace contextRef="#ctx0" brushRef="#br0" timeOffset="105680.636">28152 14076 0,'-18'0'0,"0"0"15,-17 0-15,0 17 0,-18 1 16,18 0-16,-18 17 0,0 0 0,18 1 16,-1 16-16,1-16 0,0 17 15,-1-18-15,1 0 0,17 18 0,-17-18 16</inkml:trace>
   <inkml:trace contextRef="#ctx0" brushRef="#br0" timeOffset="106104.7824">26441 14728 0,'0'0'0,"-36"18"0,1 0 16,0-1-16,-18 1 0,0 0 0,0 17 15,0-17-15,-17 34 0,-1 1 16,1 0-16,17 0 0,-18 18 0,18-18 16,18 0-16,0 17 0,17-17 15,18 0-15,18-18 0,17 18 0,0-18 16,18 1-16,18-1 16,-1-17-16,1 17 0,17-17 0,0-18 15,-17 0-15,17 0 0,18 0 16</inkml:trace>
-  <inkml:trace contextRef="#ctx0" brushRef="#br0" timeOffset="107254.9661">27234 15275 0,'0'0'15,"-35"0"-15,-18 0 0,0 0 0,0 0 16,18 0-16,-18 0 0,18 0 15,0 0-15,-1 18 0,19 0 0,17-1 16,0 1-16,17-1 16,19 1-16,17 17 0,-1-17 0,1 0 15,0-1-15,18 1 0,-18 0 16,17-18-16,1 17 0,-1-17 0,1 0 16,0 0-16,-19 0 0,19 0 15,-18 0-15,0 0 0,0 0 0,-18 0 16,0 0-16,-17-17 0,0-1 15,-18 0-15,0 1 0,0-1 16,0 0-16,0 1 0,-18-1 16,-17 0-16,-1-17 0,1 18 0,0-1 15,0 0-15,-1 1 0,1-1 16,0 0-16,17 1 0,-17-1 0,17 0 16,18 1-1,18-1-15,17 18 16,0 0-16,1 0 0,17 0 0,0 0 15,-18 0-15,18 0 0,0 0 16,0 18-16,-18-1 0,18-17 0,-18 18 16,0 0-16,-17-1 0,0 1 15,-1 0-15,-17-1 0,18 1 0,-18 0 16,0-1-16,0 1 16,0-1-16,0 1 0,-18 0 15,1-18-15,-1 0 0,0 17 16,1-17-1,17-17 17,17-1-32,1 0 15,0 1-15,17-1 0,0 1 0,0-1 16,1 0-16,-19 18 0,19 0 16,-19 0-16,1 0 0,0 0 0,-1 0 15,-17 18 1,0 0-16,0-1 0,0 1 15,0-1 1,18-17 15,-1 0-15,1 0-16,17 0 0,-17-17 16,17 17-16,1 0 0,-1 0 0,0-18 15,-17 18-15,17 0 16,0 0-16,1 0 0,-19 0 0,18 0 0,1 0 15,-1 0-15,-17 18 0,17-1 16,-17 1-16,17 0 0,-17-1 16,-1 1-16,1 17 0,17-17 15,-17 0-15,-1 17 0,1-18 0,0 19 16,-1-19-16,-17 19 0,0-19 16,0 1-16,18 0 0,-18-1 0,0 1 15,0 0-15,0-1 16,-18-17-1,1 0 1,17-17-16,-18-1 0,18-17 16,0 17-16,0 0 0,0 1 15,0-19-15,0 1 16,0 0-16,0 0 0,18-1 0,-1 1 16,19-18-16,-1 0 0,18 0 15,-18 0-15,18 0 0,0 1 0,0-1 16,0 17-16,0 1 0,0 0 15,-18 17-15,-18 0 0,1 18 0,-18 18 32,-18-18-32,-17 35 0,0-17 15,0 0-15,-1 17 0,-17 0 0,18 1 16,-18-1-16,18 0 0,0 0 16,-1-17-16,1 17 0,17 1 0,1-19 15,17 1-15,0-1 0,0 1 16,17-18-16,1 0 15,17 0-15,-17-18 0,17 1 0</inkml:trace>
+  <inkml:trace contextRef="#ctx0" brushRef="#br0" timeOffset="107254.9659">27234 15275 0,'0'0'15,"-35"0"-15,-18 0 0,0 0 0,0 0 16,18 0-16,-18 0 0,18 0 15,0 0-15,-1 18 0,19 0 0,17-1 16,0 1-16,17-1 16,19 1-16,17 17 0,-1-17 0,1 0 15,0-1-15,18 1 0,-18 0 16,17-18-16,1 17 0,-1-17 0,1 0 16,0 0-16,-19 0 0,19 0 15,-18 0-15,0 0 0,0 0 0,-18 0 16,0 0-16,-17-17 0,0-1 15,-18 0-15,0 1 0,0-1 16,0 0-16,0 1 0,-18-1 16,-17 0-16,-1-17 0,1 18 0,0-1 15,0 0-15,-1 1 0,1-1 16,0 0-16,17 1 0,-17-1 0,17 0 16,18 1-1,18-1-15,17 18 16,0 0-16,1 0 0,17 0 0,0 0 15,-18 0-15,18 0 0,0 0 16,0 18-16,-18-1 0,18-17 0,-18 18 16,0 0-16,-17-1 0,0 1 15,-1 0-15,-17-1 0,18 1 0,-18 0 16,0-1-16,0 1 16,0-1-16,0 1 0,-18 0 15,1-18-15,-1 0 0,0 17 16,1-17-1,17-17 17,17-1-32,1 0 15,0 1-15,17-1 0,0 1 0,0-1 16,1 0-16,-19 18 0,19 0 16,-19 0-16,1 0 0,0 0 0,-1 0 15,-17 18 1,0 0-16,0-1 0,0 1 15,0-1 1,18-17 15,-1 0-15,1 0-16,17 0 0,-17-17 16,17 17-16,1 0 0,-1 0 0,0-18 15,-17 18-15,17 0 16,0 0-16,1 0 0,-19 0 0,18 0 0,1 0 15,-1 0-15,-17 18 0,17-1 16,-17 1-16,17 0 0,-17-1 16,-1 1-16,1 17 0,17-17 15,-17 0-15,-1 17 0,1-18 0,0 19 16,-1-19-16,-17 19 0,0-19 16,0 1-16,18 0 0,-18-1 0,0 1 15,0 0-15,0-1 16,-18-17-1,1 0 1,17-17-16,-18-1 0,18-17 16,0 17-16,0 0 0,0 1 15,0-19-15,0 1 16,0 0-16,0 0 0,18-1 0,-1 1 16,19-18-16,-1 0 0,18 0 15,-18 0-15,18 0 0,0 1 0,0-1 16,0 17-16,0 1 0,0 0 15,-18 17-15,-18 0 0,1 18 0,-18 18 32,-18-18-32,-17 35 0,0-17 15,0 0-15,-1 17 0,-17 0 0,18 1 16,-18-1-16,18 0 0,0 0 16,-1-17-16,1 17 0,17 1 0,1-19 15,17 1-15,0-1 0,0 1 16,17-18-16,1 0 15,17 0-15,-17-18 0,17 1 0</inkml:trace>
   <inkml:trace contextRef="#ctx0" brushRef="#br0" timeOffset="107484.6748">30162 14693 0,'0'0'0,"18"-17"0,0 17 16,-18-18-16,0 36 15,0-1 1,0 18-16,0-17 0,-18 35 0,0-18 16,18 1-16,0 16 0,-17 1 15,-1 0-15,18 0 0,-17 0 0,17 0 16,-18 0-16,18 0 0,-18 0 16,18-18-16,-17 18 0,17-18 0,-18-17 15,18 17-15,0-17 0,0-1 16</inkml:trace>
   <inkml:trace contextRef="#ctx0" brushRef="#br0" timeOffset="107748.6722">30180 14605 0,'0'0'0,"53"-35"15,-18 17-15,1-17 0,-1 0 0,18-1 16,-18 1-16,18 0 0,0 17 0,-18-17 16,18 17-16,0 0 0,0 1 15,0 17-15,0-18 0,-18 18 0,18-17 16,-18 17-16,18 0 15,-18 0-15,-17 0 0</inkml:trace>
   <inkml:trace contextRef="#ctx0" brushRef="#br0" timeOffset="108012.6692">30286 14817 0,'0'0'0,"18"0"31,-1 0-31,19 0 0,-1 0 0,-18 0 16,36 0-16,-17-18 0,-1 18 15,18-18-15,-18 18 0,18 0 16,-18-17-16,18 17 0,-18-18 0,18 18 15,-17 0-15,-1-18 0,0 18 16,1-17-16</inkml:trace>
@@ -796,9 +799,9 @@
   <inkml:trace contextRef="#ctx0" brushRef="#br0" timeOffset="26978.2783">21608 7461 0,'0'18'0,"0"0"0,0-1 0,0 18 15,17-17-15,-17 17 0,0 18 16,0-17-16,0 16 0,0 19 0,0 0 15,0-1-15,0 1 0,-17 17 16,17-18-16,0 19 0,-18-19 0,18 1 16,0-18-16,0 17 0,0-17 15,0 0-15,0 0 0,0-18 0,0 1 16,0-1-16,0-18 0,18 1 16,-1 0-16,1-18 0,0 0 15,-1 0-15</inkml:trace>
   <inkml:trace contextRef="#ctx0" brushRef="#br0" timeOffset="27867.9941">21643 7779 0,'0'0'0,"0"-36"0,0 19 15,0-1-15,0 1 0,0-1 16,0 0-16,0 1 0,0-1 0,18 0 16,-1 1-16,1-1 0,17 0 0,0 1 15,1 17-15,-1-18 0,18 1 16,0-1-16,-18 18 0,18-18 0,18 18 16,-19 0-16,19 0 0,0-17 15,-1 17-15,18-18 0,-17 18 0,17 0 16,0 0-16,-17 0 0,17-18 0,0 18 15,-17 0-15,17-17 16,-18 17-16,19 0 0,-19 0 0,18 0 16,-17 0-16,0 0 0,-1 0 0,18 0 15,-17 0-15,-18 0 0,17 0 16,1 0-16,-18 0 0,0 17 0,0-17 16,0 18-16,-18-18 0,18 0 15,-18 18-15,0-18 0,1 17 0,-1-17 16,0 0-16,0 18 0,-17 0 0,17-18 15,-17 0-15,0 17 0,-1-17 16,19 0-16,-19 18 0,1-18 16,-1 17-16,1-17 0,0 18 15,-1-18 1,-17 18-16,18-18 0,0 17 16,-1 1-16,1 0 0,0-1 15,-18 1-15,17-18 0,1 18 16,-1-1-16,1 18 0,-18-17 0,18 0 15,-1 17-15,1-17 0,0 17 0,-1 0 16,1-17-16,0 17 0,-1 0 16,1 1-16,-1-1 0,1 18 0,0-18 15,-1 0-15,-17 1 0,18-1 0,0 0 16,-1 1-16,1 16 0,17-34 16,-17 17-16,0 1 0,-1-1 0,1 0 15,-1 0-15,1-17 0,0 17 16,-1-17-16,1 0 0,-18 17 0,18-17 15,-18-1-15,0 1 0,0 0 16,0-1-16,-36-17 16,19 18-16,-1-18 0,-17 0 15,17 17-15,-17-17 0,0 0 16,-1 0-16,-17 0 0,0 0 0,1 18 16,-19-18-16,-17 0 0,17 0 0,-35 18 15,18-18-15,-18 17 0,1-17 0,-19 0 16,1 18-16,-1 0 0,1-18 15,-18 17-15,17-17 0,-17 18 16,0 0-16,17-18 0,-17 17 0,18-17 16,-18 0-16,17 18 0,1-1 15,17-17-15,0 0 0,18 0 0,0 18 16,17-18-16,1 0 0,17 0 0,0 0 16,17 0-16,1 0 0,18 0 15,-1 0-15,0 0 0</inkml:trace>
   <inkml:trace contextRef="#ctx0" brushRef="#br0" timeOffset="32663.7334">3651 6879 0,'18'0'15,"-18"18"-15,0-1 0,18-17 16,-18 18-16,0 0 0,0-1 16,0 1-16,17 17 0,-17-17 0,18 17 15,-18 0-15,0 1 0,17-1 16,-17 0-16,0 1 0,0-1 0,0 0 16,18 0-16,-18 1 0,0-1 0,0-17 15,0 17-15,0-17 0,0-1 16,0 1-16,0-1 0,0 1 15,0-36 32,0 1-31,0-1-16,0 1 0,0-1 0,0 0 16,0 1-16,0-19 0,0 1 15,0 0-15,0-1 0,0 1 0,0-18 16,0 18-16,18-18 0,-1 18 15,1-18-15,17 0 0,-17 18 0,17-18 16,-17 18-16,17-1 0,-17 1 16,17 0-16,0-1 0,-17 19 0,0-1 15,17 0-15,-18 18 16,1 0-16,-18 18 16,0 0-16,0 17 15,0-17-15,0 17 0,0-17 0,-18 17 16,1 0-16,-1 0 0,1 1 0,-1-1 15,0-17-15,-17 17 0,17-17 16,1-1-16,17 1 0,0-1 16,-18-17-16,36 0 31,-1 0-15,1 0-16,17 0 0,-17 0 0,0 0 15,-1 0-15,18 0 0,-17 0 16,0 0-16,-1 18 0,1 0 15,0-18-15,-1 17 0,1 1 0,0 0 16,-1-1-16,1 1 16,-18 0-16</inkml:trace>
-  <inkml:trace contextRef="#ctx0" brushRef="#br0" timeOffset="32984.7329">4374 7302 0,'18'0'0,"0"-17"15,-1 17 1,1 0-16,0-18 16,-1 18-16,1-17 0,0 17 15,-1-18-15,1 0 16,-1 18-16,-34 0 31,-1 0-15,1 0-16,-1 0 0,0 0 15,1 18-15,-1-18 16,36 0 15,-1 0-31,19 0 0,-19 0 0,1 0 16</inkml:trace>
+  <inkml:trace contextRef="#ctx0" brushRef="#br0" timeOffset="32984.7328">4374 7302 0,'18'0'0,"0"-17"15,-1 17 1,1 0-16,0-18 16,-1 18-16,1-17 0,0 17 15,-1-18-15,1 0 16,-1 18-16,-34 0 31,-1 0-15,1 0-16,-1 0 0,0 0 15,1 18-15,-1-18 16,36 0 15,-1 0-31,19 0 0,-19 0 0,1 0 16</inkml:trace>
   <inkml:trace contextRef="#ctx0" brushRef="#br0" timeOffset="33334.7328">4851 7179 0,'0'18'16,"0"-1"-16,-18 1 16,0 0-16,1-18 0,-1 17 0,0-17 15,18 18 1,0-1-1,18-17-15,0 0 0,-1 0 16,1 0-16,0 0 0,17 0 16,-17 0-16,-1 0 0,1 0 0,0 0 15,-1 0-15,-17-17 0,18 17 16,-1 0 0,1 0 46,-18 17-46,18-17-16,-1 0 0,1 0 0,0 18 15,-1-18-15,1 18 0,0-18 16,-1 0 0,-17 17-16</inkml:trace>
-  <inkml:trace contextRef="#ctx0" brushRef="#br0" timeOffset="33496.7899">5221 7038 0,'0'0'0,"-18"-18"0,1 1 16,17-1-16,-18 18 0</inkml:trace>
+  <inkml:trace contextRef="#ctx0" brushRef="#br0" timeOffset="33496.7898">5221 7038 0,'0'0'0,"-18"-18"0,1 1 16,17-1-16,-18 18 0</inkml:trace>
   <inkml:trace contextRef="#ctx0" brushRef="#br0" timeOffset="34007.7388">5521 7426 0,'0'0'0,"0"18"0,18-1 16,-18 1-16,17 0 0,-17-1 15,0 1-15,0-1 16,0 1-16,0 0 0,0-1 16,-17-17 15,17-17-31,0-1 16,0 0-16,0 1 15,0-1-15,0 1 0,0-1 0,0 0 16,17 1-16,-17-1 0,18 18 15,0 0-15,-1-18 0,1 18 16,-1 0 0,1 18-1,-18 0-15,0-1 0,18 1 16,-1-18-16,-17 18 16,18-18-1,0 0-15,-1 0 16,-17-18-16,18 18 0,-18-18 15,18 1-15,-18-1 0,17 0 16,-17 1-16,0-1 16,0 0-1</inkml:trace>
   <inkml:trace contextRef="#ctx0" brushRef="#br0" timeOffset="34510.7685">5874 7338 0,'0'0'0,"17"0"0,1 0 0,0 0 0,-1 0 15,1 0-15,-18 17 0,0 1 16,18-18-16,-1 18 15,1 17-15,-1-17 16,-17-1-16,18-17 16,-18 18-16,0-36 31,0 1-31,0-1 16,0 0-16,0 1 0,0-19 0,0 19 15,0-19-15,0 1 0,0 0 0,0 0 16,0 17-16,0-17 0,18-1 15,-18 1-15,17 18 0,1-1 0,17-17 16,-17 17-16,0 18 16,-1 0-16,1-18 0,0 18 0,-1 0 15,1 0-15,-1 18 0,1-18 0,-18 18 16,18-1-16,-1 1 0,1 17 16,0-17-16,-1-1 0,-17 1 0,0 0 15,18-1-15,-18 1 0,18 0 16,-1-1-16,-34-17 47,-1-17-47,0 17 0,1 0 0,-1-18 15,0 18-15,1 0 16,-1 0-16,0 0 0,1 0 0,-1 0 16,-17 0-16,17 0 0,1 0 0,-1 0 15,0 18-15,1-18 16,17 17-16,0 1 15</inkml:trace>
   <inkml:trace contextRef="#ctx0" brushRef="#br0" timeOffset="34939.7308">6473 7267 0,'0'0'0,"36"0"0,-19 0 0,19 0 0,-19 18 15,19-1-15,-19 1 0,1-18 0,-1 18 16,1-1-16,-18 1 0,18 0 16,-18-1-16,0 1 0,0 0 0,0-1 15,0 1-15,0 0 16,-18-18-1,0 0-15,18-18 16,-17 18 0,17-18-16,0 1 0,0-1 0,0 0 15,0-17-15,0 17 0,0 1 0,0-19 16,0 19-16,0-18 0,0 17 16,17 0-16,1 1 0,0-1 0,-1 18 15,1-18-15,0 18 16,-18 18-1,0 0-15,0 17 0,0-17 16,0-1-16,0 18 16,0-17-16,-18 17 0,0-17 0,18 0 0,-17-1 15,-1 1-15,0 0 0,18-1 16,0 1-16</inkml:trace>
@@ -874,7 +877,7 @@
   <inkml:trace contextRef="#ctx0" brushRef="#br0" timeOffset="123186.647">15822 8043 0,'18'18'32,"-1"0"-17,1-18-15,17 17 0,-17 1 0,0 0 16,17-1-16,-18 18 0,19-17 15,-19 0-15,1-1 0,17 19 0,-17-19 16,-18 1-16,0 0 0,0-1 16,0 1-16,-18-18 31,1 0-31,-19-18 16,19 18-16,-1-17 0,0-1 0,-17-17 15,18 17-15,-1 0 0,18-17 16,0 17-16,0-17 0,0 0 0,0 17 15,35-17-15,-17 17 0,17-17 16,18 17-16,-18 18 0,18 0 0,0-17 16,0 17-16,-18 0 0,18 0 0,-17 17 15,-19-17-15,18 18 0,-17 0 16,-18-1-16,0 19 0,0-19 0,0 1 16,0 0-16,-18-1 15,-17 18-15,18-17 0,-19 0 0,19-18 16,-1 17-16,-17-17 0,17 18 15,0-18-15,1 0 0,34 0 32,19 0-32,-19 0 0,36 0 15,-17 0-15,16 0 0,1 0 0,0 0 16,0 0-16,-18 0 0,18 0 16,-17 0-16,-1 0 0,0 0 0,-17 0 15,-1 0-15,1 0 0,-18-18 16,0 1-1,-18 17 1,1 0-16,-1 0 0,1 0 0,-1 0 16,0 0-1,54 0 1,-19 0 0,18 17-16,-17-17 0,17 18 0,1-18 15,-1 0-15,0 0 0,-17 18 16,17-18-16,-17 0 0,-1 0 0,1 0 15,-36 0 17,1 0-32,-1 0 15,1 0-15,52 17 47,-18 1-47,1-18 0,17 0 16,-17 0-16,17 18 0,-17-18 15,17 17-15,-17-17 0,-1 0 0,1 0 16,0 0-16,-1 0 16,1 0 31,0 0-47,-1 0 15,1 0-15,0 0 0,-1 0 0,18 0 16,-17 0-16,0 18 0,-1-18 15,1 17-15,0 1 0,-1-18 0,-17 18 16,18-18-16,-18 17 0,0 1 16,-18-18-1</inkml:trace>
   <inkml:trace contextRef="#ctx0" brushRef="#br0" timeOffset="123747.6163">17392 8202 0,'18'35'0,"-36"-70"0,0 0 0,1 0 15,-1-18-15,-17 17 0,17 1 0,0 0 16,1-1-16,-1 19 0,1-18 0,17 17 16,-18 0-16,18 36 31,0 0-31,0 17 0,18 0 16,-18-17-16,17 35 0,1-18 15,-1 0-15,-17 1 0,18 16 0,0-16 16,-1-1-16,1 0 0,0-17 0,-1 17 15,1-17-15,0-1 0,-18 19 16,17-36-16,-17 17 0,0 1 0,0 0 16,0-36 31,0 0-47,0 1 15,0-1-15,18 0 16,-1 18-16,1 0 0,0 0 15,-1 0-15,1 0 0,17 0 0,1 0 16,-19 0-16,19 0 0,-1 0 0,0 0 16,0 0-16,-17 18 0,17-18 15,-17 0-15,17 0 0,-17 0 0,-1 0 16,1 0-16,0 0 0,-1 0 16,1-18-16,0 1 0,-18-1 15,0 1-15,0-1 16,0 0-16,0-17 0,0 17 0,0 1 15,-18-1-15,0 0 0,1 1 0,-19-1 16,19 1-16,-1 17 0,1 0 16,17 17-1,0 1-15,0-1 16,0 19-16,17-19 0,1 1 0,-1 17 16,1-17-16,17 0 0,1-1 15,-1 1-15,0-1 0,18 1 0,-18-18 16,1 18-16,-1-18 0,-17 0 15</inkml:trace>
   <inkml:trace contextRef="#ctx0" brushRef="#br0" timeOffset="127383.9631">28681 7937 0,'0'0'0,"17"0"0</inkml:trace>
-  <inkml:trace contextRef="#ctx0" brushRef="#br0" timeOffset="132504.3891">9490 8484 0,'17'0'31,"1"0"-31,0 0 0,-1 0 16,19 0-16,-1 0 0,0 0 16,18 0-16,0 0 0,0 0 0,0 0 15,17 0-15,-17 0 0,18 0 16,-18 0-16,17 0 0,-17 0 0,0 0 15,0 0-15,0 0 16,0 0-16,0 18 0,0-18 0,0 0 16,17 0-16,18 0 0,-17 18 15,17-18-15,-17 17 0,17-17 0,0 0 16,0 0-16,0 18 0,-17-18 0,17 17 16,0-17-16,-17 18 0,17-18 15,0 18-15,1-18 0,-1 0 0,0 17 16,-18 1-16,19-18 0,-19 18 15,18-1-15,-17 1 0,17 0 0,0-18 16,1 17-16,-1 1 16,18 0-16,-18-1 0,18-17 0,-18 18 15,18-1-15,-18-17 0,0 0 16,18 18-16,-18-18 0,18 0 0,0 18 16,0-18-16,-1 0 0,-16 17 15,16-17-15,-16 0 0,-1 0 0,0 0 16,0 0-16,-17 0 0,17 0 15,0 0-15,0 0 0,-17 0 0,17 0 16,-17 0-16,17 0 0,-18 0 16,1 0-16,-1 0 0,1 0 0,0 0 15,-1 0-15,-17 0 0,18 0 16,-1-17-16,1 17 0,-1-18 16,-17 18-16,18 0 0,-1 0 15,-17-18-15,18 18 0,-18-17 0,0 17 16,0 0-16,-18 0 0,18 0 15,-18-18-15,0 18 0,18 0 16,-18 0-16,1-17 0,-1 17 0,0-18 16,-17 0-16,17 18 0,1-17 15,-1 17-15,-18-18 0,19 0 0,-19 18 16,19-17-16,-19-1 0,19 18 0,-19-18 16,1 1-16,-1 17 0,19-18 15,-19 0-15,1 18 0,0-17 0,-1 17 16,1-18-16,-18 1 0,18 17 15,-1-18-15,1 18 0,-1-18 16,-17 1-16,18-1 0,0 0 16,-1 1-16,-17-1 15,18 18-15,0-18 0,-1 1 16,1-1-16,0 1 0,-1-1 16,1 0-16,0 1 0,-1-1 15,-17 0-15,0 1 0,0-1 0,0 0 16,0 1-16,0-1 0,0 1 15,0-1-15,-17 0 0,-1 1 0,0-1 16,-17 0-16,0 1 0,-1-1 16,1 0-16,0 1 0,-18-1 15,18 0-15,-1 1 0,-17-1 16,18 1-16,-18-1 0,18 0 0,-18 1 16,0-1-16,18 0 0,-18 1 0,18-1 15,-18 0-15,0 1 0,0-1 16,0 1-16,-18-1 0,19 0 0,-19 1 15,0-1-15,1 0 0,-1 1 16,1-1-16,17 18 0,-18-18 0,1 1 16,-1-1-16,18 1 0,-17-1 15,17 18-15,-18-18 0,1 1 0,-1-1 16,1 18-16,-1-18 0,0 1 16,1-1-16,-1 18 0,1-18 15,-1 1-15,1-1 0,17 18 16,-18-18-16,1 1 0,17 17 0,-18-18 15,18 1-15,-17 17 0,-1-18 16,1 0-16,-1 18 0,18-17 0,-17-1 16,-1 18-16,0-18 0,1 1 15,17 17-15,0-18 0,-17 18 0,17 0 16,0-18-16,-18 1 0,18 17 16,-17-18-16,-1 18 0,18 0 0,-17-17 15,-1 17-15,1-18 0,-1 18 16,0 0-16,1 0 0,17-18 0,-18 18 15,18-17-15,-17 17 0,17-18 16,0 18-16,0 0 0,0 0 0,0-18 16,-17 18-16,17-17 0,-18 17 15,18 0-15,-17 0 0,17 0 16,-18-18-16,1 18 0,-1 0 0,18 0 16,-17 0-16,17 0 0,-18 0 15,1 0-15,17 0 0,-18 0 0,1 0 16,-1 0-16,1 0 0,-1 0 15,0 0-15,1 0 0,-1 0 16,18 0-16,-17 0 0,17 0 0,-18 0 16,19 0-16,-1 0 0,0 0 15,0 0-15,17 0 0,-16 18 0,-1-18 16,0 0-16,0 0 0,0 17 16,0-17-16,0 0 0,0 18 0,0-18 15,0 18-15,0-18 0,0 17 16,1-17-16,-1 18 0,0-18 0,0 18 15,18-1-15,-18-17 0,17 0 16,1 18-16,0-1 0,0-17 0,-1 18 16,1-18-16,0 18 0,-1-1 15,1-17-15,0 18 0,0-18 0,-1 18 16,1-18-16,17 17 0,-17-17 16,0 18-16,0 0 0,-1-18 15,19 17-15,-19 1 0,1-18 0,17 17 16,-17 1-16,0-18 0,17 18 15,-17-1-15,17-17 0,-17 18 16,17 0-16,1-1 0,-1-17 0,0 18 16,1 0-16,-1-1 0,1 1 15,17 0-15,-18-1 0,18 1 16,-18-18-16,18 17 0,0 1 16,0 0-16,0-1 0,0 1 15,0 0-15,0-1 0,0 1 16,0 0-16,0-1 0,0 1 15,0-1-15,0 1 16,18 0-16,-18-1 0,18 1 16,-1-18-16,1 18 15,-1-1-15,1 1 0,0-18 0,-1 18 16,19-1-16,-19 1 0,19-1 16,-19 1-16,19 0 0,-1-1 0,18 1 15,-18 0-15,0-1 0,18 1 16,-18 0-16,18-1 0,-17 1 15,17-18-15,-18 18 0,18-1 0,-18 1 16,18-1-16,-18 1 0,18 0 0,-18-1 16,18 19-16,-17-19 15,17 1-15,-1 0 0,1-1 0,18 1 16,-18-1-16,0 1 0,0 0 0,17-1 16,-17 1-16,0 0 0,0-1 15,0 1-15,0 0 0,0-1 0,0-17 16,-18 18-16,18-1 0,-18-17 15,18 18-15</inkml:trace>
+  <inkml:trace contextRef="#ctx0" brushRef="#br0" timeOffset="132504.3889">9490 8484 0,'17'0'31,"1"0"-31,0 0 0,-1 0 16,19 0-16,-1 0 0,0 0 16,18 0-16,0 0 0,0 0 0,0 0 15,17 0-15,-17 0 0,18 0 16,-18 0-16,17 0 0,-17 0 0,0 0 15,0 0-15,0 0 16,0 0-16,0 18 0,0-18 0,0 0 16,17 0-16,18 0 0,-17 18 15,17-18-15,-17 17 0,17-17 0,0 0 16,0 0-16,0 18 0,-17-18 0,17 17 16,0-17-16,-17 18 0,17-18 15,0 18-15,1-18 0,-1 0 0,0 17 16,-18 1-16,19-18 0,-19 18 15,18-1-15,-17 1 0,17 0 0,0-18 16,1 17-16,-1 1 16,18 0-16,-18-1 0,18-17 0,-18 18 15,18-1-15,-18-17 0,0 0 16,18 18-16,-18-18 0,18 0 0,0 18 16,0-18-16,-1 0 0,-16 17 15,16-17-15,-16 0 0,-1 0 0,0 0 16,0 0-16,-17 0 0,17 0 15,0 0-15,0 0 0,-17 0 0,17 0 16,-17 0-16,17 0 0,-18 0 16,1 0-16,-1 0 0,1 0 0,0 0 15,-1 0-15,-17 0 0,18 0 16,-1-17-16,1 17 0,-1-18 16,-17 18-16,18 0 0,-1 0 15,-17-18-15,18 18 0,-18-17 0,0 17 16,0 0-16,-18 0 0,18 0 15,-18-18-15,0 18 0,18 0 16,-18 0-16,1-17 0,-1 17 0,0-18 16,-17 0-16,17 18 0,1-17 15,-1 17-15,-18-18 0,19 0 0,-19 18 16,19-17-16,-19-1 0,19 18 0,-19-18 16,1 1-16,-1 17 0,19-18 15,-19 0-15,1 18 0,0-17 0,-1 17 16,1-18-16,-18 1 0,18 17 15,-1-18-15,1 18 0,-1-18 16,-17 1-16,18-1 0,0 0 16,-1 1-16,-17-1 15,18 18-15,0-18 0,-1 1 16,1-1-16,0 1 0,-1-1 16,1 0-16,0 1 0,-1-1 15,-17 0-15,0 1 0,0-1 0,0 0 16,0 1-16,0-1 0,0 1 15,0-1-15,-17 0 0,-1 1 0,0-1 16,-17 0-16,0 1 0,-1-1 16,1 0-16,0 1 0,-18-1 15,18 0-15,-1 1 0,-17-1 16,18 1-16,-18-1 0,18 0 0,-18 1 16,0-1-16,18 0 0,-18 1 0,18-1 15,-18 0-15,0 1 0,0-1 16,0 1-16,-18-1 0,19 0 0,-19 1 15,0-1-15,1 0 0,-1 1 16,1-1-16,17 18 0,-18-18 0,1 1 16,-1-1-16,18 1 0,-17-1 15,17 18-15,-18-18 0,1 1 0,-1-1 16,1 18-16,-1-18 0,0 1 16,1-1-16,-1 18 0,1-18 15,-1 1-15,1-1 0,17 18 16,-18-18-16,1 1 0,17 17 0,-18-18 15,18 1-15,-17 17 0,-1-18 16,1 0-16,-1 18 0,18-17 0,-17-1 16,-1 18-16,0-18 0,1 1 15,17 17-15,0-18 0,-17 18 0,17 0 16,0-18-16,-18 1 0,18 17 16,-17-18-16,-1 18 0,18 0 0,-17-17 15,-1 17-15,1-18 0,-1 18 16,0 0-16,1 0 0,17-18 0,-18 18 15,18-17-15,-17 17 0,17-18 16,0 18-16,0 0 0,0 0 0,0-18 16,-17 18-16,17-17 0,-18 17 15,18 0-15,-17 0 0,17 0 16,-18-18-16,1 18 0,-1 0 0,18 0 16,-17 0-16,17 0 0,-18 0 15,1 0-15,17 0 0,-18 0 0,1 0 16,-1 0-16,1 0 0,-1 0 15,0 0-15,1 0 0,-1 0 16,18 0-16,-17 0 0,17 0 0,-18 0 16,19 0-16,-1 0 0,0 0 15,0 0-15,17 0 0,-16 18 0,-1-18 16,0 0-16,0 0 0,0 17 16,0-17-16,0 0 0,0 18 0,0-18 15,0 18-15,0-18 0,0 17 16,1-17-16,-1 18 0,0-18 0,0 18 15,18-1-15,-18-17 0,17 0 16,1 18-16,0-1 0,0-17 0,-1 18 16,1-18-16,0 18 0,-1-1 15,1-17-15,0 18 0,0-18 0,-1 18 16,1-18-16,17 17 0,-17-17 16,0 18-16,0 0 0,-1-18 15,19 17-15,-19 1 0,1-18 0,17 17 16,-17 1-16,0-18 0,17 18 15,-17-1-15,17-17 0,-17 18 16,17 0-16,1-1 0,-1-17 0,0 18 16,1 0-16,-1-1 0,1 1 15,17 0-15,-18-1 0,18 1 16,-18-18-16,18 17 0,0 1 16,0 0-16,0-1 0,0 1 15,0 0-15,0-1 0,0 1 16,0 0-16,0-1 0,0 1 15,0-1-15,0 1 16,18 0-16,-18-1 0,18 1 16,-1-18-16,1 18 15,-1-1-15,1 1 0,0-18 0,-1 18 16,19-1-16,-19 1 0,19-1 16,-19 1-16,19 0 0,-1-1 0,18 1 15,-18 0-15,0-1 0,18 1 16,-18 0-16,18-1 0,-17 1 15,17-18-15,-18 18 0,18-1 0,-18 1 16,18-1-16,-18 1 0,18 0 0,-18-1 16,18 19-16,-17-19 15,17 1-15,-1 0 0,1-1 0,18 1 16,-18-1-16,0 1 0,0 0 0,17-1 16,-17 1-16,0 0 0,0-1 15,0 1-15,0 0 0,0-1 0,0-17 16,-18 18-16,18-1 0,-18-17 15,18 18-15</inkml:trace>
 </inkml:ink>
 </file>
 
@@ -1009,7 +1012,7 @@
           <a:p>
             <a:fld id="{2EC940BE-C840-4BA0-8C1D-1D51BDB10E51}" type="datetimeFigureOut">
               <a:rPr lang="en-IN" smtClean="0"/>
-              <a:t>18-03-2020</a:t>
+              <a:t>26-03-2020</a:t>
             </a:fld>
             <a:endParaRPr lang="en-IN"/>
           </a:p>
@@ -1179,7 +1182,7 @@
           <a:p>
             <a:fld id="{2EC940BE-C840-4BA0-8C1D-1D51BDB10E51}" type="datetimeFigureOut">
               <a:rPr lang="en-IN" smtClean="0"/>
-              <a:t>18-03-2020</a:t>
+              <a:t>26-03-2020</a:t>
             </a:fld>
             <a:endParaRPr lang="en-IN"/>
           </a:p>
@@ -1359,7 +1362,7 @@
           <a:p>
             <a:fld id="{2EC940BE-C840-4BA0-8C1D-1D51BDB10E51}" type="datetimeFigureOut">
               <a:rPr lang="en-IN" smtClean="0"/>
-              <a:t>18-03-2020</a:t>
+              <a:t>26-03-2020</a:t>
             </a:fld>
             <a:endParaRPr lang="en-IN"/>
           </a:p>
@@ -1529,7 +1532,7 @@
           <a:p>
             <a:fld id="{2EC940BE-C840-4BA0-8C1D-1D51BDB10E51}" type="datetimeFigureOut">
               <a:rPr lang="en-IN" smtClean="0"/>
-              <a:t>18-03-2020</a:t>
+              <a:t>26-03-2020</a:t>
             </a:fld>
             <a:endParaRPr lang="en-IN"/>
           </a:p>
@@ -1775,7 +1778,7 @@
           <a:p>
             <a:fld id="{2EC940BE-C840-4BA0-8C1D-1D51BDB10E51}" type="datetimeFigureOut">
               <a:rPr lang="en-IN" smtClean="0"/>
-              <a:t>18-03-2020</a:t>
+              <a:t>26-03-2020</a:t>
             </a:fld>
             <a:endParaRPr lang="en-IN"/>
           </a:p>
@@ -2007,7 +2010,7 @@
           <a:p>
             <a:fld id="{2EC940BE-C840-4BA0-8C1D-1D51BDB10E51}" type="datetimeFigureOut">
               <a:rPr lang="en-IN" smtClean="0"/>
-              <a:t>18-03-2020</a:t>
+              <a:t>26-03-2020</a:t>
             </a:fld>
             <a:endParaRPr lang="en-IN"/>
           </a:p>
@@ -2374,7 +2377,7 @@
           <a:p>
             <a:fld id="{2EC940BE-C840-4BA0-8C1D-1D51BDB10E51}" type="datetimeFigureOut">
               <a:rPr lang="en-IN" smtClean="0"/>
-              <a:t>18-03-2020</a:t>
+              <a:t>26-03-2020</a:t>
             </a:fld>
             <a:endParaRPr lang="en-IN"/>
           </a:p>
@@ -2492,7 +2495,7 @@
           <a:p>
             <a:fld id="{2EC940BE-C840-4BA0-8C1D-1D51BDB10E51}" type="datetimeFigureOut">
               <a:rPr lang="en-IN" smtClean="0"/>
-              <a:t>18-03-2020</a:t>
+              <a:t>26-03-2020</a:t>
             </a:fld>
             <a:endParaRPr lang="en-IN"/>
           </a:p>
@@ -2587,7 +2590,7 @@
           <a:p>
             <a:fld id="{2EC940BE-C840-4BA0-8C1D-1D51BDB10E51}" type="datetimeFigureOut">
               <a:rPr lang="en-IN" smtClean="0"/>
-              <a:t>18-03-2020</a:t>
+              <a:t>26-03-2020</a:t>
             </a:fld>
             <a:endParaRPr lang="en-IN"/>
           </a:p>
@@ -2864,7 +2867,7 @@
           <a:p>
             <a:fld id="{2EC940BE-C840-4BA0-8C1D-1D51BDB10E51}" type="datetimeFigureOut">
               <a:rPr lang="en-IN" smtClean="0"/>
-              <a:t>18-03-2020</a:t>
+              <a:t>26-03-2020</a:t>
             </a:fld>
             <a:endParaRPr lang="en-IN"/>
           </a:p>
@@ -3117,7 +3120,7 @@
           <a:p>
             <a:fld id="{2EC940BE-C840-4BA0-8C1D-1D51BDB10E51}" type="datetimeFigureOut">
               <a:rPr lang="en-IN" smtClean="0"/>
-              <a:t>18-03-2020</a:t>
+              <a:t>26-03-2020</a:t>
             </a:fld>
             <a:endParaRPr lang="en-IN"/>
           </a:p>
@@ -3330,7 +3333,7 @@
           <a:p>
             <a:fld id="{2EC940BE-C840-4BA0-8C1D-1D51BDB10E51}" type="datetimeFigureOut">
               <a:rPr lang="en-IN" smtClean="0"/>
-              <a:t>18-03-2020</a:t>
+              <a:t>26-03-2020</a:t>
             </a:fld>
             <a:endParaRPr lang="en-IN"/>
           </a:p>
@@ -7422,11 +7425,7 @@
           <a:p>
             <a:r>
               <a:rPr lang="en-US" dirty="0" smtClean="0"/>
-              <a:t>Set the state using the </a:t>
-            </a:r>
-            <a:r>
-              <a:rPr lang="en-US" dirty="0" smtClean="0"/>
-              <a:t>copy</a:t>
+              <a:t>Set the state using the copy</a:t>
             </a:r>
           </a:p>
           <a:p>
@@ -8361,6 +8360,10 @@
           <a:bodyPr/>
           <a:lstStyle/>
           <a:p>
+            <a:r>
+              <a:rPr lang="en-US" dirty="0" smtClean="0"/>
+              <a:t>States while making a request to server(REST call or AJAX call)</a:t>
+            </a:r>
             <a:endParaRPr lang="en-IN" dirty="0"/>
           </a:p>
         </p:txBody>
@@ -8393,7 +8396,7 @@
           </a:p>
           <a:p>
             <a:r>
-              <a:rPr lang="en-US" smtClean="0"/>
+              <a:rPr lang="en-US" dirty="0" smtClean="0"/>
               <a:t>Response data -  Success</a:t>
             </a:r>
             <a:endParaRPr lang="en-IN" dirty="0"/>
@@ -8404,6 +8407,450 @@
     <p:extLst>
       <p:ext uri="{BB962C8B-B14F-4D97-AF65-F5344CB8AC3E}">
         <p14:creationId xmlns:p14="http://schemas.microsoft.com/office/powerpoint/2010/main" val="3502245279"/>
+      </p:ext>
+    </p:extLst>
+  </p:cSld>
+  <p:clrMapOvr>
+    <a:masterClrMapping/>
+  </p:clrMapOvr>
+</p:sld>
+</file>
+
+<file path=ppt/slides/slide47.xml><?xml version="1.0" encoding="utf-8"?>
+<p:sld xmlns:a="http://schemas.openxmlformats.org/drawingml/2006/main" xmlns:r="http://schemas.openxmlformats.org/officeDocument/2006/relationships" xmlns:p="http://schemas.openxmlformats.org/presentationml/2006/main">
+  <p:cSld>
+    <p:spTree>
+      <p:nvGrpSpPr>
+        <p:cNvPr id="1" name=""/>
+        <p:cNvGrpSpPr/>
+        <p:nvPr/>
+      </p:nvGrpSpPr>
+      <p:grpSpPr>
+        <a:xfrm>
+          <a:off x="0" y="0"/>
+          <a:ext cx="0" cy="0"/>
+          <a:chOff x="0" y="0"/>
+          <a:chExt cx="0" cy="0"/>
+        </a:xfrm>
+      </p:grpSpPr>
+      <p:sp>
+        <p:nvSpPr>
+          <p:cNvPr id="2" name="Title 1"/>
+          <p:cNvSpPr>
+            <a:spLocks noGrp="1"/>
+          </p:cNvSpPr>
+          <p:nvPr>
+            <p:ph type="title"/>
+          </p:nvPr>
+        </p:nvSpPr>
+        <p:spPr/>
+        <p:txBody>
+          <a:bodyPr/>
+          <a:lstStyle/>
+          <a:p>
+            <a:r>
+              <a:rPr lang="en-IN" dirty="0" err="1" smtClean="0"/>
+              <a:t>useCallback</a:t>
+            </a:r>
+            <a:endParaRPr lang="en-IN" dirty="0"/>
+          </a:p>
+        </p:txBody>
+      </p:sp>
+      <p:sp>
+        <p:nvSpPr>
+          <p:cNvPr id="3" name="Content Placeholder 2"/>
+          <p:cNvSpPr>
+            <a:spLocks noGrp="1"/>
+          </p:cNvSpPr>
+          <p:nvPr>
+            <p:ph idx="1"/>
+          </p:nvPr>
+        </p:nvSpPr>
+        <p:spPr/>
+        <p:txBody>
+          <a:bodyPr/>
+          <a:lstStyle/>
+          <a:p>
+            <a:r>
+              <a:rPr lang="en-IN" dirty="0" err="1" smtClean="0"/>
+              <a:t>useCallback</a:t>
+            </a:r>
+            <a:r>
+              <a:rPr lang="en-IN" dirty="0" smtClean="0"/>
+              <a:t>(()=&gt;{</a:t>
+            </a:r>
+          </a:p>
+          <a:p>
+            <a:endParaRPr lang="en-IN" dirty="0"/>
+          </a:p>
+          <a:p>
+            <a:pPr marL="0" indent="0">
+              <a:buNone/>
+            </a:pPr>
+            <a:r>
+              <a:rPr lang="en-IN" dirty="0" smtClean="0"/>
+              <a:t>},[age])</a:t>
+            </a:r>
+          </a:p>
+          <a:p>
+            <a:pPr marL="0" indent="0">
+              <a:buNone/>
+            </a:pPr>
+            <a:endParaRPr lang="en-IN" dirty="0"/>
+          </a:p>
+          <a:p>
+            <a:pPr marL="0" indent="0">
+              <a:buNone/>
+            </a:pPr>
+            <a:r>
+              <a:rPr lang="en-IN" dirty="0" err="1" smtClean="0"/>
+              <a:t>useCallback</a:t>
+            </a:r>
+            <a:r>
+              <a:rPr lang="en-IN" dirty="0" smtClean="0"/>
+              <a:t>(()=&gt;{</a:t>
+            </a:r>
+          </a:p>
+          <a:p>
+            <a:pPr marL="0" indent="0">
+              <a:buNone/>
+            </a:pPr>
+            <a:r>
+              <a:rPr lang="en-IN" dirty="0" smtClean="0"/>
+              <a:t>	</a:t>
+            </a:r>
+            <a:endParaRPr lang="en-IN" dirty="0"/>
+          </a:p>
+          <a:p>
+            <a:pPr marL="0" indent="0">
+              <a:buNone/>
+            </a:pPr>
+            <a:r>
+              <a:rPr lang="en-IN" dirty="0" smtClean="0"/>
+              <a:t>},[salary])</a:t>
+            </a:r>
+            <a:endParaRPr lang="en-IN" dirty="0"/>
+          </a:p>
+        </p:txBody>
+      </p:sp>
+    </p:spTree>
+    <p:extLst>
+      <p:ext uri="{BB962C8B-B14F-4D97-AF65-F5344CB8AC3E}">
+        <p14:creationId xmlns:p14="http://schemas.microsoft.com/office/powerpoint/2010/main" val="687607822"/>
+      </p:ext>
+    </p:extLst>
+  </p:cSld>
+  <p:clrMapOvr>
+    <a:masterClrMapping/>
+  </p:clrMapOvr>
+</p:sld>
+</file>
+
+<file path=ppt/slides/slide48.xml><?xml version="1.0" encoding="utf-8"?>
+<p:sld xmlns:a="http://schemas.openxmlformats.org/drawingml/2006/main" xmlns:r="http://schemas.openxmlformats.org/officeDocument/2006/relationships" xmlns:p="http://schemas.openxmlformats.org/presentationml/2006/main">
+  <p:cSld>
+    <p:spTree>
+      <p:nvGrpSpPr>
+        <p:cNvPr id="1" name=""/>
+        <p:cNvGrpSpPr/>
+        <p:nvPr/>
+      </p:nvGrpSpPr>
+      <p:grpSpPr>
+        <a:xfrm>
+          <a:off x="0" y="0"/>
+          <a:ext cx="0" cy="0"/>
+          <a:chOff x="0" y="0"/>
+          <a:chExt cx="0" cy="0"/>
+        </a:xfrm>
+      </p:grpSpPr>
+      <p:sp>
+        <p:nvSpPr>
+          <p:cNvPr id="2" name="Title 1"/>
+          <p:cNvSpPr>
+            <a:spLocks noGrp="1"/>
+          </p:cNvSpPr>
+          <p:nvPr>
+            <p:ph type="title"/>
+          </p:nvPr>
+        </p:nvSpPr>
+        <p:spPr/>
+        <p:txBody>
+          <a:bodyPr/>
+          <a:lstStyle/>
+          <a:p>
+            <a:r>
+              <a:rPr lang="en-US" dirty="0" err="1" smtClean="0"/>
+              <a:t>useReducer</a:t>
+            </a:r>
+            <a:r>
+              <a:rPr lang="en-US" dirty="0" smtClean="0"/>
+              <a:t>(</a:t>
+            </a:r>
+            <a:r>
+              <a:rPr lang="en-US" dirty="0" err="1" smtClean="0"/>
+              <a:t>reducer,initialState</a:t>
+            </a:r>
+            <a:r>
+              <a:rPr lang="en-US" dirty="0" smtClean="0"/>
+              <a:t>)</a:t>
+            </a:r>
+            <a:endParaRPr lang="en-IN" dirty="0"/>
+          </a:p>
+        </p:txBody>
+      </p:sp>
+      <p:sp>
+        <p:nvSpPr>
+          <p:cNvPr id="3" name="Content Placeholder 2"/>
+          <p:cNvSpPr>
+            <a:spLocks noGrp="1"/>
+          </p:cNvSpPr>
+          <p:nvPr>
+            <p:ph idx="1"/>
+          </p:nvPr>
+        </p:nvSpPr>
+        <p:spPr/>
+        <p:txBody>
+          <a:bodyPr/>
+          <a:lstStyle/>
+          <a:p>
+            <a:pPr marL="0" indent="0">
+              <a:buNone/>
+            </a:pPr>
+            <a:r>
+              <a:rPr lang="en-US" dirty="0" smtClean="0"/>
+              <a:t>new state = reducer(</a:t>
+            </a:r>
+            <a:r>
+              <a:rPr lang="en-US" dirty="0" err="1" smtClean="0"/>
+              <a:t>state,action</a:t>
+            </a:r>
+            <a:r>
+              <a:rPr lang="en-US" dirty="0" smtClean="0"/>
+              <a:t>)</a:t>
+            </a:r>
+          </a:p>
+          <a:p>
+            <a:pPr marL="0" indent="0">
+              <a:buNone/>
+            </a:pPr>
+            <a:endParaRPr lang="en-US" dirty="0"/>
+          </a:p>
+          <a:p>
+            <a:pPr marL="0" indent="0">
+              <a:buNone/>
+            </a:pPr>
+            <a:r>
+              <a:rPr lang="en-US" dirty="0" err="1" smtClean="0"/>
+              <a:t>const</a:t>
+            </a:r>
+            <a:r>
+              <a:rPr lang="en-US" dirty="0" smtClean="0"/>
+              <a:t> [ </a:t>
+            </a:r>
+            <a:r>
+              <a:rPr lang="en-US" dirty="0" err="1" smtClean="0"/>
+              <a:t>newState</a:t>
+            </a:r>
+            <a:r>
+              <a:rPr lang="en-US" dirty="0" smtClean="0"/>
+              <a:t>, dispatch ] = </a:t>
+            </a:r>
+            <a:r>
+              <a:rPr lang="en-US" dirty="0" err="1" smtClean="0"/>
+              <a:t>useReducer</a:t>
+            </a:r>
+            <a:r>
+              <a:rPr lang="en-US" dirty="0" smtClean="0"/>
+              <a:t>(</a:t>
+            </a:r>
+            <a:r>
+              <a:rPr lang="en-US" dirty="0" err="1" smtClean="0"/>
+              <a:t>reducer,initialState</a:t>
+            </a:r>
+            <a:r>
+              <a:rPr lang="en-US" dirty="0" smtClean="0"/>
+              <a:t>)</a:t>
+            </a:r>
+            <a:endParaRPr lang="en-IN" dirty="0"/>
+          </a:p>
+        </p:txBody>
+      </p:sp>
+    </p:spTree>
+    <p:extLst>
+      <p:ext uri="{BB962C8B-B14F-4D97-AF65-F5344CB8AC3E}">
+        <p14:creationId xmlns:p14="http://schemas.microsoft.com/office/powerpoint/2010/main" val="2468102049"/>
+      </p:ext>
+    </p:extLst>
+  </p:cSld>
+  <p:clrMapOvr>
+    <a:masterClrMapping/>
+  </p:clrMapOvr>
+</p:sld>
+</file>
+
+<file path=ppt/slides/slide49.xml><?xml version="1.0" encoding="utf-8"?>
+<p:sld xmlns:a="http://schemas.openxmlformats.org/drawingml/2006/main" xmlns:r="http://schemas.openxmlformats.org/officeDocument/2006/relationships" xmlns:p="http://schemas.openxmlformats.org/presentationml/2006/main">
+  <p:cSld>
+    <p:spTree>
+      <p:nvGrpSpPr>
+        <p:cNvPr id="1" name=""/>
+        <p:cNvGrpSpPr/>
+        <p:nvPr/>
+      </p:nvGrpSpPr>
+      <p:grpSpPr>
+        <a:xfrm>
+          <a:off x="0" y="0"/>
+          <a:ext cx="0" cy="0"/>
+          <a:chOff x="0" y="0"/>
+          <a:chExt cx="0" cy="0"/>
+        </a:xfrm>
+      </p:grpSpPr>
+      <p:sp>
+        <p:nvSpPr>
+          <p:cNvPr id="2" name="Title 1"/>
+          <p:cNvSpPr>
+            <a:spLocks noGrp="1"/>
+          </p:cNvSpPr>
+          <p:nvPr>
+            <p:ph type="title"/>
+          </p:nvPr>
+        </p:nvSpPr>
+        <p:spPr/>
+        <p:txBody>
+          <a:bodyPr/>
+          <a:lstStyle/>
+          <a:p>
+            <a:r>
+              <a:rPr lang="en-US" dirty="0" err="1" smtClean="0"/>
+              <a:t>useState</a:t>
+            </a:r>
+            <a:r>
+              <a:rPr lang="en-US" dirty="0" smtClean="0"/>
+              <a:t> vs </a:t>
+            </a:r>
+            <a:r>
+              <a:rPr lang="en-US" dirty="0" err="1" smtClean="0"/>
+              <a:t>useReducer</a:t>
+            </a:r>
+            <a:endParaRPr lang="en-IN" dirty="0"/>
+          </a:p>
+        </p:txBody>
+      </p:sp>
+      <p:sp>
+        <p:nvSpPr>
+          <p:cNvPr id="3" name="Content Placeholder 2"/>
+          <p:cNvSpPr>
+            <a:spLocks noGrp="1"/>
+          </p:cNvSpPr>
+          <p:nvPr>
+            <p:ph idx="1"/>
+          </p:nvPr>
+        </p:nvSpPr>
+        <p:spPr/>
+        <p:txBody>
+          <a:bodyPr/>
+          <a:lstStyle/>
+          <a:p>
+            <a:pPr marL="0" indent="0">
+              <a:buNone/>
+            </a:pPr>
+            <a:r>
+              <a:rPr lang="en-IN" dirty="0" smtClean="0"/>
+              <a:t>Primitive (</a:t>
+            </a:r>
+            <a:r>
+              <a:rPr lang="en-IN" dirty="0" err="1" smtClean="0"/>
+              <a:t>number,Boolean,string</a:t>
+            </a:r>
+            <a:r>
+              <a:rPr lang="en-IN" dirty="0" smtClean="0"/>
+              <a:t> ) – </a:t>
+            </a:r>
+            <a:r>
+              <a:rPr lang="en-IN" dirty="0" err="1" smtClean="0"/>
+              <a:t>useState</a:t>
+            </a:r>
+            <a:endParaRPr lang="en-IN" dirty="0" smtClean="0"/>
+          </a:p>
+          <a:p>
+            <a:pPr marL="0" indent="0">
+              <a:buNone/>
+            </a:pPr>
+            <a:r>
+              <a:rPr lang="en-IN" dirty="0" smtClean="0"/>
+              <a:t>Object , Array – </a:t>
+            </a:r>
+            <a:r>
+              <a:rPr lang="en-IN" dirty="0" err="1" smtClean="0"/>
+              <a:t>useReducer</a:t>
+            </a:r>
+            <a:endParaRPr lang="en-IN" dirty="0" smtClean="0"/>
+          </a:p>
+          <a:p>
+            <a:pPr marL="0" indent="0">
+              <a:buNone/>
+            </a:pPr>
+            <a:r>
+              <a:rPr lang="en-IN" dirty="0" smtClean="0"/>
+              <a:t>Global – </a:t>
+            </a:r>
+            <a:r>
+              <a:rPr lang="en-IN" dirty="0" err="1" smtClean="0"/>
+              <a:t>useReducer</a:t>
+            </a:r>
+            <a:endParaRPr lang="en-IN" dirty="0" smtClean="0"/>
+          </a:p>
+          <a:p>
+            <a:pPr marL="0" indent="0">
+              <a:buNone/>
+            </a:pPr>
+            <a:r>
+              <a:rPr lang="en-IN" dirty="0" smtClean="0"/>
+              <a:t>Local – </a:t>
+            </a:r>
+            <a:r>
+              <a:rPr lang="en-IN" dirty="0" err="1" smtClean="0"/>
+              <a:t>useState</a:t>
+            </a:r>
+            <a:r>
+              <a:rPr lang="en-IN" dirty="0" smtClean="0"/>
+              <a:t> </a:t>
+            </a:r>
+          </a:p>
+          <a:p>
+            <a:pPr marL="0" indent="0">
+              <a:buNone/>
+            </a:pPr>
+            <a:r>
+              <a:rPr lang="en-IN" dirty="0" smtClean="0"/>
+              <a:t>Business logic – </a:t>
+            </a:r>
+            <a:r>
+              <a:rPr lang="en-IN" dirty="0" err="1" smtClean="0"/>
+              <a:t>useReducer</a:t>
+            </a:r>
+            <a:endParaRPr lang="en-IN" dirty="0" smtClean="0"/>
+          </a:p>
+          <a:p>
+            <a:pPr marL="0" indent="0">
+              <a:buNone/>
+            </a:pPr>
+            <a:r>
+              <a:rPr lang="en-IN" dirty="0" smtClean="0"/>
+              <a:t>No business logic - </a:t>
+            </a:r>
+            <a:r>
+              <a:rPr lang="en-IN" dirty="0" err="1" smtClean="0"/>
+              <a:t>useState</a:t>
+            </a:r>
+            <a:endParaRPr lang="en-IN" dirty="0"/>
+          </a:p>
+        </p:txBody>
+      </p:sp>
+    </p:spTree>
+    <p:extLst>
+      <p:ext uri="{BB962C8B-B14F-4D97-AF65-F5344CB8AC3E}">
+        <p14:creationId xmlns:p14="http://schemas.microsoft.com/office/powerpoint/2010/main" val="4123531385"/>
       </p:ext>
     </p:extLst>
   </p:cSld>
